--- a/docs/git/github_workshop/images/github_workflow.pptx
+++ b/docs/git/github_workshop/images/github_workflow.pptx
@@ -5,9 +5,14 @@
     <p:sldMasterId id="2147483648" r:id="rId1"/>
   </p:sldMasterIdLst>
   <p:sldIdLst>
-    <p:sldId id="257" r:id="rId2"/>
-    <p:sldId id="258" r:id="rId3"/>
-    <p:sldId id="259" r:id="rId4"/>
+    <p:sldId id="263" r:id="rId2"/>
+    <p:sldId id="265" r:id="rId3"/>
+    <p:sldId id="264" r:id="rId4"/>
+    <p:sldId id="267" r:id="rId5"/>
+    <p:sldId id="266" r:id="rId6"/>
+    <p:sldId id="268" r:id="rId7"/>
+    <p:sldId id="258" r:id="rId8"/>
+    <p:sldId id="259" r:id="rId9"/>
   </p:sldIdLst>
   <p:sldSz cx="12192000" cy="6858000"/>
   <p:notesSz cx="6858000" cy="9144000"/>
@@ -261,7 +266,7 @@
           <a:p>
             <a:fld id="{7742415E-BA8F-4F59-BE56-BAFF657CF268}" type="datetimeFigureOut">
               <a:rPr lang="de-DE" smtClean="0"/>
-              <a:t>08.11.2024</a:t>
+              <a:t>12.11.2024</a:t>
             </a:fld>
             <a:endParaRPr lang="de-DE"/>
           </a:p>
@@ -459,7 +464,7 @@
           <a:p>
             <a:fld id="{7742415E-BA8F-4F59-BE56-BAFF657CF268}" type="datetimeFigureOut">
               <a:rPr lang="de-DE" smtClean="0"/>
-              <a:t>08.11.2024</a:t>
+              <a:t>12.11.2024</a:t>
             </a:fld>
             <a:endParaRPr lang="de-DE"/>
           </a:p>
@@ -667,7 +672,7 @@
           <a:p>
             <a:fld id="{7742415E-BA8F-4F59-BE56-BAFF657CF268}" type="datetimeFigureOut">
               <a:rPr lang="de-DE" smtClean="0"/>
-              <a:t>08.11.2024</a:t>
+              <a:t>12.11.2024</a:t>
             </a:fld>
             <a:endParaRPr lang="de-DE"/>
           </a:p>
@@ -865,7 +870,7 @@
           <a:p>
             <a:fld id="{7742415E-BA8F-4F59-BE56-BAFF657CF268}" type="datetimeFigureOut">
               <a:rPr lang="de-DE" smtClean="0"/>
-              <a:t>08.11.2024</a:t>
+              <a:t>12.11.2024</a:t>
             </a:fld>
             <a:endParaRPr lang="de-DE"/>
           </a:p>
@@ -1140,7 +1145,7 @@
           <a:p>
             <a:fld id="{7742415E-BA8F-4F59-BE56-BAFF657CF268}" type="datetimeFigureOut">
               <a:rPr lang="de-DE" smtClean="0"/>
-              <a:t>08.11.2024</a:t>
+              <a:t>12.11.2024</a:t>
             </a:fld>
             <a:endParaRPr lang="de-DE"/>
           </a:p>
@@ -1405,7 +1410,7 @@
           <a:p>
             <a:fld id="{7742415E-BA8F-4F59-BE56-BAFF657CF268}" type="datetimeFigureOut">
               <a:rPr lang="de-DE" smtClean="0"/>
-              <a:t>08.11.2024</a:t>
+              <a:t>12.11.2024</a:t>
             </a:fld>
             <a:endParaRPr lang="de-DE"/>
           </a:p>
@@ -1817,7 +1822,7 @@
           <a:p>
             <a:fld id="{7742415E-BA8F-4F59-BE56-BAFF657CF268}" type="datetimeFigureOut">
               <a:rPr lang="de-DE" smtClean="0"/>
-              <a:t>08.11.2024</a:t>
+              <a:t>12.11.2024</a:t>
             </a:fld>
             <a:endParaRPr lang="de-DE"/>
           </a:p>
@@ -1958,7 +1963,7 @@
           <a:p>
             <a:fld id="{7742415E-BA8F-4F59-BE56-BAFF657CF268}" type="datetimeFigureOut">
               <a:rPr lang="de-DE" smtClean="0"/>
-              <a:t>08.11.2024</a:t>
+              <a:t>12.11.2024</a:t>
             </a:fld>
             <a:endParaRPr lang="de-DE"/>
           </a:p>
@@ -2071,7 +2076,7 @@
           <a:p>
             <a:fld id="{7742415E-BA8F-4F59-BE56-BAFF657CF268}" type="datetimeFigureOut">
               <a:rPr lang="de-DE" smtClean="0"/>
-              <a:t>08.11.2024</a:t>
+              <a:t>12.11.2024</a:t>
             </a:fld>
             <a:endParaRPr lang="de-DE"/>
           </a:p>
@@ -2382,7 +2387,7 @@
           <a:p>
             <a:fld id="{7742415E-BA8F-4F59-BE56-BAFF657CF268}" type="datetimeFigureOut">
               <a:rPr lang="de-DE" smtClean="0"/>
-              <a:t>08.11.2024</a:t>
+              <a:t>12.11.2024</a:t>
             </a:fld>
             <a:endParaRPr lang="de-DE"/>
           </a:p>
@@ -2670,7 +2675,7 @@
           <a:p>
             <a:fld id="{7742415E-BA8F-4F59-BE56-BAFF657CF268}" type="datetimeFigureOut">
               <a:rPr lang="de-DE" smtClean="0"/>
-              <a:t>08.11.2024</a:t>
+              <a:t>12.11.2024</a:t>
             </a:fld>
             <a:endParaRPr lang="de-DE"/>
           </a:p>
@@ -2911,7 +2916,7 @@
           <a:p>
             <a:fld id="{7742415E-BA8F-4F59-BE56-BAFF657CF268}" type="datetimeFigureOut">
               <a:rPr lang="de-DE" smtClean="0"/>
-              <a:t>08.11.2024</a:t>
+              <a:t>12.11.2024</a:t>
             </a:fld>
             <a:endParaRPr lang="de-DE"/>
           </a:p>
@@ -3454,7 +3459,7 @@
                     <a:srgbClr val="01364C"/>
                   </a:solidFill>
                 </a:rPr>
-                <a:t>Clone</a:t>
+                <a:t>Pull</a:t>
               </a:r>
             </a:p>
           </p:txBody>
@@ -3743,6 +3748,7 @@
               </a:extLst>
             </p:cNvPr>
             <p:cNvCxnSpPr>
+              <a:cxnSpLocks/>
               <a:stCxn id="11" idx="0"/>
               <a:endCxn id="5" idx="1"/>
             </p:cNvCxnSpPr>
@@ -3850,10 +3856,10 @@
         </p:nvGrpSpPr>
         <p:grpSpPr>
           <a:xfrm>
-            <a:off x="8695062" y="3724607"/>
-            <a:ext cx="2426867" cy="2430007"/>
-            <a:chOff x="8365374" y="4010908"/>
-            <a:chExt cx="2426867" cy="2430007"/>
+            <a:off x="8677275" y="3502232"/>
+            <a:ext cx="2730254" cy="2652382"/>
+            <a:chOff x="8347587" y="3788533"/>
+            <a:chExt cx="2730254" cy="2652382"/>
           </a:xfrm>
         </p:grpSpPr>
         <p:pic>
@@ -3905,14 +3911,14 @@
           </p:nvSpPr>
           <p:spPr>
             <a:xfrm>
-              <a:off x="8365374" y="6154614"/>
-              <a:ext cx="2088879" cy="286301"/>
+              <a:off x="8347587" y="6154614"/>
+              <a:ext cx="2119313" cy="286301"/>
             </a:xfrm>
             <a:prstGeom prst="rect">
               <a:avLst/>
             </a:prstGeom>
             <a:solidFill>
-              <a:srgbClr val="01364C"/>
+              <a:srgbClr val="F4BA02"/>
             </a:solidFill>
             <a:ln w="25400">
               <a:solidFill>
@@ -3942,32 +3948,32 @@
             <a:p>
               <a:pPr algn="ctr"/>
               <a:r>
-                <a:rPr lang="en-US" dirty="0">
+                <a:rPr lang="en-US" sz="1400" dirty="0">
                   <a:solidFill>
-                    <a:srgbClr val="F4BA02"/>
+                    <a:srgbClr val="01364C"/>
                   </a:solidFill>
                 </a:rPr>
                 <a:t>Repository (</a:t>
               </a:r>
               <a:r>
-                <a:rPr lang="en-US" dirty="0" err="1">
+                <a:rPr lang="en-US" sz="1400" dirty="0" err="1">
                   <a:solidFill>
-                    <a:srgbClr val="F4BA02"/>
+                    <a:srgbClr val="01364C"/>
                   </a:solidFill>
                 </a:rPr>
                 <a:t>lokal</a:t>
               </a:r>
               <a:r>
-                <a:rPr lang="en-US" dirty="0">
+                <a:rPr lang="en-US" sz="1400" dirty="0">
                   <a:solidFill>
-                    <a:srgbClr val="F4BA02"/>
+                    <a:srgbClr val="01364C"/>
                   </a:solidFill>
                 </a:rPr>
                 <a:t>)</a:t>
               </a:r>
-              <a:endParaRPr lang="de-DE" dirty="0">
+              <a:endParaRPr lang="de-DE" sz="1400" dirty="0">
                 <a:solidFill>
-                  <a:srgbClr val="F4BA02"/>
+                  <a:srgbClr val="01364C"/>
                 </a:solidFill>
               </a:endParaRPr>
             </a:p>
@@ -4004,7 +4010,7 @@
           </p:blipFill>
           <p:spPr>
             <a:xfrm>
-              <a:off x="10116264" y="4010908"/>
+              <a:off x="10401864" y="3788533"/>
               <a:ext cx="675977" cy="675977"/>
             </a:xfrm>
             <a:prstGeom prst="rect">
@@ -4027,10 +4033,10 @@
         </p:nvGrpSpPr>
         <p:grpSpPr>
           <a:xfrm>
-            <a:off x="1481483" y="3887603"/>
-            <a:ext cx="2538046" cy="2373464"/>
-            <a:chOff x="4874728" y="4126522"/>
-            <a:chExt cx="2538046" cy="2373464"/>
+            <a:off x="1690056" y="3887603"/>
+            <a:ext cx="2119313" cy="2320124"/>
+            <a:chOff x="5083301" y="4126522"/>
+            <a:chExt cx="2119313" cy="2320124"/>
           </a:xfrm>
         </p:grpSpPr>
         <p:pic>
@@ -4082,14 +4088,14 @@
           </p:nvSpPr>
           <p:spPr>
             <a:xfrm>
-              <a:off x="4874728" y="6213685"/>
-              <a:ext cx="2538046" cy="286301"/>
+              <a:off x="5083301" y="6160345"/>
+              <a:ext cx="2119313" cy="286301"/>
             </a:xfrm>
             <a:prstGeom prst="rect">
               <a:avLst/>
             </a:prstGeom>
             <a:solidFill>
-              <a:srgbClr val="01364C"/>
+              <a:srgbClr val="F4BA02"/>
             </a:solidFill>
             <a:ln w="25400">
               <a:solidFill>
@@ -4119,32 +4125,32 @@
             <a:p>
               <a:pPr algn="ctr"/>
               <a:r>
-                <a:rPr lang="en-US" dirty="0">
+                <a:rPr lang="en-US" sz="1400" dirty="0">
                   <a:solidFill>
-                    <a:srgbClr val="F4BA02"/>
+                    <a:srgbClr val="01364C"/>
                   </a:solidFill>
                 </a:rPr>
                 <a:t>Repository (</a:t>
               </a:r>
               <a:r>
-                <a:rPr lang="en-US" dirty="0" err="1">
+                <a:rPr lang="en-US" sz="1400" dirty="0" err="1">
                   <a:solidFill>
-                    <a:srgbClr val="F4BA02"/>
+                    <a:srgbClr val="01364C"/>
                   </a:solidFill>
                 </a:rPr>
                 <a:t>lokal</a:t>
               </a:r>
               <a:r>
-                <a:rPr lang="en-US" dirty="0">
+                <a:rPr lang="en-US" sz="1400" dirty="0">
                   <a:solidFill>
-                    <a:srgbClr val="F4BA02"/>
+                    <a:srgbClr val="01364C"/>
                   </a:solidFill>
                 </a:rPr>
                 <a:t>)</a:t>
               </a:r>
-              <a:endParaRPr lang="de-DE" dirty="0">
+              <a:endParaRPr lang="de-DE" sz="1400" dirty="0">
                 <a:solidFill>
-                  <a:srgbClr val="F4BA02"/>
+                  <a:srgbClr val="01364C"/>
                 </a:solidFill>
               </a:endParaRPr>
             </a:p>
@@ -4172,7 +4178,7 @@
             <a:avLst/>
           </a:prstGeom>
           <a:solidFill>
-            <a:srgbClr val="01364C"/>
+            <a:srgbClr val="F4BA02"/>
           </a:solidFill>
           <a:ln w="25400">
             <a:solidFill>
@@ -4202,32 +4208,32 @@
           <a:p>
             <a:pPr algn="ctr"/>
             <a:r>
-              <a:rPr lang="en-US" dirty="0">
+              <a:rPr lang="en-US" sz="1400" dirty="0">
                 <a:solidFill>
-                  <a:srgbClr val="F4BA02"/>
+                  <a:srgbClr val="01364C"/>
                 </a:solidFill>
               </a:rPr>
               <a:t>Git (</a:t>
             </a:r>
             <a:r>
-              <a:rPr lang="en-US" dirty="0" err="1">
+              <a:rPr lang="en-US" sz="1400" dirty="0" err="1">
                 <a:solidFill>
-                  <a:srgbClr val="F4BA02"/>
+                  <a:srgbClr val="01364C"/>
                 </a:solidFill>
               </a:rPr>
               <a:t>lokal</a:t>
             </a:r>
             <a:r>
-              <a:rPr lang="en-US" dirty="0">
+              <a:rPr lang="en-US" sz="1400" dirty="0">
                 <a:solidFill>
-                  <a:srgbClr val="F4BA02"/>
+                  <a:srgbClr val="01364C"/>
                 </a:solidFill>
               </a:rPr>
               <a:t>)</a:t>
             </a:r>
-            <a:endParaRPr lang="de-DE" dirty="0">
+            <a:endParaRPr lang="de-DE" sz="1400" dirty="0">
               <a:solidFill>
-                <a:srgbClr val="F4BA02"/>
+                <a:srgbClr val="01364C"/>
               </a:solidFill>
             </a:endParaRPr>
           </a:p>
@@ -4247,10 +4253,10 @@
         </p:nvGrpSpPr>
         <p:grpSpPr>
           <a:xfrm>
-            <a:off x="4826977" y="17689"/>
-            <a:ext cx="2848120" cy="1842894"/>
-            <a:chOff x="4741985" y="284844"/>
-            <a:chExt cx="2848120" cy="1842894"/>
+            <a:off x="4810123" y="-79927"/>
+            <a:ext cx="3064999" cy="1940510"/>
+            <a:chOff x="4725131" y="187228"/>
+            <a:chExt cx="3064999" cy="1940510"/>
           </a:xfrm>
         </p:grpSpPr>
         <p:pic>
@@ -4308,14 +4314,14 @@
           </p:nvSpPr>
           <p:spPr>
             <a:xfrm>
-              <a:off x="4741985" y="1841437"/>
-              <a:ext cx="2538046" cy="286301"/>
+              <a:off x="4725131" y="1841437"/>
+              <a:ext cx="2569371" cy="286301"/>
             </a:xfrm>
             <a:prstGeom prst="rect">
               <a:avLst/>
             </a:prstGeom>
             <a:solidFill>
-              <a:srgbClr val="01364C"/>
+              <a:srgbClr val="00E0E0"/>
             </a:solidFill>
             <a:ln w="25400">
               <a:solidFill>
@@ -4345,16 +4351,16 @@
             <a:p>
               <a:pPr algn="ctr"/>
               <a:r>
-                <a:rPr lang="en-US" dirty="0">
+                <a:rPr lang="en-US" sz="1400" dirty="0">
                   <a:solidFill>
-                    <a:srgbClr val="F4BA02"/>
+                    <a:srgbClr val="01364C"/>
                   </a:solidFill>
                 </a:rPr>
                 <a:t>Repository (online)</a:t>
               </a:r>
-              <a:endParaRPr lang="de-DE" dirty="0">
+              <a:endParaRPr lang="de-DE" sz="1400" dirty="0">
                 <a:solidFill>
-                  <a:srgbClr val="F4BA02"/>
+                  <a:srgbClr val="01364C"/>
                 </a:solidFill>
               </a:endParaRPr>
             </a:p>
@@ -4391,7 +4397,7 @@
           </p:blipFill>
           <p:spPr>
             <a:xfrm>
-              <a:off x="6969956" y="284844"/>
+              <a:off x="7169981" y="187228"/>
               <a:ext cx="620149" cy="620149"/>
             </a:xfrm>
             <a:prstGeom prst="rect">
@@ -4415,13 +4421,13 @@
           <p:nvPr/>
         </p:nvPicPr>
         <p:blipFill>
-          <a:blip r:embed="rId8">
+          <a:blip r:embed="rId3">
             <a:extLst>
               <a:ext uri="{28A0092B-C50C-407E-A947-70E740481C1C}">
                 <a14:useLocalDpi xmlns:a14="http://schemas.microsoft.com/office/drawing/2010/main" val="0"/>
               </a:ext>
               <a:ext uri="{96DAC541-7B7A-43D3-8B79-37D633B846F1}">
-                <asvg:svgBlip xmlns:asvg="http://schemas.microsoft.com/office/drawing/2016/SVG/main" r:embed="rId9"/>
+                <asvg:svgBlip xmlns:asvg="http://schemas.microsoft.com/office/drawing/2016/SVG/main" r:embed="rId8"/>
               </a:ext>
             </a:extLst>
           </a:blip>
@@ -4431,7 +4437,7 @@
         </p:blipFill>
         <p:spPr>
           <a:xfrm>
-            <a:off x="1208455" y="1680428"/>
+            <a:off x="1421532" y="1755211"/>
             <a:ext cx="675977" cy="675977"/>
           </a:xfrm>
           <a:prstGeom prst="rect">
@@ -4454,13 +4460,13 @@
           <p:nvPr/>
         </p:nvPicPr>
         <p:blipFill>
-          <a:blip r:embed="rId8">
+          <a:blip r:embed="rId3">
             <a:extLst>
               <a:ext uri="{28A0092B-C50C-407E-A947-70E740481C1C}">
                 <a14:useLocalDpi xmlns:a14="http://schemas.microsoft.com/office/drawing/2010/main" val="0"/>
               </a:ext>
               <a:ext uri="{96DAC541-7B7A-43D3-8B79-37D633B846F1}">
-                <asvg:svgBlip xmlns:asvg="http://schemas.microsoft.com/office/drawing/2016/SVG/main" r:embed="rId9"/>
+                <asvg:svgBlip xmlns:asvg="http://schemas.microsoft.com/office/drawing/2016/SVG/main" r:embed="rId8"/>
               </a:ext>
             </a:extLst>
           </a:blip>
@@ -4470,7 +4476,7 @@
         </p:blipFill>
         <p:spPr>
           <a:xfrm>
-            <a:off x="956708" y="3651034"/>
+            <a:off x="1071171" y="3646813"/>
             <a:ext cx="675977" cy="675977"/>
           </a:xfrm>
           <a:prstGeom prst="rect">
@@ -4481,7 +4487,7 @@
     </p:spTree>
     <p:extLst>
       <p:ext uri="{BB962C8B-B14F-4D97-AF65-F5344CB8AC3E}">
-        <p14:creationId xmlns:p14="http://schemas.microsoft.com/office/powerpoint/2010/main" val="647297937"/>
+        <p14:creationId xmlns:p14="http://schemas.microsoft.com/office/powerpoint/2010/main" val="3924905939"/>
       </p:ext>
     </p:extLst>
   </p:cSld>
@@ -4516,6 +4522,6171 @@
           <a:chExt cx="0" cy="0"/>
         </a:xfrm>
       </p:grpSpPr>
+      <p:grpSp>
+        <p:nvGrpSpPr>
+          <p:cNvPr id="38" name="Gruppieren 37">
+            <a:extLst>
+              <a:ext uri="{FF2B5EF4-FFF2-40B4-BE49-F238E27FC236}">
+                <a16:creationId xmlns:a16="http://schemas.microsoft.com/office/drawing/2014/main" id="{C096E458-199A-4D22-B997-BFD017610668}"/>
+              </a:ext>
+            </a:extLst>
+          </p:cNvPr>
+          <p:cNvGrpSpPr/>
+          <p:nvPr/>
+        </p:nvGrpSpPr>
+        <p:grpSpPr>
+          <a:xfrm>
+            <a:off x="7365023" y="890328"/>
+            <a:ext cx="2374479" cy="2949893"/>
+            <a:chOff x="7365023" y="890328"/>
+            <a:chExt cx="2374479" cy="2949893"/>
+          </a:xfrm>
+        </p:grpSpPr>
+        <p:cxnSp>
+          <p:nvCxnSpPr>
+            <p:cNvPr id="8" name="Gerade Verbindung mit Pfeil 7">
+              <a:extLst>
+                <a:ext uri="{FF2B5EF4-FFF2-40B4-BE49-F238E27FC236}">
+                  <a16:creationId xmlns:a16="http://schemas.microsoft.com/office/drawing/2014/main" id="{AA5E1B15-C5FA-47CF-B41C-CA708864F0A3}"/>
+                </a:ext>
+              </a:extLst>
+            </p:cNvPr>
+            <p:cNvCxnSpPr>
+              <a:cxnSpLocks/>
+              <a:stCxn id="5" idx="3"/>
+              <a:endCxn id="6" idx="0"/>
+            </p:cNvCxnSpPr>
+            <p:nvPr/>
+          </p:nvCxnSpPr>
+          <p:spPr>
+            <a:xfrm>
+              <a:off x="7365023" y="890328"/>
+              <a:ext cx="2374479" cy="2949893"/>
+            </a:xfrm>
+            <a:prstGeom prst="straightConnector1">
+              <a:avLst/>
+            </a:prstGeom>
+            <a:ln w="12700">
+              <a:solidFill>
+                <a:schemeClr val="tx1"/>
+              </a:solidFill>
+              <a:tailEnd type="triangle"/>
+            </a:ln>
+          </p:spPr>
+          <p:style>
+            <a:lnRef idx="1">
+              <a:schemeClr val="accent1"/>
+            </a:lnRef>
+            <a:fillRef idx="0">
+              <a:schemeClr val="accent1"/>
+            </a:fillRef>
+            <a:effectRef idx="0">
+              <a:schemeClr val="accent1"/>
+            </a:effectRef>
+            <a:fontRef idx="minor">
+              <a:schemeClr val="tx1"/>
+            </a:fontRef>
+          </p:style>
+        </p:cxnSp>
+        <p:sp>
+          <p:nvSpPr>
+            <p:cNvPr id="23" name="Rechteck 22">
+              <a:extLst>
+                <a:ext uri="{FF2B5EF4-FFF2-40B4-BE49-F238E27FC236}">
+                  <a16:creationId xmlns:a16="http://schemas.microsoft.com/office/drawing/2014/main" id="{942A0602-D83C-43F2-9088-C1198857C1EE}"/>
+                </a:ext>
+              </a:extLst>
+            </p:cNvPr>
+            <p:cNvSpPr/>
+            <p:nvPr/>
+          </p:nvSpPr>
+          <p:spPr>
+            <a:xfrm rot="2966783">
+              <a:off x="8448393" y="2230539"/>
+              <a:ext cx="493338" cy="286301"/>
+            </a:xfrm>
+            <a:prstGeom prst="rect">
+              <a:avLst/>
+            </a:prstGeom>
+            <a:noFill/>
+            <a:ln>
+              <a:noFill/>
+            </a:ln>
+          </p:spPr>
+          <p:style>
+            <a:lnRef idx="2">
+              <a:schemeClr val="accent1">
+                <a:shade val="50000"/>
+              </a:schemeClr>
+            </a:lnRef>
+            <a:fillRef idx="1">
+              <a:schemeClr val="accent1"/>
+            </a:fillRef>
+            <a:effectRef idx="0">
+              <a:schemeClr val="accent1"/>
+            </a:effectRef>
+            <a:fontRef idx="minor">
+              <a:schemeClr val="lt1"/>
+            </a:fontRef>
+          </p:style>
+          <p:txBody>
+            <a:bodyPr rtlCol="0" anchor="ctr"/>
+            <a:lstStyle/>
+            <a:p>
+              <a:pPr algn="ctr"/>
+              <a:r>
+                <a:rPr lang="en-US" sz="1000" dirty="0">
+                  <a:solidFill>
+                    <a:srgbClr val="01364C"/>
+                  </a:solidFill>
+                </a:rPr>
+                <a:t>Pull</a:t>
+              </a:r>
+            </a:p>
+          </p:txBody>
+        </p:sp>
+      </p:grpSp>
+      <p:grpSp>
+        <p:nvGrpSpPr>
+          <p:cNvPr id="45" name="Gruppieren 44">
+            <a:extLst>
+              <a:ext uri="{FF2B5EF4-FFF2-40B4-BE49-F238E27FC236}">
+                <a16:creationId xmlns:a16="http://schemas.microsoft.com/office/drawing/2014/main" id="{C8F73169-4096-4456-9C7A-8C0B1A8DB7EF}"/>
+              </a:ext>
+            </a:extLst>
+          </p:cNvPr>
+          <p:cNvGrpSpPr/>
+          <p:nvPr/>
+        </p:nvGrpSpPr>
+        <p:grpSpPr>
+          <a:xfrm>
+            <a:off x="3794946" y="4854267"/>
+            <a:ext cx="4900116" cy="301432"/>
+            <a:chOff x="3794946" y="4854267"/>
+            <a:chExt cx="4900116" cy="301432"/>
+          </a:xfrm>
+        </p:grpSpPr>
+        <p:cxnSp>
+          <p:nvCxnSpPr>
+            <p:cNvPr id="18" name="Gerade Verbindung mit Pfeil 17">
+              <a:extLst>
+                <a:ext uri="{FF2B5EF4-FFF2-40B4-BE49-F238E27FC236}">
+                  <a16:creationId xmlns:a16="http://schemas.microsoft.com/office/drawing/2014/main" id="{F7A8726D-6B1E-4CEF-A850-C2698D660247}"/>
+                </a:ext>
+              </a:extLst>
+            </p:cNvPr>
+            <p:cNvCxnSpPr>
+              <a:cxnSpLocks/>
+              <a:stCxn id="6" idx="1"/>
+              <a:endCxn id="10" idx="3"/>
+            </p:cNvCxnSpPr>
+            <p:nvPr/>
+          </p:nvCxnSpPr>
+          <p:spPr>
+            <a:xfrm flipH="1">
+              <a:off x="3794946" y="4854267"/>
+              <a:ext cx="4900116" cy="47382"/>
+            </a:xfrm>
+            <a:prstGeom prst="straightConnector1">
+              <a:avLst/>
+            </a:prstGeom>
+            <a:ln w="12700">
+              <a:solidFill>
+                <a:schemeClr val="tx1"/>
+              </a:solidFill>
+              <a:tailEnd type="triangle"/>
+            </a:ln>
+          </p:spPr>
+          <p:style>
+            <a:lnRef idx="1">
+              <a:schemeClr val="accent1"/>
+            </a:lnRef>
+            <a:fillRef idx="0">
+              <a:schemeClr val="accent1"/>
+            </a:fillRef>
+            <a:effectRef idx="0">
+              <a:schemeClr val="accent1"/>
+            </a:effectRef>
+            <a:fontRef idx="minor">
+              <a:schemeClr val="tx1"/>
+            </a:fontRef>
+          </p:style>
+        </p:cxnSp>
+        <p:sp>
+          <p:nvSpPr>
+            <p:cNvPr id="24" name="Rechteck 23">
+              <a:extLst>
+                <a:ext uri="{FF2B5EF4-FFF2-40B4-BE49-F238E27FC236}">
+                  <a16:creationId xmlns:a16="http://schemas.microsoft.com/office/drawing/2014/main" id="{B479A2EB-4D12-4E4E-813D-0A368927C303}"/>
+                </a:ext>
+              </a:extLst>
+            </p:cNvPr>
+            <p:cNvSpPr/>
+            <p:nvPr/>
+          </p:nvSpPr>
+          <p:spPr>
+            <a:xfrm>
+              <a:off x="5852888" y="4869398"/>
+              <a:ext cx="784231" cy="286301"/>
+            </a:xfrm>
+            <a:prstGeom prst="rect">
+              <a:avLst/>
+            </a:prstGeom>
+            <a:noFill/>
+            <a:ln>
+              <a:noFill/>
+            </a:ln>
+          </p:spPr>
+          <p:style>
+            <a:lnRef idx="2">
+              <a:schemeClr val="accent1">
+                <a:shade val="50000"/>
+              </a:schemeClr>
+            </a:lnRef>
+            <a:fillRef idx="1">
+              <a:schemeClr val="accent1"/>
+            </a:fillRef>
+            <a:effectRef idx="0">
+              <a:schemeClr val="accent1"/>
+            </a:effectRef>
+            <a:fontRef idx="minor">
+              <a:schemeClr val="lt1"/>
+            </a:fontRef>
+          </p:style>
+          <p:txBody>
+            <a:bodyPr rtlCol="0" anchor="ctr"/>
+            <a:lstStyle/>
+            <a:p>
+              <a:pPr algn="ctr"/>
+              <a:r>
+                <a:rPr lang="en-US" sz="1000" dirty="0" err="1">
+                  <a:solidFill>
+                    <a:srgbClr val="01364C"/>
+                  </a:solidFill>
+                </a:rPr>
+                <a:t>Bearbeiten</a:t>
+              </a:r>
+              <a:endParaRPr lang="en-US" sz="1000" dirty="0">
+                <a:solidFill>
+                  <a:srgbClr val="01364C"/>
+                </a:solidFill>
+              </a:endParaRPr>
+            </a:p>
+          </p:txBody>
+        </p:sp>
+      </p:grpSp>
+      <p:grpSp>
+        <p:nvGrpSpPr>
+          <p:cNvPr id="44" name="Gruppieren 43">
+            <a:extLst>
+              <a:ext uri="{FF2B5EF4-FFF2-40B4-BE49-F238E27FC236}">
+                <a16:creationId xmlns:a16="http://schemas.microsoft.com/office/drawing/2014/main" id="{9D5CD011-7DB9-4A1B-B280-464CD88BAA30}"/>
+              </a:ext>
+            </a:extLst>
+          </p:cNvPr>
+          <p:cNvGrpSpPr/>
+          <p:nvPr/>
+        </p:nvGrpSpPr>
+        <p:grpSpPr>
+          <a:xfrm>
+            <a:off x="2464205" y="2964853"/>
+            <a:ext cx="286302" cy="922923"/>
+            <a:chOff x="-217009" y="3313004"/>
+            <a:chExt cx="286302" cy="922923"/>
+          </a:xfrm>
+        </p:grpSpPr>
+        <p:cxnSp>
+          <p:nvCxnSpPr>
+            <p:cNvPr id="13" name="Gerade Verbindung mit Pfeil 12">
+              <a:extLst>
+                <a:ext uri="{FF2B5EF4-FFF2-40B4-BE49-F238E27FC236}">
+                  <a16:creationId xmlns:a16="http://schemas.microsoft.com/office/drawing/2014/main" id="{7533FE96-A6D7-4A33-A891-8CC8D175A693}"/>
+                </a:ext>
+              </a:extLst>
+            </p:cNvPr>
+            <p:cNvCxnSpPr>
+              <a:cxnSpLocks/>
+              <a:stCxn id="10" idx="0"/>
+              <a:endCxn id="11" idx="4"/>
+            </p:cNvCxnSpPr>
+            <p:nvPr/>
+          </p:nvCxnSpPr>
+          <p:spPr>
+            <a:xfrm flipH="1" flipV="1">
+              <a:off x="69292" y="3313176"/>
+              <a:ext cx="1" cy="922578"/>
+            </a:xfrm>
+            <a:prstGeom prst="straightConnector1">
+              <a:avLst/>
+            </a:prstGeom>
+            <a:ln w="12700">
+              <a:solidFill>
+                <a:schemeClr val="tx1"/>
+              </a:solidFill>
+              <a:tailEnd type="triangle"/>
+            </a:ln>
+          </p:spPr>
+          <p:style>
+            <a:lnRef idx="1">
+              <a:schemeClr val="accent1"/>
+            </a:lnRef>
+            <a:fillRef idx="0">
+              <a:schemeClr val="accent1"/>
+            </a:fillRef>
+            <a:effectRef idx="0">
+              <a:schemeClr val="accent1"/>
+            </a:effectRef>
+            <a:fontRef idx="minor">
+              <a:schemeClr val="tx1"/>
+            </a:fontRef>
+          </p:style>
+        </p:cxnSp>
+        <p:sp>
+          <p:nvSpPr>
+            <p:cNvPr id="25" name="Rechteck 24">
+              <a:extLst>
+                <a:ext uri="{FF2B5EF4-FFF2-40B4-BE49-F238E27FC236}">
+                  <a16:creationId xmlns:a16="http://schemas.microsoft.com/office/drawing/2014/main" id="{24931EAD-3E6C-483E-A14A-3A421E6B465D}"/>
+                </a:ext>
+              </a:extLst>
+            </p:cNvPr>
+            <p:cNvSpPr/>
+            <p:nvPr/>
+          </p:nvSpPr>
+          <p:spPr>
+            <a:xfrm rot="16200000">
+              <a:off x="-535320" y="3631315"/>
+              <a:ext cx="922923" cy="286301"/>
+            </a:xfrm>
+            <a:prstGeom prst="rect">
+              <a:avLst/>
+            </a:prstGeom>
+            <a:noFill/>
+            <a:ln>
+              <a:noFill/>
+            </a:ln>
+          </p:spPr>
+          <p:style>
+            <a:lnRef idx="2">
+              <a:schemeClr val="accent1">
+                <a:shade val="50000"/>
+              </a:schemeClr>
+            </a:lnRef>
+            <a:fillRef idx="1">
+              <a:schemeClr val="accent1"/>
+            </a:fillRef>
+            <a:effectRef idx="0">
+              <a:schemeClr val="accent1"/>
+            </a:effectRef>
+            <a:fontRef idx="minor">
+              <a:schemeClr val="lt1"/>
+            </a:fontRef>
+          </p:style>
+          <p:txBody>
+            <a:bodyPr rtlCol="0" anchor="ctr"/>
+            <a:lstStyle/>
+            <a:p>
+              <a:pPr algn="ctr"/>
+              <a:r>
+                <a:rPr lang="en-US" sz="1000" dirty="0">
+                  <a:solidFill>
+                    <a:srgbClr val="01364C"/>
+                  </a:solidFill>
+                </a:rPr>
+                <a:t>Stage/commit</a:t>
+              </a:r>
+            </a:p>
+          </p:txBody>
+        </p:sp>
+      </p:grpSp>
+      <p:grpSp>
+        <p:nvGrpSpPr>
+          <p:cNvPr id="43" name="Gruppieren 42">
+            <a:extLst>
+              <a:ext uri="{FF2B5EF4-FFF2-40B4-BE49-F238E27FC236}">
+                <a16:creationId xmlns:a16="http://schemas.microsoft.com/office/drawing/2014/main" id="{E392A171-F59B-4425-823D-7E84197D9D19}"/>
+              </a:ext>
+            </a:extLst>
+          </p:cNvPr>
+          <p:cNvGrpSpPr/>
+          <p:nvPr/>
+        </p:nvGrpSpPr>
+        <p:grpSpPr>
+          <a:xfrm>
+            <a:off x="2750506" y="890328"/>
+            <a:ext cx="2076471" cy="1113405"/>
+            <a:chOff x="2750506" y="890328"/>
+            <a:chExt cx="2076471" cy="1113405"/>
+          </a:xfrm>
+        </p:grpSpPr>
+        <p:cxnSp>
+          <p:nvCxnSpPr>
+            <p:cNvPr id="16" name="Gerade Verbindung mit Pfeil 15">
+              <a:extLst>
+                <a:ext uri="{FF2B5EF4-FFF2-40B4-BE49-F238E27FC236}">
+                  <a16:creationId xmlns:a16="http://schemas.microsoft.com/office/drawing/2014/main" id="{DC8E8F71-77F9-4F01-B14E-6E5052D19692}"/>
+                </a:ext>
+              </a:extLst>
+            </p:cNvPr>
+            <p:cNvCxnSpPr>
+              <a:cxnSpLocks/>
+              <a:stCxn id="11" idx="0"/>
+              <a:endCxn id="5" idx="1"/>
+            </p:cNvCxnSpPr>
+            <p:nvPr/>
+          </p:nvCxnSpPr>
+          <p:spPr>
+            <a:xfrm flipV="1">
+              <a:off x="2750506" y="890328"/>
+              <a:ext cx="2076471" cy="1113405"/>
+            </a:xfrm>
+            <a:prstGeom prst="straightConnector1">
+              <a:avLst/>
+            </a:prstGeom>
+            <a:ln w="12700">
+              <a:solidFill>
+                <a:schemeClr val="tx1"/>
+              </a:solidFill>
+              <a:tailEnd type="triangle"/>
+            </a:ln>
+          </p:spPr>
+          <p:style>
+            <a:lnRef idx="1">
+              <a:schemeClr val="accent1"/>
+            </a:lnRef>
+            <a:fillRef idx="0">
+              <a:schemeClr val="accent1"/>
+            </a:fillRef>
+            <a:effectRef idx="0">
+              <a:schemeClr val="accent1"/>
+            </a:effectRef>
+            <a:fontRef idx="minor">
+              <a:schemeClr val="tx1"/>
+            </a:fontRef>
+          </p:style>
+        </p:cxnSp>
+        <p:sp>
+          <p:nvSpPr>
+            <p:cNvPr id="26" name="Rechteck 25">
+              <a:extLst>
+                <a:ext uri="{FF2B5EF4-FFF2-40B4-BE49-F238E27FC236}">
+                  <a16:creationId xmlns:a16="http://schemas.microsoft.com/office/drawing/2014/main" id="{E82F87B5-2990-464B-9356-BEDFCB643C02}"/>
+                </a:ext>
+              </a:extLst>
+            </p:cNvPr>
+            <p:cNvSpPr/>
+            <p:nvPr/>
+          </p:nvSpPr>
+          <p:spPr>
+            <a:xfrm rot="19787604">
+              <a:off x="3295514" y="1282866"/>
+              <a:ext cx="784231" cy="286301"/>
+            </a:xfrm>
+            <a:prstGeom prst="rect">
+              <a:avLst/>
+            </a:prstGeom>
+            <a:noFill/>
+            <a:ln>
+              <a:noFill/>
+            </a:ln>
+          </p:spPr>
+          <p:style>
+            <a:lnRef idx="2">
+              <a:schemeClr val="accent1">
+                <a:shade val="50000"/>
+              </a:schemeClr>
+            </a:lnRef>
+            <a:fillRef idx="1">
+              <a:schemeClr val="accent1"/>
+            </a:fillRef>
+            <a:effectRef idx="0">
+              <a:schemeClr val="accent1"/>
+            </a:effectRef>
+            <a:fontRef idx="minor">
+              <a:schemeClr val="lt1"/>
+            </a:fontRef>
+          </p:style>
+          <p:txBody>
+            <a:bodyPr rtlCol="0" anchor="ctr"/>
+            <a:lstStyle/>
+            <a:p>
+              <a:pPr algn="ctr"/>
+              <a:r>
+                <a:rPr lang="en-US" sz="1000" dirty="0">
+                  <a:solidFill>
+                    <a:srgbClr val="01364C"/>
+                  </a:solidFill>
+                </a:rPr>
+                <a:t>Push</a:t>
+              </a:r>
+            </a:p>
+          </p:txBody>
+        </p:sp>
+      </p:grpSp>
+      <p:grpSp>
+        <p:nvGrpSpPr>
+          <p:cNvPr id="39" name="Gruppieren 38">
+            <a:extLst>
+              <a:ext uri="{FF2B5EF4-FFF2-40B4-BE49-F238E27FC236}">
+                <a16:creationId xmlns:a16="http://schemas.microsoft.com/office/drawing/2014/main" id="{1779F69D-796A-4A3B-9EFB-2396134333A0}"/>
+              </a:ext>
+            </a:extLst>
+          </p:cNvPr>
+          <p:cNvGrpSpPr/>
+          <p:nvPr/>
+        </p:nvGrpSpPr>
+        <p:grpSpPr>
+          <a:xfrm>
+            <a:off x="8677275" y="3502232"/>
+            <a:ext cx="2730254" cy="2652382"/>
+            <a:chOff x="8347587" y="3788533"/>
+            <a:chExt cx="2730254" cy="2652382"/>
+          </a:xfrm>
+        </p:grpSpPr>
+        <p:pic>
+          <p:nvPicPr>
+            <p:cNvPr id="6" name="Grafik 5">
+              <a:extLst>
+                <a:ext uri="{FF2B5EF4-FFF2-40B4-BE49-F238E27FC236}">
+                  <a16:creationId xmlns:a16="http://schemas.microsoft.com/office/drawing/2014/main" id="{62004BF0-E0BD-4254-AA58-90E6A1F05E13}"/>
+                </a:ext>
+              </a:extLst>
+            </p:cNvPr>
+            <p:cNvPicPr>
+              <a:picLocks noChangeAspect="1"/>
+            </p:cNvPicPr>
+            <p:nvPr/>
+          </p:nvPicPr>
+          <p:blipFill>
+            <a:blip r:embed="rId2"/>
+            <a:stretch>
+              <a:fillRect/>
+            </a:stretch>
+          </p:blipFill>
+          <p:spPr>
+            <a:xfrm>
+              <a:off x="8365374" y="4126522"/>
+              <a:ext cx="2088879" cy="2028092"/>
+            </a:xfrm>
+            <a:prstGeom prst="rect">
+              <a:avLst/>
+            </a:prstGeom>
+            <a:ln w="25400">
+              <a:solidFill>
+                <a:schemeClr val="tx1"/>
+              </a:solidFill>
+            </a:ln>
+          </p:spPr>
+        </p:pic>
+        <p:sp>
+          <p:nvSpPr>
+            <p:cNvPr id="21" name="Rechteck 20">
+              <a:extLst>
+                <a:ext uri="{FF2B5EF4-FFF2-40B4-BE49-F238E27FC236}">
+                  <a16:creationId xmlns:a16="http://schemas.microsoft.com/office/drawing/2014/main" id="{06059F80-2D28-4492-8B4D-6AB49E9A012E}"/>
+                </a:ext>
+              </a:extLst>
+            </p:cNvPr>
+            <p:cNvSpPr/>
+            <p:nvPr/>
+          </p:nvSpPr>
+          <p:spPr>
+            <a:xfrm>
+              <a:off x="8347587" y="6154614"/>
+              <a:ext cx="2119313" cy="286301"/>
+            </a:xfrm>
+            <a:prstGeom prst="rect">
+              <a:avLst/>
+            </a:prstGeom>
+            <a:solidFill>
+              <a:srgbClr val="F4BA02"/>
+            </a:solidFill>
+            <a:ln w="25400">
+              <a:solidFill>
+                <a:schemeClr val="tx1"/>
+              </a:solidFill>
+            </a:ln>
+          </p:spPr>
+          <p:style>
+            <a:lnRef idx="2">
+              <a:schemeClr val="accent1">
+                <a:shade val="50000"/>
+              </a:schemeClr>
+            </a:lnRef>
+            <a:fillRef idx="1">
+              <a:schemeClr val="accent1"/>
+            </a:fillRef>
+            <a:effectRef idx="0">
+              <a:schemeClr val="accent1"/>
+            </a:effectRef>
+            <a:fontRef idx="minor">
+              <a:schemeClr val="lt1"/>
+            </a:fontRef>
+          </p:style>
+          <p:txBody>
+            <a:bodyPr rtlCol="0" anchor="ctr"/>
+            <a:lstStyle/>
+            <a:p>
+              <a:pPr algn="ctr"/>
+              <a:r>
+                <a:rPr lang="en-US" sz="1400" dirty="0">
+                  <a:solidFill>
+                    <a:srgbClr val="01364C"/>
+                  </a:solidFill>
+                </a:rPr>
+                <a:t>Repository (</a:t>
+              </a:r>
+              <a:r>
+                <a:rPr lang="en-US" sz="1400" dirty="0" err="1">
+                  <a:solidFill>
+                    <a:srgbClr val="01364C"/>
+                  </a:solidFill>
+                </a:rPr>
+                <a:t>lokal</a:t>
+              </a:r>
+              <a:r>
+                <a:rPr lang="en-US" sz="1400" dirty="0">
+                  <a:solidFill>
+                    <a:srgbClr val="01364C"/>
+                  </a:solidFill>
+                </a:rPr>
+                <a:t>)</a:t>
+              </a:r>
+              <a:endParaRPr lang="de-DE" sz="1400" dirty="0">
+                <a:solidFill>
+                  <a:srgbClr val="01364C"/>
+                </a:solidFill>
+              </a:endParaRPr>
+            </a:p>
+          </p:txBody>
+        </p:sp>
+        <p:pic>
+          <p:nvPicPr>
+            <p:cNvPr id="28" name="Grafik 27" descr="Computer">
+              <a:extLst>
+                <a:ext uri="{FF2B5EF4-FFF2-40B4-BE49-F238E27FC236}">
+                  <a16:creationId xmlns:a16="http://schemas.microsoft.com/office/drawing/2014/main" id="{E84F99B0-76F0-4BB0-BCA1-7BB0D437B910}"/>
+                </a:ext>
+              </a:extLst>
+            </p:cNvPr>
+            <p:cNvPicPr>
+              <a:picLocks noChangeAspect="1"/>
+            </p:cNvPicPr>
+            <p:nvPr/>
+          </p:nvPicPr>
+          <p:blipFill>
+            <a:blip r:embed="rId3">
+              <a:extLst>
+                <a:ext uri="{28A0092B-C50C-407E-A947-70E740481C1C}">
+                  <a14:useLocalDpi xmlns:a14="http://schemas.microsoft.com/office/drawing/2010/main" val="0"/>
+                </a:ext>
+                <a:ext uri="{96DAC541-7B7A-43D3-8B79-37D633B846F1}">
+                  <asvg:svgBlip xmlns:asvg="http://schemas.microsoft.com/office/drawing/2016/SVG/main" r:embed="rId4"/>
+                </a:ext>
+              </a:extLst>
+            </a:blip>
+            <a:stretch>
+              <a:fillRect/>
+            </a:stretch>
+          </p:blipFill>
+          <p:spPr>
+            <a:xfrm>
+              <a:off x="10401864" y="3788533"/>
+              <a:ext cx="675977" cy="675977"/>
+            </a:xfrm>
+            <a:prstGeom prst="rect">
+              <a:avLst/>
+            </a:prstGeom>
+          </p:spPr>
+        </p:pic>
+      </p:grpSp>
+      <p:grpSp>
+        <p:nvGrpSpPr>
+          <p:cNvPr id="40" name="Gruppieren 39">
+            <a:extLst>
+              <a:ext uri="{FF2B5EF4-FFF2-40B4-BE49-F238E27FC236}">
+                <a16:creationId xmlns:a16="http://schemas.microsoft.com/office/drawing/2014/main" id="{45C1856E-4BE1-459D-AE21-E5A4C205B105}"/>
+              </a:ext>
+            </a:extLst>
+          </p:cNvPr>
+          <p:cNvGrpSpPr/>
+          <p:nvPr/>
+        </p:nvGrpSpPr>
+        <p:grpSpPr>
+          <a:xfrm>
+            <a:off x="1690056" y="3887603"/>
+            <a:ext cx="2119313" cy="2320124"/>
+            <a:chOff x="5083301" y="4126522"/>
+            <a:chExt cx="2119313" cy="2320124"/>
+          </a:xfrm>
+        </p:grpSpPr>
+        <p:pic>
+          <p:nvPicPr>
+            <p:cNvPr id="10" name="Grafik 9">
+              <a:extLst>
+                <a:ext uri="{FF2B5EF4-FFF2-40B4-BE49-F238E27FC236}">
+                  <a16:creationId xmlns:a16="http://schemas.microsoft.com/office/drawing/2014/main" id="{4AE95549-962E-4570-AF1E-E6DB8DED57CC}"/>
+                </a:ext>
+              </a:extLst>
+            </p:cNvPr>
+            <p:cNvPicPr>
+              <a:picLocks noChangeAspect="1"/>
+            </p:cNvPicPr>
+            <p:nvPr/>
+          </p:nvPicPr>
+          <p:blipFill>
+            <a:blip r:embed="rId2"/>
+            <a:stretch>
+              <a:fillRect/>
+            </a:stretch>
+          </p:blipFill>
+          <p:spPr>
+            <a:xfrm>
+              <a:off x="5099312" y="4126522"/>
+              <a:ext cx="2088879" cy="2028092"/>
+            </a:xfrm>
+            <a:prstGeom prst="rect">
+              <a:avLst/>
+            </a:prstGeom>
+            <a:ln w="25400">
+              <a:solidFill>
+                <a:schemeClr val="tx1"/>
+              </a:solidFill>
+            </a:ln>
+          </p:spPr>
+        </p:pic>
+        <p:sp>
+          <p:nvSpPr>
+            <p:cNvPr id="22" name="Rechteck 21">
+              <a:extLst>
+                <a:ext uri="{FF2B5EF4-FFF2-40B4-BE49-F238E27FC236}">
+                  <a16:creationId xmlns:a16="http://schemas.microsoft.com/office/drawing/2014/main" id="{74D425B7-900C-4E12-A1D2-DBDE2CC0BFFB}"/>
+                </a:ext>
+              </a:extLst>
+            </p:cNvPr>
+            <p:cNvSpPr/>
+            <p:nvPr/>
+          </p:nvSpPr>
+          <p:spPr>
+            <a:xfrm>
+              <a:off x="5083301" y="6160345"/>
+              <a:ext cx="2119313" cy="286301"/>
+            </a:xfrm>
+            <a:prstGeom prst="rect">
+              <a:avLst/>
+            </a:prstGeom>
+            <a:solidFill>
+              <a:srgbClr val="F4BA02"/>
+            </a:solidFill>
+            <a:ln w="25400">
+              <a:solidFill>
+                <a:schemeClr val="tx1"/>
+              </a:solidFill>
+            </a:ln>
+          </p:spPr>
+          <p:style>
+            <a:lnRef idx="2">
+              <a:schemeClr val="accent1">
+                <a:shade val="50000"/>
+              </a:schemeClr>
+            </a:lnRef>
+            <a:fillRef idx="1">
+              <a:schemeClr val="accent1"/>
+            </a:fillRef>
+            <a:effectRef idx="0">
+              <a:schemeClr val="accent1"/>
+            </a:effectRef>
+            <a:fontRef idx="minor">
+              <a:schemeClr val="lt1"/>
+            </a:fontRef>
+          </p:style>
+          <p:txBody>
+            <a:bodyPr rtlCol="0" anchor="ctr"/>
+            <a:lstStyle/>
+            <a:p>
+              <a:pPr algn="ctr"/>
+              <a:r>
+                <a:rPr lang="en-US" sz="1400" dirty="0">
+                  <a:solidFill>
+                    <a:srgbClr val="01364C"/>
+                  </a:solidFill>
+                </a:rPr>
+                <a:t>Repository (</a:t>
+              </a:r>
+              <a:r>
+                <a:rPr lang="en-US" sz="1400" dirty="0" err="1">
+                  <a:solidFill>
+                    <a:srgbClr val="01364C"/>
+                  </a:solidFill>
+                </a:rPr>
+                <a:t>lokal</a:t>
+              </a:r>
+              <a:r>
+                <a:rPr lang="en-US" sz="1400" dirty="0">
+                  <a:solidFill>
+                    <a:srgbClr val="01364C"/>
+                  </a:solidFill>
+                </a:rPr>
+                <a:t>)</a:t>
+              </a:r>
+              <a:endParaRPr lang="de-DE" sz="1400" dirty="0">
+                <a:solidFill>
+                  <a:srgbClr val="01364C"/>
+                </a:solidFill>
+              </a:endParaRPr>
+            </a:p>
+          </p:txBody>
+        </p:sp>
+      </p:grpSp>
+      <p:sp>
+        <p:nvSpPr>
+          <p:cNvPr id="11" name="Ellipse 10">
+            <a:extLst>
+              <a:ext uri="{FF2B5EF4-FFF2-40B4-BE49-F238E27FC236}">
+                <a16:creationId xmlns:a16="http://schemas.microsoft.com/office/drawing/2014/main" id="{B1E63540-82B6-4E6F-9DA2-52523719782D}"/>
+              </a:ext>
+            </a:extLst>
+          </p:cNvPr>
+          <p:cNvSpPr/>
+          <p:nvPr/>
+        </p:nvSpPr>
+        <p:spPr>
+          <a:xfrm>
+            <a:off x="1683706" y="2003733"/>
+            <a:ext cx="2133600" cy="961292"/>
+          </a:xfrm>
+          <a:prstGeom prst="ellipse">
+            <a:avLst/>
+          </a:prstGeom>
+          <a:solidFill>
+            <a:srgbClr val="F4BA02"/>
+          </a:solidFill>
+          <a:ln w="25400">
+            <a:solidFill>
+              <a:schemeClr val="tx1"/>
+            </a:solidFill>
+          </a:ln>
+        </p:spPr>
+        <p:style>
+          <a:lnRef idx="2">
+            <a:schemeClr val="accent1">
+              <a:shade val="50000"/>
+            </a:schemeClr>
+          </a:lnRef>
+          <a:fillRef idx="1">
+            <a:schemeClr val="accent1"/>
+          </a:fillRef>
+          <a:effectRef idx="0">
+            <a:schemeClr val="accent1"/>
+          </a:effectRef>
+          <a:fontRef idx="minor">
+            <a:schemeClr val="lt1"/>
+          </a:fontRef>
+        </p:style>
+        <p:txBody>
+          <a:bodyPr rtlCol="0" anchor="ctr"/>
+          <a:lstStyle/>
+          <a:p>
+            <a:pPr algn="ctr"/>
+            <a:r>
+              <a:rPr lang="en-US" sz="1400" dirty="0">
+                <a:solidFill>
+                  <a:srgbClr val="01364C"/>
+                </a:solidFill>
+              </a:rPr>
+              <a:t>Git (</a:t>
+            </a:r>
+            <a:r>
+              <a:rPr lang="en-US" sz="1400" dirty="0" err="1">
+                <a:solidFill>
+                  <a:srgbClr val="01364C"/>
+                </a:solidFill>
+              </a:rPr>
+              <a:t>lokal</a:t>
+            </a:r>
+            <a:r>
+              <a:rPr lang="en-US" sz="1400" dirty="0">
+                <a:solidFill>
+                  <a:srgbClr val="01364C"/>
+                </a:solidFill>
+              </a:rPr>
+              <a:t>)</a:t>
+            </a:r>
+            <a:endParaRPr lang="de-DE" sz="1400" dirty="0">
+              <a:solidFill>
+                <a:srgbClr val="01364C"/>
+              </a:solidFill>
+            </a:endParaRPr>
+          </a:p>
+        </p:txBody>
+      </p:sp>
+      <p:grpSp>
+        <p:nvGrpSpPr>
+          <p:cNvPr id="37" name="Gruppieren 36">
+            <a:extLst>
+              <a:ext uri="{FF2B5EF4-FFF2-40B4-BE49-F238E27FC236}">
+                <a16:creationId xmlns:a16="http://schemas.microsoft.com/office/drawing/2014/main" id="{AEF98EE4-30C7-4596-AC04-143055192D83}"/>
+              </a:ext>
+            </a:extLst>
+          </p:cNvPr>
+          <p:cNvGrpSpPr/>
+          <p:nvPr/>
+        </p:nvGrpSpPr>
+        <p:grpSpPr>
+          <a:xfrm>
+            <a:off x="4810123" y="-79927"/>
+            <a:ext cx="3064999" cy="1940510"/>
+            <a:chOff x="4725131" y="187228"/>
+            <a:chExt cx="3064999" cy="1940510"/>
+          </a:xfrm>
+        </p:grpSpPr>
+        <p:pic>
+          <p:nvPicPr>
+            <p:cNvPr id="5" name="Grafik 4">
+              <a:extLst>
+                <a:ext uri="{FF2B5EF4-FFF2-40B4-BE49-F238E27FC236}">
+                  <a16:creationId xmlns:a16="http://schemas.microsoft.com/office/drawing/2014/main" id="{CD08842F-82D2-4A8D-9033-08C17181FFE4}"/>
+                </a:ext>
+              </a:extLst>
+            </p:cNvPr>
+            <p:cNvPicPr>
+              <a:picLocks noChangeAspect="1"/>
+            </p:cNvPicPr>
+            <p:nvPr/>
+          </p:nvPicPr>
+          <p:blipFill>
+            <a:blip r:embed="rId5">
+              <a:extLst>
+                <a:ext uri="{28A0092B-C50C-407E-A947-70E740481C1C}">
+                  <a14:useLocalDpi xmlns:a14="http://schemas.microsoft.com/office/drawing/2010/main" val="0"/>
+                </a:ext>
+              </a:extLst>
+            </a:blip>
+            <a:stretch>
+              <a:fillRect/>
+            </a:stretch>
+          </p:blipFill>
+          <p:spPr>
+            <a:xfrm>
+              <a:off x="4741985" y="473529"/>
+              <a:ext cx="2538046" cy="1367908"/>
+            </a:xfrm>
+            <a:prstGeom prst="rect">
+              <a:avLst/>
+            </a:prstGeom>
+            <a:ln w="25400">
+              <a:solidFill>
+                <a:schemeClr val="tx1"/>
+              </a:solidFill>
+            </a:ln>
+          </p:spPr>
+        </p:pic>
+        <p:sp>
+          <p:nvSpPr>
+            <p:cNvPr id="20" name="Rechteck 19">
+              <a:extLst>
+                <a:ext uri="{FF2B5EF4-FFF2-40B4-BE49-F238E27FC236}">
+                  <a16:creationId xmlns:a16="http://schemas.microsoft.com/office/drawing/2014/main" id="{FC4DD9C8-109E-4860-9A5C-E3292D8D439C}"/>
+                </a:ext>
+              </a:extLst>
+            </p:cNvPr>
+            <p:cNvSpPr/>
+            <p:nvPr/>
+          </p:nvSpPr>
+          <p:spPr>
+            <a:xfrm>
+              <a:off x="4725131" y="1841437"/>
+              <a:ext cx="2569371" cy="286301"/>
+            </a:xfrm>
+            <a:prstGeom prst="rect">
+              <a:avLst/>
+            </a:prstGeom>
+            <a:solidFill>
+              <a:srgbClr val="00E0E0"/>
+            </a:solidFill>
+            <a:ln w="25400">
+              <a:solidFill>
+                <a:schemeClr val="tx1"/>
+              </a:solidFill>
+            </a:ln>
+          </p:spPr>
+          <p:style>
+            <a:lnRef idx="2">
+              <a:schemeClr val="accent1">
+                <a:shade val="50000"/>
+              </a:schemeClr>
+            </a:lnRef>
+            <a:fillRef idx="1">
+              <a:schemeClr val="accent1"/>
+            </a:fillRef>
+            <a:effectRef idx="0">
+              <a:schemeClr val="accent1"/>
+            </a:effectRef>
+            <a:fontRef idx="minor">
+              <a:schemeClr val="lt1"/>
+            </a:fontRef>
+          </p:style>
+          <p:txBody>
+            <a:bodyPr rtlCol="0" anchor="ctr"/>
+            <a:lstStyle/>
+            <a:p>
+              <a:pPr algn="ctr"/>
+              <a:r>
+                <a:rPr lang="en-US" sz="1400" dirty="0">
+                  <a:solidFill>
+                    <a:srgbClr val="01364C"/>
+                  </a:solidFill>
+                </a:rPr>
+                <a:t>Repository (online)</a:t>
+              </a:r>
+              <a:endParaRPr lang="de-DE" sz="1400" dirty="0">
+                <a:solidFill>
+                  <a:srgbClr val="01364C"/>
+                </a:solidFill>
+              </a:endParaRPr>
+            </a:p>
+          </p:txBody>
+        </p:sp>
+        <p:pic>
+          <p:nvPicPr>
+            <p:cNvPr id="32" name="Grafik 31" descr="Synchronisierende Cloud">
+              <a:extLst>
+                <a:ext uri="{FF2B5EF4-FFF2-40B4-BE49-F238E27FC236}">
+                  <a16:creationId xmlns:a16="http://schemas.microsoft.com/office/drawing/2014/main" id="{90F612F9-9C1B-43F7-A606-C0BBE8888873}"/>
+                </a:ext>
+              </a:extLst>
+            </p:cNvPr>
+            <p:cNvPicPr>
+              <a:picLocks noChangeAspect="1"/>
+            </p:cNvPicPr>
+            <p:nvPr/>
+          </p:nvPicPr>
+          <p:blipFill>
+            <a:blip r:embed="rId6">
+              <a:extLst>
+                <a:ext uri="{28A0092B-C50C-407E-A947-70E740481C1C}">
+                  <a14:useLocalDpi xmlns:a14="http://schemas.microsoft.com/office/drawing/2010/main" val="0"/>
+                </a:ext>
+                <a:ext uri="{96DAC541-7B7A-43D3-8B79-37D633B846F1}">
+                  <asvg:svgBlip xmlns:asvg="http://schemas.microsoft.com/office/drawing/2016/SVG/main" r:embed="rId7"/>
+                </a:ext>
+              </a:extLst>
+            </a:blip>
+            <a:stretch>
+              <a:fillRect/>
+            </a:stretch>
+          </p:blipFill>
+          <p:spPr>
+            <a:xfrm>
+              <a:off x="7169981" y="187228"/>
+              <a:ext cx="620149" cy="620149"/>
+            </a:xfrm>
+            <a:prstGeom prst="rect">
+              <a:avLst/>
+            </a:prstGeom>
+          </p:spPr>
+        </p:pic>
+      </p:grpSp>
+      <p:pic>
+        <p:nvPicPr>
+          <p:cNvPr id="49" name="Grafik 48" descr="Computer">
+            <a:extLst>
+              <a:ext uri="{FF2B5EF4-FFF2-40B4-BE49-F238E27FC236}">
+                <a16:creationId xmlns:a16="http://schemas.microsoft.com/office/drawing/2014/main" id="{83715380-73E1-48CA-8F0C-18733C1C8756}"/>
+              </a:ext>
+            </a:extLst>
+          </p:cNvPr>
+          <p:cNvPicPr>
+            <a:picLocks noChangeAspect="1"/>
+          </p:cNvPicPr>
+          <p:nvPr/>
+        </p:nvPicPr>
+        <p:blipFill>
+          <a:blip r:embed="rId3">
+            <a:extLst>
+              <a:ext uri="{28A0092B-C50C-407E-A947-70E740481C1C}">
+                <a14:useLocalDpi xmlns:a14="http://schemas.microsoft.com/office/drawing/2010/main" val="0"/>
+              </a:ext>
+              <a:ext uri="{96DAC541-7B7A-43D3-8B79-37D633B846F1}">
+                <asvg:svgBlip xmlns:asvg="http://schemas.microsoft.com/office/drawing/2016/SVG/main" r:embed="rId8"/>
+              </a:ext>
+            </a:extLst>
+          </a:blip>
+          <a:stretch>
+            <a:fillRect/>
+          </a:stretch>
+        </p:blipFill>
+        <p:spPr>
+          <a:xfrm>
+            <a:off x="1421532" y="1755211"/>
+            <a:ext cx="675977" cy="675977"/>
+          </a:xfrm>
+          <a:prstGeom prst="rect">
+            <a:avLst/>
+          </a:prstGeom>
+        </p:spPr>
+      </p:pic>
+      <p:pic>
+        <p:nvPicPr>
+          <p:cNvPr id="50" name="Grafik 49" descr="Computer">
+            <a:extLst>
+              <a:ext uri="{FF2B5EF4-FFF2-40B4-BE49-F238E27FC236}">
+                <a16:creationId xmlns:a16="http://schemas.microsoft.com/office/drawing/2014/main" id="{C90BE577-53EC-468F-B34B-DF70CA3C2827}"/>
+              </a:ext>
+            </a:extLst>
+          </p:cNvPr>
+          <p:cNvPicPr>
+            <a:picLocks noChangeAspect="1"/>
+          </p:cNvPicPr>
+          <p:nvPr/>
+        </p:nvPicPr>
+        <p:blipFill>
+          <a:blip r:embed="rId3">
+            <a:extLst>
+              <a:ext uri="{28A0092B-C50C-407E-A947-70E740481C1C}">
+                <a14:useLocalDpi xmlns:a14="http://schemas.microsoft.com/office/drawing/2010/main" val="0"/>
+              </a:ext>
+              <a:ext uri="{96DAC541-7B7A-43D3-8B79-37D633B846F1}">
+                <asvg:svgBlip xmlns:asvg="http://schemas.microsoft.com/office/drawing/2016/SVG/main" r:embed="rId8"/>
+              </a:ext>
+            </a:extLst>
+          </a:blip>
+          <a:stretch>
+            <a:fillRect/>
+          </a:stretch>
+        </p:blipFill>
+        <p:spPr>
+          <a:xfrm>
+            <a:off x="1071171" y="3646813"/>
+            <a:ext cx="675977" cy="675977"/>
+          </a:xfrm>
+          <a:prstGeom prst="rect">
+            <a:avLst/>
+          </a:prstGeom>
+        </p:spPr>
+      </p:pic>
+      <p:sp>
+        <p:nvSpPr>
+          <p:cNvPr id="2" name="Rechteck 1">
+            <a:extLst>
+              <a:ext uri="{FF2B5EF4-FFF2-40B4-BE49-F238E27FC236}">
+                <a16:creationId xmlns:a16="http://schemas.microsoft.com/office/drawing/2014/main" id="{6AD5DBE7-F6D7-4310-B7FE-47120087B5BB}"/>
+              </a:ext>
+            </a:extLst>
+          </p:cNvPr>
+          <p:cNvSpPr/>
+          <p:nvPr/>
+        </p:nvSpPr>
+        <p:spPr>
+          <a:xfrm>
+            <a:off x="4724400" y="47481"/>
+            <a:ext cx="3150722" cy="1918008"/>
+          </a:xfrm>
+          <a:prstGeom prst="rect">
+            <a:avLst/>
+          </a:prstGeom>
+          <a:noFill/>
+          <a:ln w="38100">
+            <a:solidFill>
+              <a:srgbClr val="9B1B34"/>
+            </a:solidFill>
+          </a:ln>
+        </p:spPr>
+        <p:style>
+          <a:lnRef idx="2">
+            <a:schemeClr val="accent1">
+              <a:shade val="50000"/>
+            </a:schemeClr>
+          </a:lnRef>
+          <a:fillRef idx="1">
+            <a:schemeClr val="accent1"/>
+          </a:fillRef>
+          <a:effectRef idx="0">
+            <a:schemeClr val="accent1"/>
+          </a:effectRef>
+          <a:fontRef idx="minor">
+            <a:schemeClr val="lt1"/>
+          </a:fontRef>
+        </p:style>
+        <p:txBody>
+          <a:bodyPr rtlCol="0" anchor="ctr"/>
+          <a:lstStyle/>
+          <a:p>
+            <a:pPr algn="ctr"/>
+            <a:endParaRPr lang="de-DE"/>
+          </a:p>
+        </p:txBody>
+      </p:sp>
+    </p:spTree>
+    <p:extLst>
+      <p:ext uri="{BB962C8B-B14F-4D97-AF65-F5344CB8AC3E}">
+        <p14:creationId xmlns:p14="http://schemas.microsoft.com/office/powerpoint/2010/main" val="1710854866"/>
+      </p:ext>
+    </p:extLst>
+  </p:cSld>
+  <p:clrMapOvr>
+    <a:masterClrMapping/>
+  </p:clrMapOvr>
+</p:sld>
+</file>
+
+<file path=ppt/slides/slide3.xml><?xml version="1.0" encoding="utf-8"?>
+<p:sld xmlns:a="http://schemas.openxmlformats.org/drawingml/2006/main" xmlns:r="http://schemas.openxmlformats.org/officeDocument/2006/relationships" xmlns:p="http://schemas.openxmlformats.org/presentationml/2006/main">
+  <p:cSld>
+    <p:bg>
+      <p:bgPr>
+        <a:solidFill>
+          <a:srgbClr val="F8F8F8"/>
+        </a:solidFill>
+        <a:effectLst/>
+      </p:bgPr>
+    </p:bg>
+    <p:spTree>
+      <p:nvGrpSpPr>
+        <p:cNvPr id="1" name=""/>
+        <p:cNvGrpSpPr/>
+        <p:nvPr/>
+      </p:nvGrpSpPr>
+      <p:grpSpPr>
+        <a:xfrm>
+          <a:off x="0" y="0"/>
+          <a:ext cx="0" cy="0"/>
+          <a:chOff x="0" y="0"/>
+          <a:chExt cx="0" cy="0"/>
+        </a:xfrm>
+      </p:grpSpPr>
+      <p:grpSp>
+        <p:nvGrpSpPr>
+          <p:cNvPr id="38" name="Gruppieren 37">
+            <a:extLst>
+              <a:ext uri="{FF2B5EF4-FFF2-40B4-BE49-F238E27FC236}">
+                <a16:creationId xmlns:a16="http://schemas.microsoft.com/office/drawing/2014/main" id="{C096E458-199A-4D22-B997-BFD017610668}"/>
+              </a:ext>
+            </a:extLst>
+          </p:cNvPr>
+          <p:cNvGrpSpPr/>
+          <p:nvPr/>
+        </p:nvGrpSpPr>
+        <p:grpSpPr>
+          <a:xfrm>
+            <a:off x="7365023" y="890328"/>
+            <a:ext cx="2374479" cy="2949893"/>
+            <a:chOff x="7365023" y="890328"/>
+            <a:chExt cx="2374479" cy="2949893"/>
+          </a:xfrm>
+        </p:grpSpPr>
+        <p:cxnSp>
+          <p:nvCxnSpPr>
+            <p:cNvPr id="8" name="Gerade Verbindung mit Pfeil 7">
+              <a:extLst>
+                <a:ext uri="{FF2B5EF4-FFF2-40B4-BE49-F238E27FC236}">
+                  <a16:creationId xmlns:a16="http://schemas.microsoft.com/office/drawing/2014/main" id="{AA5E1B15-C5FA-47CF-B41C-CA708864F0A3}"/>
+                </a:ext>
+              </a:extLst>
+            </p:cNvPr>
+            <p:cNvCxnSpPr>
+              <a:cxnSpLocks/>
+              <a:stCxn id="5" idx="3"/>
+              <a:endCxn id="6" idx="0"/>
+            </p:cNvCxnSpPr>
+            <p:nvPr/>
+          </p:nvCxnSpPr>
+          <p:spPr>
+            <a:xfrm>
+              <a:off x="7365023" y="890328"/>
+              <a:ext cx="2374479" cy="2949893"/>
+            </a:xfrm>
+            <a:prstGeom prst="straightConnector1">
+              <a:avLst/>
+            </a:prstGeom>
+            <a:ln w="12700">
+              <a:solidFill>
+                <a:schemeClr val="tx1"/>
+              </a:solidFill>
+              <a:tailEnd type="triangle"/>
+            </a:ln>
+          </p:spPr>
+          <p:style>
+            <a:lnRef idx="1">
+              <a:schemeClr val="accent1"/>
+            </a:lnRef>
+            <a:fillRef idx="0">
+              <a:schemeClr val="accent1"/>
+            </a:fillRef>
+            <a:effectRef idx="0">
+              <a:schemeClr val="accent1"/>
+            </a:effectRef>
+            <a:fontRef idx="minor">
+              <a:schemeClr val="tx1"/>
+            </a:fontRef>
+          </p:style>
+        </p:cxnSp>
+        <p:sp>
+          <p:nvSpPr>
+            <p:cNvPr id="23" name="Rechteck 22">
+              <a:extLst>
+                <a:ext uri="{FF2B5EF4-FFF2-40B4-BE49-F238E27FC236}">
+                  <a16:creationId xmlns:a16="http://schemas.microsoft.com/office/drawing/2014/main" id="{942A0602-D83C-43F2-9088-C1198857C1EE}"/>
+                </a:ext>
+              </a:extLst>
+            </p:cNvPr>
+            <p:cNvSpPr/>
+            <p:nvPr/>
+          </p:nvSpPr>
+          <p:spPr>
+            <a:xfrm rot="2966783">
+              <a:off x="8448393" y="2230539"/>
+              <a:ext cx="493338" cy="286301"/>
+            </a:xfrm>
+            <a:prstGeom prst="rect">
+              <a:avLst/>
+            </a:prstGeom>
+            <a:noFill/>
+            <a:ln>
+              <a:noFill/>
+            </a:ln>
+          </p:spPr>
+          <p:style>
+            <a:lnRef idx="2">
+              <a:schemeClr val="accent1">
+                <a:shade val="50000"/>
+              </a:schemeClr>
+            </a:lnRef>
+            <a:fillRef idx="1">
+              <a:schemeClr val="accent1"/>
+            </a:fillRef>
+            <a:effectRef idx="0">
+              <a:schemeClr val="accent1"/>
+            </a:effectRef>
+            <a:fontRef idx="minor">
+              <a:schemeClr val="lt1"/>
+            </a:fontRef>
+          </p:style>
+          <p:txBody>
+            <a:bodyPr rtlCol="0" anchor="ctr"/>
+            <a:lstStyle/>
+            <a:p>
+              <a:pPr algn="ctr"/>
+              <a:r>
+                <a:rPr lang="en-US" sz="1000" dirty="0">
+                  <a:solidFill>
+                    <a:srgbClr val="01364C"/>
+                  </a:solidFill>
+                </a:rPr>
+                <a:t>Pull</a:t>
+              </a:r>
+            </a:p>
+          </p:txBody>
+        </p:sp>
+      </p:grpSp>
+      <p:grpSp>
+        <p:nvGrpSpPr>
+          <p:cNvPr id="45" name="Gruppieren 44">
+            <a:extLst>
+              <a:ext uri="{FF2B5EF4-FFF2-40B4-BE49-F238E27FC236}">
+                <a16:creationId xmlns:a16="http://schemas.microsoft.com/office/drawing/2014/main" id="{C8F73169-4096-4456-9C7A-8C0B1A8DB7EF}"/>
+              </a:ext>
+            </a:extLst>
+          </p:cNvPr>
+          <p:cNvGrpSpPr/>
+          <p:nvPr/>
+        </p:nvGrpSpPr>
+        <p:grpSpPr>
+          <a:xfrm>
+            <a:off x="3794946" y="4854267"/>
+            <a:ext cx="4900116" cy="301432"/>
+            <a:chOff x="3794946" y="4854267"/>
+            <a:chExt cx="4900116" cy="301432"/>
+          </a:xfrm>
+        </p:grpSpPr>
+        <p:cxnSp>
+          <p:nvCxnSpPr>
+            <p:cNvPr id="18" name="Gerade Verbindung mit Pfeil 17">
+              <a:extLst>
+                <a:ext uri="{FF2B5EF4-FFF2-40B4-BE49-F238E27FC236}">
+                  <a16:creationId xmlns:a16="http://schemas.microsoft.com/office/drawing/2014/main" id="{F7A8726D-6B1E-4CEF-A850-C2698D660247}"/>
+                </a:ext>
+              </a:extLst>
+            </p:cNvPr>
+            <p:cNvCxnSpPr>
+              <a:cxnSpLocks/>
+              <a:stCxn id="6" idx="1"/>
+              <a:endCxn id="10" idx="3"/>
+            </p:cNvCxnSpPr>
+            <p:nvPr/>
+          </p:nvCxnSpPr>
+          <p:spPr>
+            <a:xfrm flipH="1">
+              <a:off x="3794946" y="4854267"/>
+              <a:ext cx="4900116" cy="47382"/>
+            </a:xfrm>
+            <a:prstGeom prst="straightConnector1">
+              <a:avLst/>
+            </a:prstGeom>
+            <a:ln w="12700">
+              <a:solidFill>
+                <a:schemeClr val="tx1"/>
+              </a:solidFill>
+              <a:tailEnd type="triangle"/>
+            </a:ln>
+          </p:spPr>
+          <p:style>
+            <a:lnRef idx="1">
+              <a:schemeClr val="accent1"/>
+            </a:lnRef>
+            <a:fillRef idx="0">
+              <a:schemeClr val="accent1"/>
+            </a:fillRef>
+            <a:effectRef idx="0">
+              <a:schemeClr val="accent1"/>
+            </a:effectRef>
+            <a:fontRef idx="minor">
+              <a:schemeClr val="tx1"/>
+            </a:fontRef>
+          </p:style>
+        </p:cxnSp>
+        <p:sp>
+          <p:nvSpPr>
+            <p:cNvPr id="24" name="Rechteck 23">
+              <a:extLst>
+                <a:ext uri="{FF2B5EF4-FFF2-40B4-BE49-F238E27FC236}">
+                  <a16:creationId xmlns:a16="http://schemas.microsoft.com/office/drawing/2014/main" id="{B479A2EB-4D12-4E4E-813D-0A368927C303}"/>
+                </a:ext>
+              </a:extLst>
+            </p:cNvPr>
+            <p:cNvSpPr/>
+            <p:nvPr/>
+          </p:nvSpPr>
+          <p:spPr>
+            <a:xfrm>
+              <a:off x="5852888" y="4869398"/>
+              <a:ext cx="784231" cy="286301"/>
+            </a:xfrm>
+            <a:prstGeom prst="rect">
+              <a:avLst/>
+            </a:prstGeom>
+            <a:noFill/>
+            <a:ln>
+              <a:noFill/>
+            </a:ln>
+          </p:spPr>
+          <p:style>
+            <a:lnRef idx="2">
+              <a:schemeClr val="accent1">
+                <a:shade val="50000"/>
+              </a:schemeClr>
+            </a:lnRef>
+            <a:fillRef idx="1">
+              <a:schemeClr val="accent1"/>
+            </a:fillRef>
+            <a:effectRef idx="0">
+              <a:schemeClr val="accent1"/>
+            </a:effectRef>
+            <a:fontRef idx="minor">
+              <a:schemeClr val="lt1"/>
+            </a:fontRef>
+          </p:style>
+          <p:txBody>
+            <a:bodyPr rtlCol="0" anchor="ctr"/>
+            <a:lstStyle/>
+            <a:p>
+              <a:pPr algn="ctr"/>
+              <a:r>
+                <a:rPr lang="en-US" sz="1000" dirty="0" err="1">
+                  <a:solidFill>
+                    <a:srgbClr val="01364C"/>
+                  </a:solidFill>
+                </a:rPr>
+                <a:t>Bearbeiten</a:t>
+              </a:r>
+              <a:endParaRPr lang="en-US" sz="1000" dirty="0">
+                <a:solidFill>
+                  <a:srgbClr val="01364C"/>
+                </a:solidFill>
+              </a:endParaRPr>
+            </a:p>
+          </p:txBody>
+        </p:sp>
+      </p:grpSp>
+      <p:grpSp>
+        <p:nvGrpSpPr>
+          <p:cNvPr id="44" name="Gruppieren 43">
+            <a:extLst>
+              <a:ext uri="{FF2B5EF4-FFF2-40B4-BE49-F238E27FC236}">
+                <a16:creationId xmlns:a16="http://schemas.microsoft.com/office/drawing/2014/main" id="{9D5CD011-7DB9-4A1B-B280-464CD88BAA30}"/>
+              </a:ext>
+            </a:extLst>
+          </p:cNvPr>
+          <p:cNvGrpSpPr/>
+          <p:nvPr/>
+        </p:nvGrpSpPr>
+        <p:grpSpPr>
+          <a:xfrm>
+            <a:off x="2464205" y="2964853"/>
+            <a:ext cx="286302" cy="922923"/>
+            <a:chOff x="-217009" y="3313004"/>
+            <a:chExt cx="286302" cy="922923"/>
+          </a:xfrm>
+        </p:grpSpPr>
+        <p:cxnSp>
+          <p:nvCxnSpPr>
+            <p:cNvPr id="13" name="Gerade Verbindung mit Pfeil 12">
+              <a:extLst>
+                <a:ext uri="{FF2B5EF4-FFF2-40B4-BE49-F238E27FC236}">
+                  <a16:creationId xmlns:a16="http://schemas.microsoft.com/office/drawing/2014/main" id="{7533FE96-A6D7-4A33-A891-8CC8D175A693}"/>
+                </a:ext>
+              </a:extLst>
+            </p:cNvPr>
+            <p:cNvCxnSpPr>
+              <a:cxnSpLocks/>
+              <a:stCxn id="10" idx="0"/>
+              <a:endCxn id="11" idx="4"/>
+            </p:cNvCxnSpPr>
+            <p:nvPr/>
+          </p:nvCxnSpPr>
+          <p:spPr>
+            <a:xfrm flipH="1" flipV="1">
+              <a:off x="69292" y="3313176"/>
+              <a:ext cx="1" cy="922578"/>
+            </a:xfrm>
+            <a:prstGeom prst="straightConnector1">
+              <a:avLst/>
+            </a:prstGeom>
+            <a:ln w="12700">
+              <a:solidFill>
+                <a:schemeClr val="tx1"/>
+              </a:solidFill>
+              <a:tailEnd type="triangle"/>
+            </a:ln>
+          </p:spPr>
+          <p:style>
+            <a:lnRef idx="1">
+              <a:schemeClr val="accent1"/>
+            </a:lnRef>
+            <a:fillRef idx="0">
+              <a:schemeClr val="accent1"/>
+            </a:fillRef>
+            <a:effectRef idx="0">
+              <a:schemeClr val="accent1"/>
+            </a:effectRef>
+            <a:fontRef idx="minor">
+              <a:schemeClr val="tx1"/>
+            </a:fontRef>
+          </p:style>
+        </p:cxnSp>
+        <p:sp>
+          <p:nvSpPr>
+            <p:cNvPr id="25" name="Rechteck 24">
+              <a:extLst>
+                <a:ext uri="{FF2B5EF4-FFF2-40B4-BE49-F238E27FC236}">
+                  <a16:creationId xmlns:a16="http://schemas.microsoft.com/office/drawing/2014/main" id="{24931EAD-3E6C-483E-A14A-3A421E6B465D}"/>
+                </a:ext>
+              </a:extLst>
+            </p:cNvPr>
+            <p:cNvSpPr/>
+            <p:nvPr/>
+          </p:nvSpPr>
+          <p:spPr>
+            <a:xfrm rot="16200000">
+              <a:off x="-535320" y="3631315"/>
+              <a:ext cx="922923" cy="286301"/>
+            </a:xfrm>
+            <a:prstGeom prst="rect">
+              <a:avLst/>
+            </a:prstGeom>
+            <a:noFill/>
+            <a:ln>
+              <a:noFill/>
+            </a:ln>
+          </p:spPr>
+          <p:style>
+            <a:lnRef idx="2">
+              <a:schemeClr val="accent1">
+                <a:shade val="50000"/>
+              </a:schemeClr>
+            </a:lnRef>
+            <a:fillRef idx="1">
+              <a:schemeClr val="accent1"/>
+            </a:fillRef>
+            <a:effectRef idx="0">
+              <a:schemeClr val="accent1"/>
+            </a:effectRef>
+            <a:fontRef idx="minor">
+              <a:schemeClr val="lt1"/>
+            </a:fontRef>
+          </p:style>
+          <p:txBody>
+            <a:bodyPr rtlCol="0" anchor="ctr"/>
+            <a:lstStyle/>
+            <a:p>
+              <a:pPr algn="ctr"/>
+              <a:r>
+                <a:rPr lang="en-US" sz="1000" dirty="0">
+                  <a:solidFill>
+                    <a:srgbClr val="01364C"/>
+                  </a:solidFill>
+                </a:rPr>
+                <a:t>Stage/commit</a:t>
+              </a:r>
+            </a:p>
+          </p:txBody>
+        </p:sp>
+      </p:grpSp>
+      <p:grpSp>
+        <p:nvGrpSpPr>
+          <p:cNvPr id="43" name="Gruppieren 42">
+            <a:extLst>
+              <a:ext uri="{FF2B5EF4-FFF2-40B4-BE49-F238E27FC236}">
+                <a16:creationId xmlns:a16="http://schemas.microsoft.com/office/drawing/2014/main" id="{E392A171-F59B-4425-823D-7E84197D9D19}"/>
+              </a:ext>
+            </a:extLst>
+          </p:cNvPr>
+          <p:cNvGrpSpPr/>
+          <p:nvPr/>
+        </p:nvGrpSpPr>
+        <p:grpSpPr>
+          <a:xfrm>
+            <a:off x="2750506" y="890328"/>
+            <a:ext cx="2076471" cy="1113405"/>
+            <a:chOff x="2750506" y="890328"/>
+            <a:chExt cx="2076471" cy="1113405"/>
+          </a:xfrm>
+        </p:grpSpPr>
+        <p:cxnSp>
+          <p:nvCxnSpPr>
+            <p:cNvPr id="16" name="Gerade Verbindung mit Pfeil 15">
+              <a:extLst>
+                <a:ext uri="{FF2B5EF4-FFF2-40B4-BE49-F238E27FC236}">
+                  <a16:creationId xmlns:a16="http://schemas.microsoft.com/office/drawing/2014/main" id="{DC8E8F71-77F9-4F01-B14E-6E5052D19692}"/>
+                </a:ext>
+              </a:extLst>
+            </p:cNvPr>
+            <p:cNvCxnSpPr>
+              <a:cxnSpLocks/>
+              <a:stCxn id="11" idx="0"/>
+              <a:endCxn id="5" idx="1"/>
+            </p:cNvCxnSpPr>
+            <p:nvPr/>
+          </p:nvCxnSpPr>
+          <p:spPr>
+            <a:xfrm flipV="1">
+              <a:off x="2750506" y="890328"/>
+              <a:ext cx="2076471" cy="1113405"/>
+            </a:xfrm>
+            <a:prstGeom prst="straightConnector1">
+              <a:avLst/>
+            </a:prstGeom>
+            <a:ln w="12700">
+              <a:solidFill>
+                <a:schemeClr val="tx1"/>
+              </a:solidFill>
+              <a:tailEnd type="triangle"/>
+            </a:ln>
+          </p:spPr>
+          <p:style>
+            <a:lnRef idx="1">
+              <a:schemeClr val="accent1"/>
+            </a:lnRef>
+            <a:fillRef idx="0">
+              <a:schemeClr val="accent1"/>
+            </a:fillRef>
+            <a:effectRef idx="0">
+              <a:schemeClr val="accent1"/>
+            </a:effectRef>
+            <a:fontRef idx="minor">
+              <a:schemeClr val="tx1"/>
+            </a:fontRef>
+          </p:style>
+        </p:cxnSp>
+        <p:sp>
+          <p:nvSpPr>
+            <p:cNvPr id="26" name="Rechteck 25">
+              <a:extLst>
+                <a:ext uri="{FF2B5EF4-FFF2-40B4-BE49-F238E27FC236}">
+                  <a16:creationId xmlns:a16="http://schemas.microsoft.com/office/drawing/2014/main" id="{E82F87B5-2990-464B-9356-BEDFCB643C02}"/>
+                </a:ext>
+              </a:extLst>
+            </p:cNvPr>
+            <p:cNvSpPr/>
+            <p:nvPr/>
+          </p:nvSpPr>
+          <p:spPr>
+            <a:xfrm rot="19787604">
+              <a:off x="3295514" y="1282866"/>
+              <a:ext cx="784231" cy="286301"/>
+            </a:xfrm>
+            <a:prstGeom prst="rect">
+              <a:avLst/>
+            </a:prstGeom>
+            <a:noFill/>
+            <a:ln>
+              <a:noFill/>
+            </a:ln>
+          </p:spPr>
+          <p:style>
+            <a:lnRef idx="2">
+              <a:schemeClr val="accent1">
+                <a:shade val="50000"/>
+              </a:schemeClr>
+            </a:lnRef>
+            <a:fillRef idx="1">
+              <a:schemeClr val="accent1"/>
+            </a:fillRef>
+            <a:effectRef idx="0">
+              <a:schemeClr val="accent1"/>
+            </a:effectRef>
+            <a:fontRef idx="minor">
+              <a:schemeClr val="lt1"/>
+            </a:fontRef>
+          </p:style>
+          <p:txBody>
+            <a:bodyPr rtlCol="0" anchor="ctr"/>
+            <a:lstStyle/>
+            <a:p>
+              <a:pPr algn="ctr"/>
+              <a:r>
+                <a:rPr lang="en-US" sz="1000" dirty="0">
+                  <a:solidFill>
+                    <a:srgbClr val="01364C"/>
+                  </a:solidFill>
+                </a:rPr>
+                <a:t>Push</a:t>
+              </a:r>
+            </a:p>
+          </p:txBody>
+        </p:sp>
+      </p:grpSp>
+      <p:grpSp>
+        <p:nvGrpSpPr>
+          <p:cNvPr id="39" name="Gruppieren 38">
+            <a:extLst>
+              <a:ext uri="{FF2B5EF4-FFF2-40B4-BE49-F238E27FC236}">
+                <a16:creationId xmlns:a16="http://schemas.microsoft.com/office/drawing/2014/main" id="{1779F69D-796A-4A3B-9EFB-2396134333A0}"/>
+              </a:ext>
+            </a:extLst>
+          </p:cNvPr>
+          <p:cNvGrpSpPr/>
+          <p:nvPr/>
+        </p:nvGrpSpPr>
+        <p:grpSpPr>
+          <a:xfrm>
+            <a:off x="8677275" y="3502232"/>
+            <a:ext cx="2730254" cy="2652382"/>
+            <a:chOff x="8347587" y="3788533"/>
+            <a:chExt cx="2730254" cy="2652382"/>
+          </a:xfrm>
+        </p:grpSpPr>
+        <p:pic>
+          <p:nvPicPr>
+            <p:cNvPr id="6" name="Grafik 5">
+              <a:extLst>
+                <a:ext uri="{FF2B5EF4-FFF2-40B4-BE49-F238E27FC236}">
+                  <a16:creationId xmlns:a16="http://schemas.microsoft.com/office/drawing/2014/main" id="{62004BF0-E0BD-4254-AA58-90E6A1F05E13}"/>
+                </a:ext>
+              </a:extLst>
+            </p:cNvPr>
+            <p:cNvPicPr>
+              <a:picLocks noChangeAspect="1"/>
+            </p:cNvPicPr>
+            <p:nvPr/>
+          </p:nvPicPr>
+          <p:blipFill>
+            <a:blip r:embed="rId2"/>
+            <a:stretch>
+              <a:fillRect/>
+            </a:stretch>
+          </p:blipFill>
+          <p:spPr>
+            <a:xfrm>
+              <a:off x="8365374" y="4126522"/>
+              <a:ext cx="2088879" cy="2028092"/>
+            </a:xfrm>
+            <a:prstGeom prst="rect">
+              <a:avLst/>
+            </a:prstGeom>
+            <a:ln w="25400">
+              <a:solidFill>
+                <a:schemeClr val="tx1"/>
+              </a:solidFill>
+            </a:ln>
+          </p:spPr>
+        </p:pic>
+        <p:sp>
+          <p:nvSpPr>
+            <p:cNvPr id="21" name="Rechteck 20">
+              <a:extLst>
+                <a:ext uri="{FF2B5EF4-FFF2-40B4-BE49-F238E27FC236}">
+                  <a16:creationId xmlns:a16="http://schemas.microsoft.com/office/drawing/2014/main" id="{06059F80-2D28-4492-8B4D-6AB49E9A012E}"/>
+                </a:ext>
+              </a:extLst>
+            </p:cNvPr>
+            <p:cNvSpPr/>
+            <p:nvPr/>
+          </p:nvSpPr>
+          <p:spPr>
+            <a:xfrm>
+              <a:off x="8347587" y="6154614"/>
+              <a:ext cx="2119313" cy="286301"/>
+            </a:xfrm>
+            <a:prstGeom prst="rect">
+              <a:avLst/>
+            </a:prstGeom>
+            <a:solidFill>
+              <a:srgbClr val="F4BA02"/>
+            </a:solidFill>
+            <a:ln w="25400">
+              <a:solidFill>
+                <a:schemeClr val="tx1"/>
+              </a:solidFill>
+            </a:ln>
+          </p:spPr>
+          <p:style>
+            <a:lnRef idx="2">
+              <a:schemeClr val="accent1">
+                <a:shade val="50000"/>
+              </a:schemeClr>
+            </a:lnRef>
+            <a:fillRef idx="1">
+              <a:schemeClr val="accent1"/>
+            </a:fillRef>
+            <a:effectRef idx="0">
+              <a:schemeClr val="accent1"/>
+            </a:effectRef>
+            <a:fontRef idx="minor">
+              <a:schemeClr val="lt1"/>
+            </a:fontRef>
+          </p:style>
+          <p:txBody>
+            <a:bodyPr rtlCol="0" anchor="ctr"/>
+            <a:lstStyle/>
+            <a:p>
+              <a:pPr algn="ctr"/>
+              <a:r>
+                <a:rPr lang="en-US" sz="1400" dirty="0">
+                  <a:solidFill>
+                    <a:srgbClr val="01364C"/>
+                  </a:solidFill>
+                </a:rPr>
+                <a:t>Repository (</a:t>
+              </a:r>
+              <a:r>
+                <a:rPr lang="en-US" sz="1400" dirty="0" err="1">
+                  <a:solidFill>
+                    <a:srgbClr val="01364C"/>
+                  </a:solidFill>
+                </a:rPr>
+                <a:t>lokal</a:t>
+              </a:r>
+              <a:r>
+                <a:rPr lang="en-US" sz="1400" dirty="0">
+                  <a:solidFill>
+                    <a:srgbClr val="01364C"/>
+                  </a:solidFill>
+                </a:rPr>
+                <a:t>)</a:t>
+              </a:r>
+              <a:endParaRPr lang="de-DE" sz="1400" dirty="0">
+                <a:solidFill>
+                  <a:srgbClr val="01364C"/>
+                </a:solidFill>
+              </a:endParaRPr>
+            </a:p>
+          </p:txBody>
+        </p:sp>
+        <p:pic>
+          <p:nvPicPr>
+            <p:cNvPr id="28" name="Grafik 27" descr="Computer">
+              <a:extLst>
+                <a:ext uri="{FF2B5EF4-FFF2-40B4-BE49-F238E27FC236}">
+                  <a16:creationId xmlns:a16="http://schemas.microsoft.com/office/drawing/2014/main" id="{E84F99B0-76F0-4BB0-BCA1-7BB0D437B910}"/>
+                </a:ext>
+              </a:extLst>
+            </p:cNvPr>
+            <p:cNvPicPr>
+              <a:picLocks noChangeAspect="1"/>
+            </p:cNvPicPr>
+            <p:nvPr/>
+          </p:nvPicPr>
+          <p:blipFill>
+            <a:blip r:embed="rId3">
+              <a:extLst>
+                <a:ext uri="{28A0092B-C50C-407E-A947-70E740481C1C}">
+                  <a14:useLocalDpi xmlns:a14="http://schemas.microsoft.com/office/drawing/2010/main" val="0"/>
+                </a:ext>
+                <a:ext uri="{96DAC541-7B7A-43D3-8B79-37D633B846F1}">
+                  <asvg:svgBlip xmlns:asvg="http://schemas.microsoft.com/office/drawing/2016/SVG/main" r:embed="rId4"/>
+                </a:ext>
+              </a:extLst>
+            </a:blip>
+            <a:stretch>
+              <a:fillRect/>
+            </a:stretch>
+          </p:blipFill>
+          <p:spPr>
+            <a:xfrm>
+              <a:off x="10401864" y="3788533"/>
+              <a:ext cx="675977" cy="675977"/>
+            </a:xfrm>
+            <a:prstGeom prst="rect">
+              <a:avLst/>
+            </a:prstGeom>
+          </p:spPr>
+        </p:pic>
+      </p:grpSp>
+      <p:grpSp>
+        <p:nvGrpSpPr>
+          <p:cNvPr id="40" name="Gruppieren 39">
+            <a:extLst>
+              <a:ext uri="{FF2B5EF4-FFF2-40B4-BE49-F238E27FC236}">
+                <a16:creationId xmlns:a16="http://schemas.microsoft.com/office/drawing/2014/main" id="{45C1856E-4BE1-459D-AE21-E5A4C205B105}"/>
+              </a:ext>
+            </a:extLst>
+          </p:cNvPr>
+          <p:cNvGrpSpPr/>
+          <p:nvPr/>
+        </p:nvGrpSpPr>
+        <p:grpSpPr>
+          <a:xfrm>
+            <a:off x="1690056" y="3887603"/>
+            <a:ext cx="2119313" cy="2320124"/>
+            <a:chOff x="5083301" y="4126522"/>
+            <a:chExt cx="2119313" cy="2320124"/>
+          </a:xfrm>
+        </p:grpSpPr>
+        <p:pic>
+          <p:nvPicPr>
+            <p:cNvPr id="10" name="Grafik 9">
+              <a:extLst>
+                <a:ext uri="{FF2B5EF4-FFF2-40B4-BE49-F238E27FC236}">
+                  <a16:creationId xmlns:a16="http://schemas.microsoft.com/office/drawing/2014/main" id="{4AE95549-962E-4570-AF1E-E6DB8DED57CC}"/>
+                </a:ext>
+              </a:extLst>
+            </p:cNvPr>
+            <p:cNvPicPr>
+              <a:picLocks noChangeAspect="1"/>
+            </p:cNvPicPr>
+            <p:nvPr/>
+          </p:nvPicPr>
+          <p:blipFill>
+            <a:blip r:embed="rId2"/>
+            <a:stretch>
+              <a:fillRect/>
+            </a:stretch>
+          </p:blipFill>
+          <p:spPr>
+            <a:xfrm>
+              <a:off x="5099312" y="4126522"/>
+              <a:ext cx="2088879" cy="2028092"/>
+            </a:xfrm>
+            <a:prstGeom prst="rect">
+              <a:avLst/>
+            </a:prstGeom>
+            <a:ln w="25400">
+              <a:solidFill>
+                <a:schemeClr val="tx1"/>
+              </a:solidFill>
+            </a:ln>
+          </p:spPr>
+        </p:pic>
+        <p:sp>
+          <p:nvSpPr>
+            <p:cNvPr id="22" name="Rechteck 21">
+              <a:extLst>
+                <a:ext uri="{FF2B5EF4-FFF2-40B4-BE49-F238E27FC236}">
+                  <a16:creationId xmlns:a16="http://schemas.microsoft.com/office/drawing/2014/main" id="{74D425B7-900C-4E12-A1D2-DBDE2CC0BFFB}"/>
+                </a:ext>
+              </a:extLst>
+            </p:cNvPr>
+            <p:cNvSpPr/>
+            <p:nvPr/>
+          </p:nvSpPr>
+          <p:spPr>
+            <a:xfrm>
+              <a:off x="5083301" y="6160345"/>
+              <a:ext cx="2119313" cy="286301"/>
+            </a:xfrm>
+            <a:prstGeom prst="rect">
+              <a:avLst/>
+            </a:prstGeom>
+            <a:solidFill>
+              <a:srgbClr val="F4BA02"/>
+            </a:solidFill>
+            <a:ln w="25400">
+              <a:solidFill>
+                <a:schemeClr val="tx1"/>
+              </a:solidFill>
+            </a:ln>
+          </p:spPr>
+          <p:style>
+            <a:lnRef idx="2">
+              <a:schemeClr val="accent1">
+                <a:shade val="50000"/>
+              </a:schemeClr>
+            </a:lnRef>
+            <a:fillRef idx="1">
+              <a:schemeClr val="accent1"/>
+            </a:fillRef>
+            <a:effectRef idx="0">
+              <a:schemeClr val="accent1"/>
+            </a:effectRef>
+            <a:fontRef idx="minor">
+              <a:schemeClr val="lt1"/>
+            </a:fontRef>
+          </p:style>
+          <p:txBody>
+            <a:bodyPr rtlCol="0" anchor="ctr"/>
+            <a:lstStyle/>
+            <a:p>
+              <a:pPr algn="ctr"/>
+              <a:r>
+                <a:rPr lang="en-US" sz="1400" dirty="0">
+                  <a:solidFill>
+                    <a:srgbClr val="01364C"/>
+                  </a:solidFill>
+                </a:rPr>
+                <a:t>Repository (</a:t>
+              </a:r>
+              <a:r>
+                <a:rPr lang="en-US" sz="1400" dirty="0" err="1">
+                  <a:solidFill>
+                    <a:srgbClr val="01364C"/>
+                  </a:solidFill>
+                </a:rPr>
+                <a:t>lokal</a:t>
+              </a:r>
+              <a:r>
+                <a:rPr lang="en-US" sz="1400" dirty="0">
+                  <a:solidFill>
+                    <a:srgbClr val="01364C"/>
+                  </a:solidFill>
+                </a:rPr>
+                <a:t>)</a:t>
+              </a:r>
+              <a:endParaRPr lang="de-DE" sz="1400" dirty="0">
+                <a:solidFill>
+                  <a:srgbClr val="01364C"/>
+                </a:solidFill>
+              </a:endParaRPr>
+            </a:p>
+          </p:txBody>
+        </p:sp>
+      </p:grpSp>
+      <p:sp>
+        <p:nvSpPr>
+          <p:cNvPr id="11" name="Ellipse 10">
+            <a:extLst>
+              <a:ext uri="{FF2B5EF4-FFF2-40B4-BE49-F238E27FC236}">
+                <a16:creationId xmlns:a16="http://schemas.microsoft.com/office/drawing/2014/main" id="{B1E63540-82B6-4E6F-9DA2-52523719782D}"/>
+              </a:ext>
+            </a:extLst>
+          </p:cNvPr>
+          <p:cNvSpPr/>
+          <p:nvPr/>
+        </p:nvSpPr>
+        <p:spPr>
+          <a:xfrm>
+            <a:off x="1683706" y="2003733"/>
+            <a:ext cx="2133600" cy="961292"/>
+          </a:xfrm>
+          <a:prstGeom prst="ellipse">
+            <a:avLst/>
+          </a:prstGeom>
+          <a:solidFill>
+            <a:srgbClr val="F4BA02"/>
+          </a:solidFill>
+          <a:ln w="25400">
+            <a:solidFill>
+              <a:schemeClr val="tx1"/>
+            </a:solidFill>
+          </a:ln>
+        </p:spPr>
+        <p:style>
+          <a:lnRef idx="2">
+            <a:schemeClr val="accent1">
+              <a:shade val="50000"/>
+            </a:schemeClr>
+          </a:lnRef>
+          <a:fillRef idx="1">
+            <a:schemeClr val="accent1"/>
+          </a:fillRef>
+          <a:effectRef idx="0">
+            <a:schemeClr val="accent1"/>
+          </a:effectRef>
+          <a:fontRef idx="minor">
+            <a:schemeClr val="lt1"/>
+          </a:fontRef>
+        </p:style>
+        <p:txBody>
+          <a:bodyPr rtlCol="0" anchor="ctr"/>
+          <a:lstStyle/>
+          <a:p>
+            <a:pPr algn="ctr"/>
+            <a:r>
+              <a:rPr lang="en-US" sz="1400" dirty="0">
+                <a:solidFill>
+                  <a:srgbClr val="01364C"/>
+                </a:solidFill>
+              </a:rPr>
+              <a:t>Git (</a:t>
+            </a:r>
+            <a:r>
+              <a:rPr lang="en-US" sz="1400" dirty="0" err="1">
+                <a:solidFill>
+                  <a:srgbClr val="01364C"/>
+                </a:solidFill>
+              </a:rPr>
+              <a:t>lokal</a:t>
+            </a:r>
+            <a:r>
+              <a:rPr lang="en-US" sz="1400" dirty="0">
+                <a:solidFill>
+                  <a:srgbClr val="01364C"/>
+                </a:solidFill>
+              </a:rPr>
+              <a:t>)</a:t>
+            </a:r>
+            <a:endParaRPr lang="de-DE" sz="1400" dirty="0">
+              <a:solidFill>
+                <a:srgbClr val="01364C"/>
+              </a:solidFill>
+            </a:endParaRPr>
+          </a:p>
+        </p:txBody>
+      </p:sp>
+      <p:grpSp>
+        <p:nvGrpSpPr>
+          <p:cNvPr id="37" name="Gruppieren 36">
+            <a:extLst>
+              <a:ext uri="{FF2B5EF4-FFF2-40B4-BE49-F238E27FC236}">
+                <a16:creationId xmlns:a16="http://schemas.microsoft.com/office/drawing/2014/main" id="{AEF98EE4-30C7-4596-AC04-143055192D83}"/>
+              </a:ext>
+            </a:extLst>
+          </p:cNvPr>
+          <p:cNvGrpSpPr/>
+          <p:nvPr/>
+        </p:nvGrpSpPr>
+        <p:grpSpPr>
+          <a:xfrm>
+            <a:off x="4810123" y="-79927"/>
+            <a:ext cx="3064999" cy="1940510"/>
+            <a:chOff x="4725131" y="187228"/>
+            <a:chExt cx="3064999" cy="1940510"/>
+          </a:xfrm>
+        </p:grpSpPr>
+        <p:pic>
+          <p:nvPicPr>
+            <p:cNvPr id="5" name="Grafik 4">
+              <a:extLst>
+                <a:ext uri="{FF2B5EF4-FFF2-40B4-BE49-F238E27FC236}">
+                  <a16:creationId xmlns:a16="http://schemas.microsoft.com/office/drawing/2014/main" id="{CD08842F-82D2-4A8D-9033-08C17181FFE4}"/>
+                </a:ext>
+              </a:extLst>
+            </p:cNvPr>
+            <p:cNvPicPr>
+              <a:picLocks noChangeAspect="1"/>
+            </p:cNvPicPr>
+            <p:nvPr/>
+          </p:nvPicPr>
+          <p:blipFill>
+            <a:blip r:embed="rId5">
+              <a:extLst>
+                <a:ext uri="{28A0092B-C50C-407E-A947-70E740481C1C}">
+                  <a14:useLocalDpi xmlns:a14="http://schemas.microsoft.com/office/drawing/2010/main" val="0"/>
+                </a:ext>
+              </a:extLst>
+            </a:blip>
+            <a:stretch>
+              <a:fillRect/>
+            </a:stretch>
+          </p:blipFill>
+          <p:spPr>
+            <a:xfrm>
+              <a:off x="4741985" y="473529"/>
+              <a:ext cx="2538046" cy="1367908"/>
+            </a:xfrm>
+            <a:prstGeom prst="rect">
+              <a:avLst/>
+            </a:prstGeom>
+            <a:ln w="25400">
+              <a:solidFill>
+                <a:schemeClr val="tx1"/>
+              </a:solidFill>
+            </a:ln>
+          </p:spPr>
+        </p:pic>
+        <p:sp>
+          <p:nvSpPr>
+            <p:cNvPr id="20" name="Rechteck 19">
+              <a:extLst>
+                <a:ext uri="{FF2B5EF4-FFF2-40B4-BE49-F238E27FC236}">
+                  <a16:creationId xmlns:a16="http://schemas.microsoft.com/office/drawing/2014/main" id="{FC4DD9C8-109E-4860-9A5C-E3292D8D439C}"/>
+                </a:ext>
+              </a:extLst>
+            </p:cNvPr>
+            <p:cNvSpPr/>
+            <p:nvPr/>
+          </p:nvSpPr>
+          <p:spPr>
+            <a:xfrm>
+              <a:off x="4725131" y="1841437"/>
+              <a:ext cx="2569371" cy="286301"/>
+            </a:xfrm>
+            <a:prstGeom prst="rect">
+              <a:avLst/>
+            </a:prstGeom>
+            <a:solidFill>
+              <a:srgbClr val="00E0E0"/>
+            </a:solidFill>
+            <a:ln w="25400">
+              <a:solidFill>
+                <a:schemeClr val="tx1"/>
+              </a:solidFill>
+            </a:ln>
+          </p:spPr>
+          <p:style>
+            <a:lnRef idx="2">
+              <a:schemeClr val="accent1">
+                <a:shade val="50000"/>
+              </a:schemeClr>
+            </a:lnRef>
+            <a:fillRef idx="1">
+              <a:schemeClr val="accent1"/>
+            </a:fillRef>
+            <a:effectRef idx="0">
+              <a:schemeClr val="accent1"/>
+            </a:effectRef>
+            <a:fontRef idx="minor">
+              <a:schemeClr val="lt1"/>
+            </a:fontRef>
+          </p:style>
+          <p:txBody>
+            <a:bodyPr rtlCol="0" anchor="ctr"/>
+            <a:lstStyle/>
+            <a:p>
+              <a:pPr algn="ctr"/>
+              <a:r>
+                <a:rPr lang="en-US" sz="1400" dirty="0">
+                  <a:solidFill>
+                    <a:srgbClr val="01364C"/>
+                  </a:solidFill>
+                </a:rPr>
+                <a:t>Repository (online)</a:t>
+              </a:r>
+              <a:endParaRPr lang="de-DE" sz="1400" dirty="0">
+                <a:solidFill>
+                  <a:srgbClr val="01364C"/>
+                </a:solidFill>
+              </a:endParaRPr>
+            </a:p>
+          </p:txBody>
+        </p:sp>
+        <p:pic>
+          <p:nvPicPr>
+            <p:cNvPr id="32" name="Grafik 31" descr="Synchronisierende Cloud">
+              <a:extLst>
+                <a:ext uri="{FF2B5EF4-FFF2-40B4-BE49-F238E27FC236}">
+                  <a16:creationId xmlns:a16="http://schemas.microsoft.com/office/drawing/2014/main" id="{90F612F9-9C1B-43F7-A606-C0BBE8888873}"/>
+                </a:ext>
+              </a:extLst>
+            </p:cNvPr>
+            <p:cNvPicPr>
+              <a:picLocks noChangeAspect="1"/>
+            </p:cNvPicPr>
+            <p:nvPr/>
+          </p:nvPicPr>
+          <p:blipFill>
+            <a:blip r:embed="rId6">
+              <a:extLst>
+                <a:ext uri="{28A0092B-C50C-407E-A947-70E740481C1C}">
+                  <a14:useLocalDpi xmlns:a14="http://schemas.microsoft.com/office/drawing/2010/main" val="0"/>
+                </a:ext>
+                <a:ext uri="{96DAC541-7B7A-43D3-8B79-37D633B846F1}">
+                  <asvg:svgBlip xmlns:asvg="http://schemas.microsoft.com/office/drawing/2016/SVG/main" r:embed="rId7"/>
+                </a:ext>
+              </a:extLst>
+            </a:blip>
+            <a:stretch>
+              <a:fillRect/>
+            </a:stretch>
+          </p:blipFill>
+          <p:spPr>
+            <a:xfrm>
+              <a:off x="7169981" y="187228"/>
+              <a:ext cx="620149" cy="620149"/>
+            </a:xfrm>
+            <a:prstGeom prst="rect">
+              <a:avLst/>
+            </a:prstGeom>
+          </p:spPr>
+        </p:pic>
+      </p:grpSp>
+      <p:pic>
+        <p:nvPicPr>
+          <p:cNvPr id="49" name="Grafik 48" descr="Computer">
+            <a:extLst>
+              <a:ext uri="{FF2B5EF4-FFF2-40B4-BE49-F238E27FC236}">
+                <a16:creationId xmlns:a16="http://schemas.microsoft.com/office/drawing/2014/main" id="{83715380-73E1-48CA-8F0C-18733C1C8756}"/>
+              </a:ext>
+            </a:extLst>
+          </p:cNvPr>
+          <p:cNvPicPr>
+            <a:picLocks noChangeAspect="1"/>
+          </p:cNvPicPr>
+          <p:nvPr/>
+        </p:nvPicPr>
+        <p:blipFill>
+          <a:blip r:embed="rId3">
+            <a:extLst>
+              <a:ext uri="{28A0092B-C50C-407E-A947-70E740481C1C}">
+                <a14:useLocalDpi xmlns:a14="http://schemas.microsoft.com/office/drawing/2010/main" val="0"/>
+              </a:ext>
+              <a:ext uri="{96DAC541-7B7A-43D3-8B79-37D633B846F1}">
+                <asvg:svgBlip xmlns:asvg="http://schemas.microsoft.com/office/drawing/2016/SVG/main" r:embed="rId8"/>
+              </a:ext>
+            </a:extLst>
+          </a:blip>
+          <a:stretch>
+            <a:fillRect/>
+          </a:stretch>
+        </p:blipFill>
+        <p:spPr>
+          <a:xfrm>
+            <a:off x="1421532" y="1755211"/>
+            <a:ext cx="675977" cy="675977"/>
+          </a:xfrm>
+          <a:prstGeom prst="rect">
+            <a:avLst/>
+          </a:prstGeom>
+        </p:spPr>
+      </p:pic>
+      <p:pic>
+        <p:nvPicPr>
+          <p:cNvPr id="50" name="Grafik 49" descr="Computer">
+            <a:extLst>
+              <a:ext uri="{FF2B5EF4-FFF2-40B4-BE49-F238E27FC236}">
+                <a16:creationId xmlns:a16="http://schemas.microsoft.com/office/drawing/2014/main" id="{C90BE577-53EC-468F-B34B-DF70CA3C2827}"/>
+              </a:ext>
+            </a:extLst>
+          </p:cNvPr>
+          <p:cNvPicPr>
+            <a:picLocks noChangeAspect="1"/>
+          </p:cNvPicPr>
+          <p:nvPr/>
+        </p:nvPicPr>
+        <p:blipFill>
+          <a:blip r:embed="rId3">
+            <a:extLst>
+              <a:ext uri="{28A0092B-C50C-407E-A947-70E740481C1C}">
+                <a14:useLocalDpi xmlns:a14="http://schemas.microsoft.com/office/drawing/2010/main" val="0"/>
+              </a:ext>
+              <a:ext uri="{96DAC541-7B7A-43D3-8B79-37D633B846F1}">
+                <asvg:svgBlip xmlns:asvg="http://schemas.microsoft.com/office/drawing/2016/SVG/main" r:embed="rId8"/>
+              </a:ext>
+            </a:extLst>
+          </a:blip>
+          <a:stretch>
+            <a:fillRect/>
+          </a:stretch>
+        </p:blipFill>
+        <p:spPr>
+          <a:xfrm>
+            <a:off x="1071171" y="3646813"/>
+            <a:ext cx="675977" cy="675977"/>
+          </a:xfrm>
+          <a:prstGeom prst="rect">
+            <a:avLst/>
+          </a:prstGeom>
+        </p:spPr>
+      </p:pic>
+      <p:sp>
+        <p:nvSpPr>
+          <p:cNvPr id="29" name="Rechteck 28">
+            <a:extLst>
+              <a:ext uri="{FF2B5EF4-FFF2-40B4-BE49-F238E27FC236}">
+                <a16:creationId xmlns:a16="http://schemas.microsoft.com/office/drawing/2014/main" id="{6AA7030C-C19B-4BBE-B1BB-2913319F40CD}"/>
+              </a:ext>
+            </a:extLst>
+          </p:cNvPr>
+          <p:cNvSpPr/>
+          <p:nvPr/>
+        </p:nvSpPr>
+        <p:spPr>
+          <a:xfrm rot="3103384">
+            <a:off x="8339827" y="2188817"/>
+            <a:ext cx="633900" cy="369743"/>
+          </a:xfrm>
+          <a:prstGeom prst="rect">
+            <a:avLst/>
+          </a:prstGeom>
+          <a:noFill/>
+          <a:ln w="38100">
+            <a:solidFill>
+              <a:srgbClr val="9B1B34"/>
+            </a:solidFill>
+          </a:ln>
+        </p:spPr>
+        <p:style>
+          <a:lnRef idx="2">
+            <a:schemeClr val="accent1">
+              <a:shade val="50000"/>
+            </a:schemeClr>
+          </a:lnRef>
+          <a:fillRef idx="1">
+            <a:schemeClr val="accent1"/>
+          </a:fillRef>
+          <a:effectRef idx="0">
+            <a:schemeClr val="accent1"/>
+          </a:effectRef>
+          <a:fontRef idx="minor">
+            <a:schemeClr val="lt1"/>
+          </a:fontRef>
+        </p:style>
+        <p:txBody>
+          <a:bodyPr rtlCol="0" anchor="ctr"/>
+          <a:lstStyle/>
+          <a:p>
+            <a:pPr algn="ctr"/>
+            <a:endParaRPr lang="de-DE"/>
+          </a:p>
+        </p:txBody>
+      </p:sp>
+    </p:spTree>
+    <p:extLst>
+      <p:ext uri="{BB962C8B-B14F-4D97-AF65-F5344CB8AC3E}">
+        <p14:creationId xmlns:p14="http://schemas.microsoft.com/office/powerpoint/2010/main" val="2024758364"/>
+      </p:ext>
+    </p:extLst>
+  </p:cSld>
+  <p:clrMapOvr>
+    <a:masterClrMapping/>
+  </p:clrMapOvr>
+</p:sld>
+</file>
+
+<file path=ppt/slides/slide4.xml><?xml version="1.0" encoding="utf-8"?>
+<p:sld xmlns:a="http://schemas.openxmlformats.org/drawingml/2006/main" xmlns:r="http://schemas.openxmlformats.org/officeDocument/2006/relationships" xmlns:p="http://schemas.openxmlformats.org/presentationml/2006/main">
+  <p:cSld>
+    <p:bg>
+      <p:bgPr>
+        <a:solidFill>
+          <a:srgbClr val="F8F8F8"/>
+        </a:solidFill>
+        <a:effectLst/>
+      </p:bgPr>
+    </p:bg>
+    <p:spTree>
+      <p:nvGrpSpPr>
+        <p:cNvPr id="1" name=""/>
+        <p:cNvGrpSpPr/>
+        <p:nvPr/>
+      </p:nvGrpSpPr>
+      <p:grpSpPr>
+        <a:xfrm>
+          <a:off x="0" y="0"/>
+          <a:ext cx="0" cy="0"/>
+          <a:chOff x="0" y="0"/>
+          <a:chExt cx="0" cy="0"/>
+        </a:xfrm>
+      </p:grpSpPr>
+      <p:grpSp>
+        <p:nvGrpSpPr>
+          <p:cNvPr id="38" name="Gruppieren 37">
+            <a:extLst>
+              <a:ext uri="{FF2B5EF4-FFF2-40B4-BE49-F238E27FC236}">
+                <a16:creationId xmlns:a16="http://schemas.microsoft.com/office/drawing/2014/main" id="{C096E458-199A-4D22-B997-BFD017610668}"/>
+              </a:ext>
+            </a:extLst>
+          </p:cNvPr>
+          <p:cNvGrpSpPr/>
+          <p:nvPr/>
+        </p:nvGrpSpPr>
+        <p:grpSpPr>
+          <a:xfrm>
+            <a:off x="7365023" y="890328"/>
+            <a:ext cx="2374479" cy="2949893"/>
+            <a:chOff x="7365023" y="890328"/>
+            <a:chExt cx="2374479" cy="2949893"/>
+          </a:xfrm>
+        </p:grpSpPr>
+        <p:cxnSp>
+          <p:nvCxnSpPr>
+            <p:cNvPr id="8" name="Gerade Verbindung mit Pfeil 7">
+              <a:extLst>
+                <a:ext uri="{FF2B5EF4-FFF2-40B4-BE49-F238E27FC236}">
+                  <a16:creationId xmlns:a16="http://schemas.microsoft.com/office/drawing/2014/main" id="{AA5E1B15-C5FA-47CF-B41C-CA708864F0A3}"/>
+                </a:ext>
+              </a:extLst>
+            </p:cNvPr>
+            <p:cNvCxnSpPr>
+              <a:cxnSpLocks/>
+              <a:stCxn id="5" idx="3"/>
+              <a:endCxn id="6" idx="0"/>
+            </p:cNvCxnSpPr>
+            <p:nvPr/>
+          </p:nvCxnSpPr>
+          <p:spPr>
+            <a:xfrm>
+              <a:off x="7365023" y="890328"/>
+              <a:ext cx="2374479" cy="2949893"/>
+            </a:xfrm>
+            <a:prstGeom prst="straightConnector1">
+              <a:avLst/>
+            </a:prstGeom>
+            <a:ln w="12700">
+              <a:solidFill>
+                <a:schemeClr val="tx1"/>
+              </a:solidFill>
+              <a:tailEnd type="triangle"/>
+            </a:ln>
+          </p:spPr>
+          <p:style>
+            <a:lnRef idx="1">
+              <a:schemeClr val="accent1"/>
+            </a:lnRef>
+            <a:fillRef idx="0">
+              <a:schemeClr val="accent1"/>
+            </a:fillRef>
+            <a:effectRef idx="0">
+              <a:schemeClr val="accent1"/>
+            </a:effectRef>
+            <a:fontRef idx="minor">
+              <a:schemeClr val="tx1"/>
+            </a:fontRef>
+          </p:style>
+        </p:cxnSp>
+        <p:sp>
+          <p:nvSpPr>
+            <p:cNvPr id="23" name="Rechteck 22">
+              <a:extLst>
+                <a:ext uri="{FF2B5EF4-FFF2-40B4-BE49-F238E27FC236}">
+                  <a16:creationId xmlns:a16="http://schemas.microsoft.com/office/drawing/2014/main" id="{942A0602-D83C-43F2-9088-C1198857C1EE}"/>
+                </a:ext>
+              </a:extLst>
+            </p:cNvPr>
+            <p:cNvSpPr/>
+            <p:nvPr/>
+          </p:nvSpPr>
+          <p:spPr>
+            <a:xfrm rot="2966783">
+              <a:off x="8448393" y="2230539"/>
+              <a:ext cx="493338" cy="286301"/>
+            </a:xfrm>
+            <a:prstGeom prst="rect">
+              <a:avLst/>
+            </a:prstGeom>
+            <a:noFill/>
+            <a:ln>
+              <a:noFill/>
+            </a:ln>
+          </p:spPr>
+          <p:style>
+            <a:lnRef idx="2">
+              <a:schemeClr val="accent1">
+                <a:shade val="50000"/>
+              </a:schemeClr>
+            </a:lnRef>
+            <a:fillRef idx="1">
+              <a:schemeClr val="accent1"/>
+            </a:fillRef>
+            <a:effectRef idx="0">
+              <a:schemeClr val="accent1"/>
+            </a:effectRef>
+            <a:fontRef idx="minor">
+              <a:schemeClr val="lt1"/>
+            </a:fontRef>
+          </p:style>
+          <p:txBody>
+            <a:bodyPr rtlCol="0" anchor="ctr"/>
+            <a:lstStyle/>
+            <a:p>
+              <a:pPr algn="ctr"/>
+              <a:r>
+                <a:rPr lang="en-US" sz="1000" dirty="0">
+                  <a:solidFill>
+                    <a:srgbClr val="01364C"/>
+                  </a:solidFill>
+                </a:rPr>
+                <a:t>Pull</a:t>
+              </a:r>
+            </a:p>
+          </p:txBody>
+        </p:sp>
+      </p:grpSp>
+      <p:grpSp>
+        <p:nvGrpSpPr>
+          <p:cNvPr id="45" name="Gruppieren 44">
+            <a:extLst>
+              <a:ext uri="{FF2B5EF4-FFF2-40B4-BE49-F238E27FC236}">
+                <a16:creationId xmlns:a16="http://schemas.microsoft.com/office/drawing/2014/main" id="{C8F73169-4096-4456-9C7A-8C0B1A8DB7EF}"/>
+              </a:ext>
+            </a:extLst>
+          </p:cNvPr>
+          <p:cNvGrpSpPr/>
+          <p:nvPr/>
+        </p:nvGrpSpPr>
+        <p:grpSpPr>
+          <a:xfrm>
+            <a:off x="3794946" y="4854267"/>
+            <a:ext cx="4900116" cy="301432"/>
+            <a:chOff x="3794946" y="4854267"/>
+            <a:chExt cx="4900116" cy="301432"/>
+          </a:xfrm>
+        </p:grpSpPr>
+        <p:cxnSp>
+          <p:nvCxnSpPr>
+            <p:cNvPr id="18" name="Gerade Verbindung mit Pfeil 17">
+              <a:extLst>
+                <a:ext uri="{FF2B5EF4-FFF2-40B4-BE49-F238E27FC236}">
+                  <a16:creationId xmlns:a16="http://schemas.microsoft.com/office/drawing/2014/main" id="{F7A8726D-6B1E-4CEF-A850-C2698D660247}"/>
+                </a:ext>
+              </a:extLst>
+            </p:cNvPr>
+            <p:cNvCxnSpPr>
+              <a:cxnSpLocks/>
+              <a:stCxn id="6" idx="1"/>
+              <a:endCxn id="10" idx="3"/>
+            </p:cNvCxnSpPr>
+            <p:nvPr/>
+          </p:nvCxnSpPr>
+          <p:spPr>
+            <a:xfrm flipH="1">
+              <a:off x="3794946" y="4854267"/>
+              <a:ext cx="4900116" cy="47382"/>
+            </a:xfrm>
+            <a:prstGeom prst="straightConnector1">
+              <a:avLst/>
+            </a:prstGeom>
+            <a:ln w="12700">
+              <a:solidFill>
+                <a:schemeClr val="tx1"/>
+              </a:solidFill>
+              <a:tailEnd type="triangle"/>
+            </a:ln>
+          </p:spPr>
+          <p:style>
+            <a:lnRef idx="1">
+              <a:schemeClr val="accent1"/>
+            </a:lnRef>
+            <a:fillRef idx="0">
+              <a:schemeClr val="accent1"/>
+            </a:fillRef>
+            <a:effectRef idx="0">
+              <a:schemeClr val="accent1"/>
+            </a:effectRef>
+            <a:fontRef idx="minor">
+              <a:schemeClr val="tx1"/>
+            </a:fontRef>
+          </p:style>
+        </p:cxnSp>
+        <p:sp>
+          <p:nvSpPr>
+            <p:cNvPr id="24" name="Rechteck 23">
+              <a:extLst>
+                <a:ext uri="{FF2B5EF4-FFF2-40B4-BE49-F238E27FC236}">
+                  <a16:creationId xmlns:a16="http://schemas.microsoft.com/office/drawing/2014/main" id="{B479A2EB-4D12-4E4E-813D-0A368927C303}"/>
+                </a:ext>
+              </a:extLst>
+            </p:cNvPr>
+            <p:cNvSpPr/>
+            <p:nvPr/>
+          </p:nvSpPr>
+          <p:spPr>
+            <a:xfrm>
+              <a:off x="5852888" y="4869398"/>
+              <a:ext cx="784231" cy="286301"/>
+            </a:xfrm>
+            <a:prstGeom prst="rect">
+              <a:avLst/>
+            </a:prstGeom>
+            <a:noFill/>
+            <a:ln>
+              <a:noFill/>
+            </a:ln>
+          </p:spPr>
+          <p:style>
+            <a:lnRef idx="2">
+              <a:schemeClr val="accent1">
+                <a:shade val="50000"/>
+              </a:schemeClr>
+            </a:lnRef>
+            <a:fillRef idx="1">
+              <a:schemeClr val="accent1"/>
+            </a:fillRef>
+            <a:effectRef idx="0">
+              <a:schemeClr val="accent1"/>
+            </a:effectRef>
+            <a:fontRef idx="minor">
+              <a:schemeClr val="lt1"/>
+            </a:fontRef>
+          </p:style>
+          <p:txBody>
+            <a:bodyPr rtlCol="0" anchor="ctr"/>
+            <a:lstStyle/>
+            <a:p>
+              <a:pPr algn="ctr"/>
+              <a:r>
+                <a:rPr lang="en-US" sz="1000" dirty="0" err="1">
+                  <a:solidFill>
+                    <a:srgbClr val="01364C"/>
+                  </a:solidFill>
+                </a:rPr>
+                <a:t>Bearbeiten</a:t>
+              </a:r>
+              <a:endParaRPr lang="en-US" sz="1000" dirty="0">
+                <a:solidFill>
+                  <a:srgbClr val="01364C"/>
+                </a:solidFill>
+              </a:endParaRPr>
+            </a:p>
+          </p:txBody>
+        </p:sp>
+      </p:grpSp>
+      <p:grpSp>
+        <p:nvGrpSpPr>
+          <p:cNvPr id="44" name="Gruppieren 43">
+            <a:extLst>
+              <a:ext uri="{FF2B5EF4-FFF2-40B4-BE49-F238E27FC236}">
+                <a16:creationId xmlns:a16="http://schemas.microsoft.com/office/drawing/2014/main" id="{9D5CD011-7DB9-4A1B-B280-464CD88BAA30}"/>
+              </a:ext>
+            </a:extLst>
+          </p:cNvPr>
+          <p:cNvGrpSpPr/>
+          <p:nvPr/>
+        </p:nvGrpSpPr>
+        <p:grpSpPr>
+          <a:xfrm>
+            <a:off x="2464205" y="2964853"/>
+            <a:ext cx="286302" cy="922923"/>
+            <a:chOff x="-217009" y="3313004"/>
+            <a:chExt cx="286302" cy="922923"/>
+          </a:xfrm>
+        </p:grpSpPr>
+        <p:cxnSp>
+          <p:nvCxnSpPr>
+            <p:cNvPr id="13" name="Gerade Verbindung mit Pfeil 12">
+              <a:extLst>
+                <a:ext uri="{FF2B5EF4-FFF2-40B4-BE49-F238E27FC236}">
+                  <a16:creationId xmlns:a16="http://schemas.microsoft.com/office/drawing/2014/main" id="{7533FE96-A6D7-4A33-A891-8CC8D175A693}"/>
+                </a:ext>
+              </a:extLst>
+            </p:cNvPr>
+            <p:cNvCxnSpPr>
+              <a:cxnSpLocks/>
+              <a:stCxn id="10" idx="0"/>
+              <a:endCxn id="11" idx="4"/>
+            </p:cNvCxnSpPr>
+            <p:nvPr/>
+          </p:nvCxnSpPr>
+          <p:spPr>
+            <a:xfrm flipH="1" flipV="1">
+              <a:off x="69292" y="3313176"/>
+              <a:ext cx="1" cy="922578"/>
+            </a:xfrm>
+            <a:prstGeom prst="straightConnector1">
+              <a:avLst/>
+            </a:prstGeom>
+            <a:ln w="12700">
+              <a:solidFill>
+                <a:schemeClr val="tx1"/>
+              </a:solidFill>
+              <a:tailEnd type="triangle"/>
+            </a:ln>
+          </p:spPr>
+          <p:style>
+            <a:lnRef idx="1">
+              <a:schemeClr val="accent1"/>
+            </a:lnRef>
+            <a:fillRef idx="0">
+              <a:schemeClr val="accent1"/>
+            </a:fillRef>
+            <a:effectRef idx="0">
+              <a:schemeClr val="accent1"/>
+            </a:effectRef>
+            <a:fontRef idx="minor">
+              <a:schemeClr val="tx1"/>
+            </a:fontRef>
+          </p:style>
+        </p:cxnSp>
+        <p:sp>
+          <p:nvSpPr>
+            <p:cNvPr id="25" name="Rechteck 24">
+              <a:extLst>
+                <a:ext uri="{FF2B5EF4-FFF2-40B4-BE49-F238E27FC236}">
+                  <a16:creationId xmlns:a16="http://schemas.microsoft.com/office/drawing/2014/main" id="{24931EAD-3E6C-483E-A14A-3A421E6B465D}"/>
+                </a:ext>
+              </a:extLst>
+            </p:cNvPr>
+            <p:cNvSpPr/>
+            <p:nvPr/>
+          </p:nvSpPr>
+          <p:spPr>
+            <a:xfrm rot="16200000">
+              <a:off x="-535320" y="3631315"/>
+              <a:ext cx="922923" cy="286301"/>
+            </a:xfrm>
+            <a:prstGeom prst="rect">
+              <a:avLst/>
+            </a:prstGeom>
+            <a:noFill/>
+            <a:ln>
+              <a:noFill/>
+            </a:ln>
+          </p:spPr>
+          <p:style>
+            <a:lnRef idx="2">
+              <a:schemeClr val="accent1">
+                <a:shade val="50000"/>
+              </a:schemeClr>
+            </a:lnRef>
+            <a:fillRef idx="1">
+              <a:schemeClr val="accent1"/>
+            </a:fillRef>
+            <a:effectRef idx="0">
+              <a:schemeClr val="accent1"/>
+            </a:effectRef>
+            <a:fontRef idx="minor">
+              <a:schemeClr val="lt1"/>
+            </a:fontRef>
+          </p:style>
+          <p:txBody>
+            <a:bodyPr rtlCol="0" anchor="ctr"/>
+            <a:lstStyle/>
+            <a:p>
+              <a:pPr algn="ctr"/>
+              <a:r>
+                <a:rPr lang="en-US" sz="1000" dirty="0">
+                  <a:solidFill>
+                    <a:srgbClr val="01364C"/>
+                  </a:solidFill>
+                </a:rPr>
+                <a:t>Stage/commit</a:t>
+              </a:r>
+            </a:p>
+          </p:txBody>
+        </p:sp>
+      </p:grpSp>
+      <p:grpSp>
+        <p:nvGrpSpPr>
+          <p:cNvPr id="43" name="Gruppieren 42">
+            <a:extLst>
+              <a:ext uri="{FF2B5EF4-FFF2-40B4-BE49-F238E27FC236}">
+                <a16:creationId xmlns:a16="http://schemas.microsoft.com/office/drawing/2014/main" id="{E392A171-F59B-4425-823D-7E84197D9D19}"/>
+              </a:ext>
+            </a:extLst>
+          </p:cNvPr>
+          <p:cNvGrpSpPr/>
+          <p:nvPr/>
+        </p:nvGrpSpPr>
+        <p:grpSpPr>
+          <a:xfrm>
+            <a:off x="2750506" y="890328"/>
+            <a:ext cx="2076471" cy="1113405"/>
+            <a:chOff x="2750506" y="890328"/>
+            <a:chExt cx="2076471" cy="1113405"/>
+          </a:xfrm>
+        </p:grpSpPr>
+        <p:cxnSp>
+          <p:nvCxnSpPr>
+            <p:cNvPr id="16" name="Gerade Verbindung mit Pfeil 15">
+              <a:extLst>
+                <a:ext uri="{FF2B5EF4-FFF2-40B4-BE49-F238E27FC236}">
+                  <a16:creationId xmlns:a16="http://schemas.microsoft.com/office/drawing/2014/main" id="{DC8E8F71-77F9-4F01-B14E-6E5052D19692}"/>
+                </a:ext>
+              </a:extLst>
+            </p:cNvPr>
+            <p:cNvCxnSpPr>
+              <a:cxnSpLocks/>
+              <a:stCxn id="11" idx="0"/>
+              <a:endCxn id="5" idx="1"/>
+            </p:cNvCxnSpPr>
+            <p:nvPr/>
+          </p:nvCxnSpPr>
+          <p:spPr>
+            <a:xfrm flipV="1">
+              <a:off x="2750506" y="890328"/>
+              <a:ext cx="2076471" cy="1113405"/>
+            </a:xfrm>
+            <a:prstGeom prst="straightConnector1">
+              <a:avLst/>
+            </a:prstGeom>
+            <a:ln w="12700">
+              <a:solidFill>
+                <a:schemeClr val="tx1"/>
+              </a:solidFill>
+              <a:tailEnd type="triangle"/>
+            </a:ln>
+          </p:spPr>
+          <p:style>
+            <a:lnRef idx="1">
+              <a:schemeClr val="accent1"/>
+            </a:lnRef>
+            <a:fillRef idx="0">
+              <a:schemeClr val="accent1"/>
+            </a:fillRef>
+            <a:effectRef idx="0">
+              <a:schemeClr val="accent1"/>
+            </a:effectRef>
+            <a:fontRef idx="minor">
+              <a:schemeClr val="tx1"/>
+            </a:fontRef>
+          </p:style>
+        </p:cxnSp>
+        <p:sp>
+          <p:nvSpPr>
+            <p:cNvPr id="26" name="Rechteck 25">
+              <a:extLst>
+                <a:ext uri="{FF2B5EF4-FFF2-40B4-BE49-F238E27FC236}">
+                  <a16:creationId xmlns:a16="http://schemas.microsoft.com/office/drawing/2014/main" id="{E82F87B5-2990-464B-9356-BEDFCB643C02}"/>
+                </a:ext>
+              </a:extLst>
+            </p:cNvPr>
+            <p:cNvSpPr/>
+            <p:nvPr/>
+          </p:nvSpPr>
+          <p:spPr>
+            <a:xfrm rot="19787604">
+              <a:off x="3295514" y="1282866"/>
+              <a:ext cx="784231" cy="286301"/>
+            </a:xfrm>
+            <a:prstGeom prst="rect">
+              <a:avLst/>
+            </a:prstGeom>
+            <a:noFill/>
+            <a:ln>
+              <a:noFill/>
+            </a:ln>
+          </p:spPr>
+          <p:style>
+            <a:lnRef idx="2">
+              <a:schemeClr val="accent1">
+                <a:shade val="50000"/>
+              </a:schemeClr>
+            </a:lnRef>
+            <a:fillRef idx="1">
+              <a:schemeClr val="accent1"/>
+            </a:fillRef>
+            <a:effectRef idx="0">
+              <a:schemeClr val="accent1"/>
+            </a:effectRef>
+            <a:fontRef idx="minor">
+              <a:schemeClr val="lt1"/>
+            </a:fontRef>
+          </p:style>
+          <p:txBody>
+            <a:bodyPr rtlCol="0" anchor="ctr"/>
+            <a:lstStyle/>
+            <a:p>
+              <a:pPr algn="ctr"/>
+              <a:r>
+                <a:rPr lang="en-US" sz="1000" dirty="0">
+                  <a:solidFill>
+                    <a:srgbClr val="01364C"/>
+                  </a:solidFill>
+                </a:rPr>
+                <a:t>Push</a:t>
+              </a:r>
+            </a:p>
+          </p:txBody>
+        </p:sp>
+      </p:grpSp>
+      <p:grpSp>
+        <p:nvGrpSpPr>
+          <p:cNvPr id="39" name="Gruppieren 38">
+            <a:extLst>
+              <a:ext uri="{FF2B5EF4-FFF2-40B4-BE49-F238E27FC236}">
+                <a16:creationId xmlns:a16="http://schemas.microsoft.com/office/drawing/2014/main" id="{1779F69D-796A-4A3B-9EFB-2396134333A0}"/>
+              </a:ext>
+            </a:extLst>
+          </p:cNvPr>
+          <p:cNvGrpSpPr/>
+          <p:nvPr/>
+        </p:nvGrpSpPr>
+        <p:grpSpPr>
+          <a:xfrm>
+            <a:off x="8677275" y="3502232"/>
+            <a:ext cx="2730254" cy="2652382"/>
+            <a:chOff x="8347587" y="3788533"/>
+            <a:chExt cx="2730254" cy="2652382"/>
+          </a:xfrm>
+        </p:grpSpPr>
+        <p:pic>
+          <p:nvPicPr>
+            <p:cNvPr id="6" name="Grafik 5">
+              <a:extLst>
+                <a:ext uri="{FF2B5EF4-FFF2-40B4-BE49-F238E27FC236}">
+                  <a16:creationId xmlns:a16="http://schemas.microsoft.com/office/drawing/2014/main" id="{62004BF0-E0BD-4254-AA58-90E6A1F05E13}"/>
+                </a:ext>
+              </a:extLst>
+            </p:cNvPr>
+            <p:cNvPicPr>
+              <a:picLocks noChangeAspect="1"/>
+            </p:cNvPicPr>
+            <p:nvPr/>
+          </p:nvPicPr>
+          <p:blipFill>
+            <a:blip r:embed="rId2"/>
+            <a:stretch>
+              <a:fillRect/>
+            </a:stretch>
+          </p:blipFill>
+          <p:spPr>
+            <a:xfrm>
+              <a:off x="8365374" y="4126522"/>
+              <a:ext cx="2088879" cy="2028092"/>
+            </a:xfrm>
+            <a:prstGeom prst="rect">
+              <a:avLst/>
+            </a:prstGeom>
+            <a:ln w="25400">
+              <a:solidFill>
+                <a:schemeClr val="tx1"/>
+              </a:solidFill>
+            </a:ln>
+          </p:spPr>
+        </p:pic>
+        <p:sp>
+          <p:nvSpPr>
+            <p:cNvPr id="21" name="Rechteck 20">
+              <a:extLst>
+                <a:ext uri="{FF2B5EF4-FFF2-40B4-BE49-F238E27FC236}">
+                  <a16:creationId xmlns:a16="http://schemas.microsoft.com/office/drawing/2014/main" id="{06059F80-2D28-4492-8B4D-6AB49E9A012E}"/>
+                </a:ext>
+              </a:extLst>
+            </p:cNvPr>
+            <p:cNvSpPr/>
+            <p:nvPr/>
+          </p:nvSpPr>
+          <p:spPr>
+            <a:xfrm>
+              <a:off x="8347587" y="6154614"/>
+              <a:ext cx="2119313" cy="286301"/>
+            </a:xfrm>
+            <a:prstGeom prst="rect">
+              <a:avLst/>
+            </a:prstGeom>
+            <a:solidFill>
+              <a:srgbClr val="F4BA02"/>
+            </a:solidFill>
+            <a:ln w="25400">
+              <a:solidFill>
+                <a:schemeClr val="tx1"/>
+              </a:solidFill>
+            </a:ln>
+          </p:spPr>
+          <p:style>
+            <a:lnRef idx="2">
+              <a:schemeClr val="accent1">
+                <a:shade val="50000"/>
+              </a:schemeClr>
+            </a:lnRef>
+            <a:fillRef idx="1">
+              <a:schemeClr val="accent1"/>
+            </a:fillRef>
+            <a:effectRef idx="0">
+              <a:schemeClr val="accent1"/>
+            </a:effectRef>
+            <a:fontRef idx="minor">
+              <a:schemeClr val="lt1"/>
+            </a:fontRef>
+          </p:style>
+          <p:txBody>
+            <a:bodyPr rtlCol="0" anchor="ctr"/>
+            <a:lstStyle/>
+            <a:p>
+              <a:pPr algn="ctr"/>
+              <a:r>
+                <a:rPr lang="en-US" sz="1400" dirty="0">
+                  <a:solidFill>
+                    <a:srgbClr val="01364C"/>
+                  </a:solidFill>
+                </a:rPr>
+                <a:t>Repository (</a:t>
+              </a:r>
+              <a:r>
+                <a:rPr lang="en-US" sz="1400" dirty="0" err="1">
+                  <a:solidFill>
+                    <a:srgbClr val="01364C"/>
+                  </a:solidFill>
+                </a:rPr>
+                <a:t>lokal</a:t>
+              </a:r>
+              <a:r>
+                <a:rPr lang="en-US" sz="1400" dirty="0">
+                  <a:solidFill>
+                    <a:srgbClr val="01364C"/>
+                  </a:solidFill>
+                </a:rPr>
+                <a:t>)</a:t>
+              </a:r>
+              <a:endParaRPr lang="de-DE" sz="1400" dirty="0">
+                <a:solidFill>
+                  <a:srgbClr val="01364C"/>
+                </a:solidFill>
+              </a:endParaRPr>
+            </a:p>
+          </p:txBody>
+        </p:sp>
+        <p:pic>
+          <p:nvPicPr>
+            <p:cNvPr id="28" name="Grafik 27" descr="Computer">
+              <a:extLst>
+                <a:ext uri="{FF2B5EF4-FFF2-40B4-BE49-F238E27FC236}">
+                  <a16:creationId xmlns:a16="http://schemas.microsoft.com/office/drawing/2014/main" id="{E84F99B0-76F0-4BB0-BCA1-7BB0D437B910}"/>
+                </a:ext>
+              </a:extLst>
+            </p:cNvPr>
+            <p:cNvPicPr>
+              <a:picLocks noChangeAspect="1"/>
+            </p:cNvPicPr>
+            <p:nvPr/>
+          </p:nvPicPr>
+          <p:blipFill>
+            <a:blip r:embed="rId3">
+              <a:extLst>
+                <a:ext uri="{28A0092B-C50C-407E-A947-70E740481C1C}">
+                  <a14:useLocalDpi xmlns:a14="http://schemas.microsoft.com/office/drawing/2010/main" val="0"/>
+                </a:ext>
+                <a:ext uri="{96DAC541-7B7A-43D3-8B79-37D633B846F1}">
+                  <asvg:svgBlip xmlns:asvg="http://schemas.microsoft.com/office/drawing/2016/SVG/main" r:embed="rId4"/>
+                </a:ext>
+              </a:extLst>
+            </a:blip>
+            <a:stretch>
+              <a:fillRect/>
+            </a:stretch>
+          </p:blipFill>
+          <p:spPr>
+            <a:xfrm>
+              <a:off x="10401864" y="3788533"/>
+              <a:ext cx="675977" cy="675977"/>
+            </a:xfrm>
+            <a:prstGeom prst="rect">
+              <a:avLst/>
+            </a:prstGeom>
+          </p:spPr>
+        </p:pic>
+      </p:grpSp>
+      <p:grpSp>
+        <p:nvGrpSpPr>
+          <p:cNvPr id="40" name="Gruppieren 39">
+            <a:extLst>
+              <a:ext uri="{FF2B5EF4-FFF2-40B4-BE49-F238E27FC236}">
+                <a16:creationId xmlns:a16="http://schemas.microsoft.com/office/drawing/2014/main" id="{45C1856E-4BE1-459D-AE21-E5A4C205B105}"/>
+              </a:ext>
+            </a:extLst>
+          </p:cNvPr>
+          <p:cNvGrpSpPr/>
+          <p:nvPr/>
+        </p:nvGrpSpPr>
+        <p:grpSpPr>
+          <a:xfrm>
+            <a:off x="1690056" y="3887603"/>
+            <a:ext cx="2119313" cy="2320124"/>
+            <a:chOff x="5083301" y="4126522"/>
+            <a:chExt cx="2119313" cy="2320124"/>
+          </a:xfrm>
+        </p:grpSpPr>
+        <p:pic>
+          <p:nvPicPr>
+            <p:cNvPr id="10" name="Grafik 9">
+              <a:extLst>
+                <a:ext uri="{FF2B5EF4-FFF2-40B4-BE49-F238E27FC236}">
+                  <a16:creationId xmlns:a16="http://schemas.microsoft.com/office/drawing/2014/main" id="{4AE95549-962E-4570-AF1E-E6DB8DED57CC}"/>
+                </a:ext>
+              </a:extLst>
+            </p:cNvPr>
+            <p:cNvPicPr>
+              <a:picLocks noChangeAspect="1"/>
+            </p:cNvPicPr>
+            <p:nvPr/>
+          </p:nvPicPr>
+          <p:blipFill>
+            <a:blip r:embed="rId2"/>
+            <a:stretch>
+              <a:fillRect/>
+            </a:stretch>
+          </p:blipFill>
+          <p:spPr>
+            <a:xfrm>
+              <a:off x="5099312" y="4126522"/>
+              <a:ext cx="2088879" cy="2028092"/>
+            </a:xfrm>
+            <a:prstGeom prst="rect">
+              <a:avLst/>
+            </a:prstGeom>
+            <a:ln w="25400">
+              <a:solidFill>
+                <a:schemeClr val="tx1"/>
+              </a:solidFill>
+            </a:ln>
+          </p:spPr>
+        </p:pic>
+        <p:sp>
+          <p:nvSpPr>
+            <p:cNvPr id="22" name="Rechteck 21">
+              <a:extLst>
+                <a:ext uri="{FF2B5EF4-FFF2-40B4-BE49-F238E27FC236}">
+                  <a16:creationId xmlns:a16="http://schemas.microsoft.com/office/drawing/2014/main" id="{74D425B7-900C-4E12-A1D2-DBDE2CC0BFFB}"/>
+                </a:ext>
+              </a:extLst>
+            </p:cNvPr>
+            <p:cNvSpPr/>
+            <p:nvPr/>
+          </p:nvSpPr>
+          <p:spPr>
+            <a:xfrm>
+              <a:off x="5083301" y="6160345"/>
+              <a:ext cx="2119313" cy="286301"/>
+            </a:xfrm>
+            <a:prstGeom prst="rect">
+              <a:avLst/>
+            </a:prstGeom>
+            <a:solidFill>
+              <a:srgbClr val="F4BA02"/>
+            </a:solidFill>
+            <a:ln w="25400">
+              <a:solidFill>
+                <a:schemeClr val="tx1"/>
+              </a:solidFill>
+            </a:ln>
+          </p:spPr>
+          <p:style>
+            <a:lnRef idx="2">
+              <a:schemeClr val="accent1">
+                <a:shade val="50000"/>
+              </a:schemeClr>
+            </a:lnRef>
+            <a:fillRef idx="1">
+              <a:schemeClr val="accent1"/>
+            </a:fillRef>
+            <a:effectRef idx="0">
+              <a:schemeClr val="accent1"/>
+            </a:effectRef>
+            <a:fontRef idx="minor">
+              <a:schemeClr val="lt1"/>
+            </a:fontRef>
+          </p:style>
+          <p:txBody>
+            <a:bodyPr rtlCol="0" anchor="ctr"/>
+            <a:lstStyle/>
+            <a:p>
+              <a:pPr algn="ctr"/>
+              <a:r>
+                <a:rPr lang="en-US" sz="1400" dirty="0">
+                  <a:solidFill>
+                    <a:srgbClr val="01364C"/>
+                  </a:solidFill>
+                </a:rPr>
+                <a:t>Repository (</a:t>
+              </a:r>
+              <a:r>
+                <a:rPr lang="en-US" sz="1400" dirty="0" err="1">
+                  <a:solidFill>
+                    <a:srgbClr val="01364C"/>
+                  </a:solidFill>
+                </a:rPr>
+                <a:t>lokal</a:t>
+              </a:r>
+              <a:r>
+                <a:rPr lang="en-US" sz="1400" dirty="0">
+                  <a:solidFill>
+                    <a:srgbClr val="01364C"/>
+                  </a:solidFill>
+                </a:rPr>
+                <a:t>)</a:t>
+              </a:r>
+              <a:endParaRPr lang="de-DE" sz="1400" dirty="0">
+                <a:solidFill>
+                  <a:srgbClr val="01364C"/>
+                </a:solidFill>
+              </a:endParaRPr>
+            </a:p>
+          </p:txBody>
+        </p:sp>
+      </p:grpSp>
+      <p:sp>
+        <p:nvSpPr>
+          <p:cNvPr id="11" name="Ellipse 10">
+            <a:extLst>
+              <a:ext uri="{FF2B5EF4-FFF2-40B4-BE49-F238E27FC236}">
+                <a16:creationId xmlns:a16="http://schemas.microsoft.com/office/drawing/2014/main" id="{B1E63540-82B6-4E6F-9DA2-52523719782D}"/>
+              </a:ext>
+            </a:extLst>
+          </p:cNvPr>
+          <p:cNvSpPr/>
+          <p:nvPr/>
+        </p:nvSpPr>
+        <p:spPr>
+          <a:xfrm>
+            <a:off x="1683706" y="2003733"/>
+            <a:ext cx="2133600" cy="961292"/>
+          </a:xfrm>
+          <a:prstGeom prst="ellipse">
+            <a:avLst/>
+          </a:prstGeom>
+          <a:solidFill>
+            <a:srgbClr val="F4BA02"/>
+          </a:solidFill>
+          <a:ln w="25400">
+            <a:solidFill>
+              <a:schemeClr val="tx1"/>
+            </a:solidFill>
+          </a:ln>
+        </p:spPr>
+        <p:style>
+          <a:lnRef idx="2">
+            <a:schemeClr val="accent1">
+              <a:shade val="50000"/>
+            </a:schemeClr>
+          </a:lnRef>
+          <a:fillRef idx="1">
+            <a:schemeClr val="accent1"/>
+          </a:fillRef>
+          <a:effectRef idx="0">
+            <a:schemeClr val="accent1"/>
+          </a:effectRef>
+          <a:fontRef idx="minor">
+            <a:schemeClr val="lt1"/>
+          </a:fontRef>
+        </p:style>
+        <p:txBody>
+          <a:bodyPr rtlCol="0" anchor="ctr"/>
+          <a:lstStyle/>
+          <a:p>
+            <a:pPr algn="ctr"/>
+            <a:r>
+              <a:rPr lang="en-US" sz="1400" dirty="0">
+                <a:solidFill>
+                  <a:srgbClr val="01364C"/>
+                </a:solidFill>
+              </a:rPr>
+              <a:t>Git (</a:t>
+            </a:r>
+            <a:r>
+              <a:rPr lang="en-US" sz="1400" dirty="0" err="1">
+                <a:solidFill>
+                  <a:srgbClr val="01364C"/>
+                </a:solidFill>
+              </a:rPr>
+              <a:t>lokal</a:t>
+            </a:r>
+            <a:r>
+              <a:rPr lang="en-US" sz="1400" dirty="0">
+                <a:solidFill>
+                  <a:srgbClr val="01364C"/>
+                </a:solidFill>
+              </a:rPr>
+              <a:t>)</a:t>
+            </a:r>
+            <a:endParaRPr lang="de-DE" sz="1400" dirty="0">
+              <a:solidFill>
+                <a:srgbClr val="01364C"/>
+              </a:solidFill>
+            </a:endParaRPr>
+          </a:p>
+        </p:txBody>
+      </p:sp>
+      <p:grpSp>
+        <p:nvGrpSpPr>
+          <p:cNvPr id="37" name="Gruppieren 36">
+            <a:extLst>
+              <a:ext uri="{FF2B5EF4-FFF2-40B4-BE49-F238E27FC236}">
+                <a16:creationId xmlns:a16="http://schemas.microsoft.com/office/drawing/2014/main" id="{AEF98EE4-30C7-4596-AC04-143055192D83}"/>
+              </a:ext>
+            </a:extLst>
+          </p:cNvPr>
+          <p:cNvGrpSpPr/>
+          <p:nvPr/>
+        </p:nvGrpSpPr>
+        <p:grpSpPr>
+          <a:xfrm>
+            <a:off x="4810123" y="-79927"/>
+            <a:ext cx="3064999" cy="1940510"/>
+            <a:chOff x="4725131" y="187228"/>
+            <a:chExt cx="3064999" cy="1940510"/>
+          </a:xfrm>
+        </p:grpSpPr>
+        <p:pic>
+          <p:nvPicPr>
+            <p:cNvPr id="5" name="Grafik 4">
+              <a:extLst>
+                <a:ext uri="{FF2B5EF4-FFF2-40B4-BE49-F238E27FC236}">
+                  <a16:creationId xmlns:a16="http://schemas.microsoft.com/office/drawing/2014/main" id="{CD08842F-82D2-4A8D-9033-08C17181FFE4}"/>
+                </a:ext>
+              </a:extLst>
+            </p:cNvPr>
+            <p:cNvPicPr>
+              <a:picLocks noChangeAspect="1"/>
+            </p:cNvPicPr>
+            <p:nvPr/>
+          </p:nvPicPr>
+          <p:blipFill>
+            <a:blip r:embed="rId5">
+              <a:extLst>
+                <a:ext uri="{28A0092B-C50C-407E-A947-70E740481C1C}">
+                  <a14:useLocalDpi xmlns:a14="http://schemas.microsoft.com/office/drawing/2010/main" val="0"/>
+                </a:ext>
+              </a:extLst>
+            </a:blip>
+            <a:stretch>
+              <a:fillRect/>
+            </a:stretch>
+          </p:blipFill>
+          <p:spPr>
+            <a:xfrm>
+              <a:off x="4741985" y="473529"/>
+              <a:ext cx="2538046" cy="1367908"/>
+            </a:xfrm>
+            <a:prstGeom prst="rect">
+              <a:avLst/>
+            </a:prstGeom>
+            <a:ln w="25400">
+              <a:solidFill>
+                <a:schemeClr val="tx1"/>
+              </a:solidFill>
+            </a:ln>
+          </p:spPr>
+        </p:pic>
+        <p:sp>
+          <p:nvSpPr>
+            <p:cNvPr id="20" name="Rechteck 19">
+              <a:extLst>
+                <a:ext uri="{FF2B5EF4-FFF2-40B4-BE49-F238E27FC236}">
+                  <a16:creationId xmlns:a16="http://schemas.microsoft.com/office/drawing/2014/main" id="{FC4DD9C8-109E-4860-9A5C-E3292D8D439C}"/>
+                </a:ext>
+              </a:extLst>
+            </p:cNvPr>
+            <p:cNvSpPr/>
+            <p:nvPr/>
+          </p:nvSpPr>
+          <p:spPr>
+            <a:xfrm>
+              <a:off x="4725131" y="1841437"/>
+              <a:ext cx="2569371" cy="286301"/>
+            </a:xfrm>
+            <a:prstGeom prst="rect">
+              <a:avLst/>
+            </a:prstGeom>
+            <a:solidFill>
+              <a:srgbClr val="00E0E0"/>
+            </a:solidFill>
+            <a:ln w="25400">
+              <a:solidFill>
+                <a:schemeClr val="tx1"/>
+              </a:solidFill>
+            </a:ln>
+          </p:spPr>
+          <p:style>
+            <a:lnRef idx="2">
+              <a:schemeClr val="accent1">
+                <a:shade val="50000"/>
+              </a:schemeClr>
+            </a:lnRef>
+            <a:fillRef idx="1">
+              <a:schemeClr val="accent1"/>
+            </a:fillRef>
+            <a:effectRef idx="0">
+              <a:schemeClr val="accent1"/>
+            </a:effectRef>
+            <a:fontRef idx="minor">
+              <a:schemeClr val="lt1"/>
+            </a:fontRef>
+          </p:style>
+          <p:txBody>
+            <a:bodyPr rtlCol="0" anchor="ctr"/>
+            <a:lstStyle/>
+            <a:p>
+              <a:pPr algn="ctr"/>
+              <a:r>
+                <a:rPr lang="en-US" sz="1400" dirty="0">
+                  <a:solidFill>
+                    <a:srgbClr val="01364C"/>
+                  </a:solidFill>
+                </a:rPr>
+                <a:t>Repository (online)</a:t>
+              </a:r>
+              <a:endParaRPr lang="de-DE" sz="1400" dirty="0">
+                <a:solidFill>
+                  <a:srgbClr val="01364C"/>
+                </a:solidFill>
+              </a:endParaRPr>
+            </a:p>
+          </p:txBody>
+        </p:sp>
+        <p:pic>
+          <p:nvPicPr>
+            <p:cNvPr id="32" name="Grafik 31" descr="Synchronisierende Cloud">
+              <a:extLst>
+                <a:ext uri="{FF2B5EF4-FFF2-40B4-BE49-F238E27FC236}">
+                  <a16:creationId xmlns:a16="http://schemas.microsoft.com/office/drawing/2014/main" id="{90F612F9-9C1B-43F7-A606-C0BBE8888873}"/>
+                </a:ext>
+              </a:extLst>
+            </p:cNvPr>
+            <p:cNvPicPr>
+              <a:picLocks noChangeAspect="1"/>
+            </p:cNvPicPr>
+            <p:nvPr/>
+          </p:nvPicPr>
+          <p:blipFill>
+            <a:blip r:embed="rId6">
+              <a:extLst>
+                <a:ext uri="{28A0092B-C50C-407E-A947-70E740481C1C}">
+                  <a14:useLocalDpi xmlns:a14="http://schemas.microsoft.com/office/drawing/2010/main" val="0"/>
+                </a:ext>
+                <a:ext uri="{96DAC541-7B7A-43D3-8B79-37D633B846F1}">
+                  <asvg:svgBlip xmlns:asvg="http://schemas.microsoft.com/office/drawing/2016/SVG/main" r:embed="rId7"/>
+                </a:ext>
+              </a:extLst>
+            </a:blip>
+            <a:stretch>
+              <a:fillRect/>
+            </a:stretch>
+          </p:blipFill>
+          <p:spPr>
+            <a:xfrm>
+              <a:off x="7169981" y="187228"/>
+              <a:ext cx="620149" cy="620149"/>
+            </a:xfrm>
+            <a:prstGeom prst="rect">
+              <a:avLst/>
+            </a:prstGeom>
+          </p:spPr>
+        </p:pic>
+      </p:grpSp>
+      <p:pic>
+        <p:nvPicPr>
+          <p:cNvPr id="49" name="Grafik 48" descr="Computer">
+            <a:extLst>
+              <a:ext uri="{FF2B5EF4-FFF2-40B4-BE49-F238E27FC236}">
+                <a16:creationId xmlns:a16="http://schemas.microsoft.com/office/drawing/2014/main" id="{83715380-73E1-48CA-8F0C-18733C1C8756}"/>
+              </a:ext>
+            </a:extLst>
+          </p:cNvPr>
+          <p:cNvPicPr>
+            <a:picLocks noChangeAspect="1"/>
+          </p:cNvPicPr>
+          <p:nvPr/>
+        </p:nvPicPr>
+        <p:blipFill>
+          <a:blip r:embed="rId3">
+            <a:extLst>
+              <a:ext uri="{28A0092B-C50C-407E-A947-70E740481C1C}">
+                <a14:useLocalDpi xmlns:a14="http://schemas.microsoft.com/office/drawing/2010/main" val="0"/>
+              </a:ext>
+              <a:ext uri="{96DAC541-7B7A-43D3-8B79-37D633B846F1}">
+                <asvg:svgBlip xmlns:asvg="http://schemas.microsoft.com/office/drawing/2016/SVG/main" r:embed="rId8"/>
+              </a:ext>
+            </a:extLst>
+          </a:blip>
+          <a:stretch>
+            <a:fillRect/>
+          </a:stretch>
+        </p:blipFill>
+        <p:spPr>
+          <a:xfrm>
+            <a:off x="1421532" y="1755211"/>
+            <a:ext cx="675977" cy="675977"/>
+          </a:xfrm>
+          <a:prstGeom prst="rect">
+            <a:avLst/>
+          </a:prstGeom>
+        </p:spPr>
+      </p:pic>
+      <p:pic>
+        <p:nvPicPr>
+          <p:cNvPr id="50" name="Grafik 49" descr="Computer">
+            <a:extLst>
+              <a:ext uri="{FF2B5EF4-FFF2-40B4-BE49-F238E27FC236}">
+                <a16:creationId xmlns:a16="http://schemas.microsoft.com/office/drawing/2014/main" id="{C90BE577-53EC-468F-B34B-DF70CA3C2827}"/>
+              </a:ext>
+            </a:extLst>
+          </p:cNvPr>
+          <p:cNvPicPr>
+            <a:picLocks noChangeAspect="1"/>
+          </p:cNvPicPr>
+          <p:nvPr/>
+        </p:nvPicPr>
+        <p:blipFill>
+          <a:blip r:embed="rId3">
+            <a:extLst>
+              <a:ext uri="{28A0092B-C50C-407E-A947-70E740481C1C}">
+                <a14:useLocalDpi xmlns:a14="http://schemas.microsoft.com/office/drawing/2010/main" val="0"/>
+              </a:ext>
+              <a:ext uri="{96DAC541-7B7A-43D3-8B79-37D633B846F1}">
+                <asvg:svgBlip xmlns:asvg="http://schemas.microsoft.com/office/drawing/2016/SVG/main" r:embed="rId8"/>
+              </a:ext>
+            </a:extLst>
+          </a:blip>
+          <a:stretch>
+            <a:fillRect/>
+          </a:stretch>
+        </p:blipFill>
+        <p:spPr>
+          <a:xfrm>
+            <a:off x="1071171" y="3646813"/>
+            <a:ext cx="675977" cy="675977"/>
+          </a:xfrm>
+          <a:prstGeom prst="rect">
+            <a:avLst/>
+          </a:prstGeom>
+        </p:spPr>
+      </p:pic>
+      <p:sp>
+        <p:nvSpPr>
+          <p:cNvPr id="29" name="Rechteck 28">
+            <a:extLst>
+              <a:ext uri="{FF2B5EF4-FFF2-40B4-BE49-F238E27FC236}">
+                <a16:creationId xmlns:a16="http://schemas.microsoft.com/office/drawing/2014/main" id="{C05E9D61-69A9-4788-A952-B28110D9F05B}"/>
+              </a:ext>
+            </a:extLst>
+          </p:cNvPr>
+          <p:cNvSpPr/>
+          <p:nvPr/>
+        </p:nvSpPr>
+        <p:spPr>
+          <a:xfrm>
+            <a:off x="5381682" y="3385279"/>
+            <a:ext cx="6166096" cy="2949892"/>
+          </a:xfrm>
+          <a:prstGeom prst="rect">
+            <a:avLst/>
+          </a:prstGeom>
+          <a:noFill/>
+          <a:ln w="38100">
+            <a:solidFill>
+              <a:srgbClr val="9B1B34"/>
+            </a:solidFill>
+          </a:ln>
+        </p:spPr>
+        <p:style>
+          <a:lnRef idx="2">
+            <a:schemeClr val="accent1">
+              <a:shade val="50000"/>
+            </a:schemeClr>
+          </a:lnRef>
+          <a:fillRef idx="1">
+            <a:schemeClr val="accent1"/>
+          </a:fillRef>
+          <a:effectRef idx="0">
+            <a:schemeClr val="accent1"/>
+          </a:effectRef>
+          <a:fontRef idx="minor">
+            <a:schemeClr val="lt1"/>
+          </a:fontRef>
+        </p:style>
+        <p:txBody>
+          <a:bodyPr rtlCol="0" anchor="ctr"/>
+          <a:lstStyle/>
+          <a:p>
+            <a:pPr algn="ctr"/>
+            <a:endParaRPr lang="de-DE"/>
+          </a:p>
+        </p:txBody>
+      </p:sp>
+    </p:spTree>
+    <p:extLst>
+      <p:ext uri="{BB962C8B-B14F-4D97-AF65-F5344CB8AC3E}">
+        <p14:creationId xmlns:p14="http://schemas.microsoft.com/office/powerpoint/2010/main" val="438904254"/>
+      </p:ext>
+    </p:extLst>
+  </p:cSld>
+  <p:clrMapOvr>
+    <a:masterClrMapping/>
+  </p:clrMapOvr>
+</p:sld>
+</file>
+
+<file path=ppt/slides/slide5.xml><?xml version="1.0" encoding="utf-8"?>
+<p:sld xmlns:a="http://schemas.openxmlformats.org/drawingml/2006/main" xmlns:r="http://schemas.openxmlformats.org/officeDocument/2006/relationships" xmlns:p="http://schemas.openxmlformats.org/presentationml/2006/main">
+  <p:cSld>
+    <p:bg>
+      <p:bgPr>
+        <a:solidFill>
+          <a:srgbClr val="F8F8F8"/>
+        </a:solidFill>
+        <a:effectLst/>
+      </p:bgPr>
+    </p:bg>
+    <p:spTree>
+      <p:nvGrpSpPr>
+        <p:cNvPr id="1" name=""/>
+        <p:cNvGrpSpPr/>
+        <p:nvPr/>
+      </p:nvGrpSpPr>
+      <p:grpSpPr>
+        <a:xfrm>
+          <a:off x="0" y="0"/>
+          <a:ext cx="0" cy="0"/>
+          <a:chOff x="0" y="0"/>
+          <a:chExt cx="0" cy="0"/>
+        </a:xfrm>
+      </p:grpSpPr>
+      <p:grpSp>
+        <p:nvGrpSpPr>
+          <p:cNvPr id="38" name="Gruppieren 37">
+            <a:extLst>
+              <a:ext uri="{FF2B5EF4-FFF2-40B4-BE49-F238E27FC236}">
+                <a16:creationId xmlns:a16="http://schemas.microsoft.com/office/drawing/2014/main" id="{C096E458-199A-4D22-B997-BFD017610668}"/>
+              </a:ext>
+            </a:extLst>
+          </p:cNvPr>
+          <p:cNvGrpSpPr/>
+          <p:nvPr/>
+        </p:nvGrpSpPr>
+        <p:grpSpPr>
+          <a:xfrm>
+            <a:off x="7365023" y="890328"/>
+            <a:ext cx="2374479" cy="2949893"/>
+            <a:chOff x="7365023" y="890328"/>
+            <a:chExt cx="2374479" cy="2949893"/>
+          </a:xfrm>
+        </p:grpSpPr>
+        <p:cxnSp>
+          <p:nvCxnSpPr>
+            <p:cNvPr id="8" name="Gerade Verbindung mit Pfeil 7">
+              <a:extLst>
+                <a:ext uri="{FF2B5EF4-FFF2-40B4-BE49-F238E27FC236}">
+                  <a16:creationId xmlns:a16="http://schemas.microsoft.com/office/drawing/2014/main" id="{AA5E1B15-C5FA-47CF-B41C-CA708864F0A3}"/>
+                </a:ext>
+              </a:extLst>
+            </p:cNvPr>
+            <p:cNvCxnSpPr>
+              <a:cxnSpLocks/>
+              <a:stCxn id="5" idx="3"/>
+              <a:endCxn id="6" idx="0"/>
+            </p:cNvCxnSpPr>
+            <p:nvPr/>
+          </p:nvCxnSpPr>
+          <p:spPr>
+            <a:xfrm>
+              <a:off x="7365023" y="890328"/>
+              <a:ext cx="2374479" cy="2949893"/>
+            </a:xfrm>
+            <a:prstGeom prst="straightConnector1">
+              <a:avLst/>
+            </a:prstGeom>
+            <a:ln w="12700">
+              <a:solidFill>
+                <a:schemeClr val="tx1"/>
+              </a:solidFill>
+              <a:tailEnd type="triangle"/>
+            </a:ln>
+          </p:spPr>
+          <p:style>
+            <a:lnRef idx="1">
+              <a:schemeClr val="accent1"/>
+            </a:lnRef>
+            <a:fillRef idx="0">
+              <a:schemeClr val="accent1"/>
+            </a:fillRef>
+            <a:effectRef idx="0">
+              <a:schemeClr val="accent1"/>
+            </a:effectRef>
+            <a:fontRef idx="minor">
+              <a:schemeClr val="tx1"/>
+            </a:fontRef>
+          </p:style>
+        </p:cxnSp>
+        <p:sp>
+          <p:nvSpPr>
+            <p:cNvPr id="23" name="Rechteck 22">
+              <a:extLst>
+                <a:ext uri="{FF2B5EF4-FFF2-40B4-BE49-F238E27FC236}">
+                  <a16:creationId xmlns:a16="http://schemas.microsoft.com/office/drawing/2014/main" id="{942A0602-D83C-43F2-9088-C1198857C1EE}"/>
+                </a:ext>
+              </a:extLst>
+            </p:cNvPr>
+            <p:cNvSpPr/>
+            <p:nvPr/>
+          </p:nvSpPr>
+          <p:spPr>
+            <a:xfrm rot="2966783">
+              <a:off x="8448393" y="2230539"/>
+              <a:ext cx="493338" cy="286301"/>
+            </a:xfrm>
+            <a:prstGeom prst="rect">
+              <a:avLst/>
+            </a:prstGeom>
+            <a:noFill/>
+            <a:ln>
+              <a:noFill/>
+            </a:ln>
+          </p:spPr>
+          <p:style>
+            <a:lnRef idx="2">
+              <a:schemeClr val="accent1">
+                <a:shade val="50000"/>
+              </a:schemeClr>
+            </a:lnRef>
+            <a:fillRef idx="1">
+              <a:schemeClr val="accent1"/>
+            </a:fillRef>
+            <a:effectRef idx="0">
+              <a:schemeClr val="accent1"/>
+            </a:effectRef>
+            <a:fontRef idx="minor">
+              <a:schemeClr val="lt1"/>
+            </a:fontRef>
+          </p:style>
+          <p:txBody>
+            <a:bodyPr rtlCol="0" anchor="ctr"/>
+            <a:lstStyle/>
+            <a:p>
+              <a:pPr algn="ctr"/>
+              <a:r>
+                <a:rPr lang="en-US" sz="1000" dirty="0">
+                  <a:solidFill>
+                    <a:srgbClr val="01364C"/>
+                  </a:solidFill>
+                </a:rPr>
+                <a:t>Pull</a:t>
+              </a:r>
+            </a:p>
+          </p:txBody>
+        </p:sp>
+      </p:grpSp>
+      <p:grpSp>
+        <p:nvGrpSpPr>
+          <p:cNvPr id="45" name="Gruppieren 44">
+            <a:extLst>
+              <a:ext uri="{FF2B5EF4-FFF2-40B4-BE49-F238E27FC236}">
+                <a16:creationId xmlns:a16="http://schemas.microsoft.com/office/drawing/2014/main" id="{C8F73169-4096-4456-9C7A-8C0B1A8DB7EF}"/>
+              </a:ext>
+            </a:extLst>
+          </p:cNvPr>
+          <p:cNvGrpSpPr/>
+          <p:nvPr/>
+        </p:nvGrpSpPr>
+        <p:grpSpPr>
+          <a:xfrm>
+            <a:off x="3794946" y="4854267"/>
+            <a:ext cx="4900116" cy="301432"/>
+            <a:chOff x="3794946" y="4854267"/>
+            <a:chExt cx="4900116" cy="301432"/>
+          </a:xfrm>
+        </p:grpSpPr>
+        <p:cxnSp>
+          <p:nvCxnSpPr>
+            <p:cNvPr id="18" name="Gerade Verbindung mit Pfeil 17">
+              <a:extLst>
+                <a:ext uri="{FF2B5EF4-FFF2-40B4-BE49-F238E27FC236}">
+                  <a16:creationId xmlns:a16="http://schemas.microsoft.com/office/drawing/2014/main" id="{F7A8726D-6B1E-4CEF-A850-C2698D660247}"/>
+                </a:ext>
+              </a:extLst>
+            </p:cNvPr>
+            <p:cNvCxnSpPr>
+              <a:cxnSpLocks/>
+              <a:stCxn id="6" idx="1"/>
+              <a:endCxn id="10" idx="3"/>
+            </p:cNvCxnSpPr>
+            <p:nvPr/>
+          </p:nvCxnSpPr>
+          <p:spPr>
+            <a:xfrm flipH="1">
+              <a:off x="3794946" y="4854267"/>
+              <a:ext cx="4900116" cy="47382"/>
+            </a:xfrm>
+            <a:prstGeom prst="straightConnector1">
+              <a:avLst/>
+            </a:prstGeom>
+            <a:ln w="12700">
+              <a:solidFill>
+                <a:schemeClr val="tx1"/>
+              </a:solidFill>
+              <a:tailEnd type="triangle"/>
+            </a:ln>
+          </p:spPr>
+          <p:style>
+            <a:lnRef idx="1">
+              <a:schemeClr val="accent1"/>
+            </a:lnRef>
+            <a:fillRef idx="0">
+              <a:schemeClr val="accent1"/>
+            </a:fillRef>
+            <a:effectRef idx="0">
+              <a:schemeClr val="accent1"/>
+            </a:effectRef>
+            <a:fontRef idx="minor">
+              <a:schemeClr val="tx1"/>
+            </a:fontRef>
+          </p:style>
+        </p:cxnSp>
+        <p:sp>
+          <p:nvSpPr>
+            <p:cNvPr id="24" name="Rechteck 23">
+              <a:extLst>
+                <a:ext uri="{FF2B5EF4-FFF2-40B4-BE49-F238E27FC236}">
+                  <a16:creationId xmlns:a16="http://schemas.microsoft.com/office/drawing/2014/main" id="{B479A2EB-4D12-4E4E-813D-0A368927C303}"/>
+                </a:ext>
+              </a:extLst>
+            </p:cNvPr>
+            <p:cNvSpPr/>
+            <p:nvPr/>
+          </p:nvSpPr>
+          <p:spPr>
+            <a:xfrm>
+              <a:off x="5852888" y="4869398"/>
+              <a:ext cx="784231" cy="286301"/>
+            </a:xfrm>
+            <a:prstGeom prst="rect">
+              <a:avLst/>
+            </a:prstGeom>
+            <a:noFill/>
+            <a:ln>
+              <a:noFill/>
+            </a:ln>
+          </p:spPr>
+          <p:style>
+            <a:lnRef idx="2">
+              <a:schemeClr val="accent1">
+                <a:shade val="50000"/>
+              </a:schemeClr>
+            </a:lnRef>
+            <a:fillRef idx="1">
+              <a:schemeClr val="accent1"/>
+            </a:fillRef>
+            <a:effectRef idx="0">
+              <a:schemeClr val="accent1"/>
+            </a:effectRef>
+            <a:fontRef idx="minor">
+              <a:schemeClr val="lt1"/>
+            </a:fontRef>
+          </p:style>
+          <p:txBody>
+            <a:bodyPr rtlCol="0" anchor="ctr"/>
+            <a:lstStyle/>
+            <a:p>
+              <a:pPr algn="ctr"/>
+              <a:r>
+                <a:rPr lang="en-US" sz="1000" dirty="0" err="1">
+                  <a:solidFill>
+                    <a:srgbClr val="01364C"/>
+                  </a:solidFill>
+                </a:rPr>
+                <a:t>Bearbeiten</a:t>
+              </a:r>
+              <a:endParaRPr lang="en-US" sz="1000" dirty="0">
+                <a:solidFill>
+                  <a:srgbClr val="01364C"/>
+                </a:solidFill>
+              </a:endParaRPr>
+            </a:p>
+          </p:txBody>
+        </p:sp>
+      </p:grpSp>
+      <p:grpSp>
+        <p:nvGrpSpPr>
+          <p:cNvPr id="44" name="Gruppieren 43">
+            <a:extLst>
+              <a:ext uri="{FF2B5EF4-FFF2-40B4-BE49-F238E27FC236}">
+                <a16:creationId xmlns:a16="http://schemas.microsoft.com/office/drawing/2014/main" id="{9D5CD011-7DB9-4A1B-B280-464CD88BAA30}"/>
+              </a:ext>
+            </a:extLst>
+          </p:cNvPr>
+          <p:cNvGrpSpPr/>
+          <p:nvPr/>
+        </p:nvGrpSpPr>
+        <p:grpSpPr>
+          <a:xfrm>
+            <a:off x="2464205" y="2964853"/>
+            <a:ext cx="286302" cy="922923"/>
+            <a:chOff x="-217009" y="3313004"/>
+            <a:chExt cx="286302" cy="922923"/>
+          </a:xfrm>
+        </p:grpSpPr>
+        <p:cxnSp>
+          <p:nvCxnSpPr>
+            <p:cNvPr id="13" name="Gerade Verbindung mit Pfeil 12">
+              <a:extLst>
+                <a:ext uri="{FF2B5EF4-FFF2-40B4-BE49-F238E27FC236}">
+                  <a16:creationId xmlns:a16="http://schemas.microsoft.com/office/drawing/2014/main" id="{7533FE96-A6D7-4A33-A891-8CC8D175A693}"/>
+                </a:ext>
+              </a:extLst>
+            </p:cNvPr>
+            <p:cNvCxnSpPr>
+              <a:cxnSpLocks/>
+              <a:stCxn id="10" idx="0"/>
+              <a:endCxn id="11" idx="4"/>
+            </p:cNvCxnSpPr>
+            <p:nvPr/>
+          </p:nvCxnSpPr>
+          <p:spPr>
+            <a:xfrm flipH="1" flipV="1">
+              <a:off x="69292" y="3313176"/>
+              <a:ext cx="1" cy="922578"/>
+            </a:xfrm>
+            <a:prstGeom prst="straightConnector1">
+              <a:avLst/>
+            </a:prstGeom>
+            <a:ln w="12700">
+              <a:solidFill>
+                <a:schemeClr val="tx1"/>
+              </a:solidFill>
+              <a:tailEnd type="triangle"/>
+            </a:ln>
+          </p:spPr>
+          <p:style>
+            <a:lnRef idx="1">
+              <a:schemeClr val="accent1"/>
+            </a:lnRef>
+            <a:fillRef idx="0">
+              <a:schemeClr val="accent1"/>
+            </a:fillRef>
+            <a:effectRef idx="0">
+              <a:schemeClr val="accent1"/>
+            </a:effectRef>
+            <a:fontRef idx="minor">
+              <a:schemeClr val="tx1"/>
+            </a:fontRef>
+          </p:style>
+        </p:cxnSp>
+        <p:sp>
+          <p:nvSpPr>
+            <p:cNvPr id="25" name="Rechteck 24">
+              <a:extLst>
+                <a:ext uri="{FF2B5EF4-FFF2-40B4-BE49-F238E27FC236}">
+                  <a16:creationId xmlns:a16="http://schemas.microsoft.com/office/drawing/2014/main" id="{24931EAD-3E6C-483E-A14A-3A421E6B465D}"/>
+                </a:ext>
+              </a:extLst>
+            </p:cNvPr>
+            <p:cNvSpPr/>
+            <p:nvPr/>
+          </p:nvSpPr>
+          <p:spPr>
+            <a:xfrm rot="16200000">
+              <a:off x="-535320" y="3631315"/>
+              <a:ext cx="922923" cy="286301"/>
+            </a:xfrm>
+            <a:prstGeom prst="rect">
+              <a:avLst/>
+            </a:prstGeom>
+            <a:noFill/>
+            <a:ln>
+              <a:noFill/>
+            </a:ln>
+          </p:spPr>
+          <p:style>
+            <a:lnRef idx="2">
+              <a:schemeClr val="accent1">
+                <a:shade val="50000"/>
+              </a:schemeClr>
+            </a:lnRef>
+            <a:fillRef idx="1">
+              <a:schemeClr val="accent1"/>
+            </a:fillRef>
+            <a:effectRef idx="0">
+              <a:schemeClr val="accent1"/>
+            </a:effectRef>
+            <a:fontRef idx="minor">
+              <a:schemeClr val="lt1"/>
+            </a:fontRef>
+          </p:style>
+          <p:txBody>
+            <a:bodyPr rtlCol="0" anchor="ctr"/>
+            <a:lstStyle/>
+            <a:p>
+              <a:pPr algn="ctr"/>
+              <a:r>
+                <a:rPr lang="en-US" sz="1000" dirty="0">
+                  <a:solidFill>
+                    <a:srgbClr val="01364C"/>
+                  </a:solidFill>
+                </a:rPr>
+                <a:t>Stage/commit</a:t>
+              </a:r>
+            </a:p>
+          </p:txBody>
+        </p:sp>
+      </p:grpSp>
+      <p:grpSp>
+        <p:nvGrpSpPr>
+          <p:cNvPr id="43" name="Gruppieren 42">
+            <a:extLst>
+              <a:ext uri="{FF2B5EF4-FFF2-40B4-BE49-F238E27FC236}">
+                <a16:creationId xmlns:a16="http://schemas.microsoft.com/office/drawing/2014/main" id="{E392A171-F59B-4425-823D-7E84197D9D19}"/>
+              </a:ext>
+            </a:extLst>
+          </p:cNvPr>
+          <p:cNvGrpSpPr/>
+          <p:nvPr/>
+        </p:nvGrpSpPr>
+        <p:grpSpPr>
+          <a:xfrm>
+            <a:off x="2750506" y="890328"/>
+            <a:ext cx="2076471" cy="1113405"/>
+            <a:chOff x="2750506" y="890328"/>
+            <a:chExt cx="2076471" cy="1113405"/>
+          </a:xfrm>
+        </p:grpSpPr>
+        <p:cxnSp>
+          <p:nvCxnSpPr>
+            <p:cNvPr id="16" name="Gerade Verbindung mit Pfeil 15">
+              <a:extLst>
+                <a:ext uri="{FF2B5EF4-FFF2-40B4-BE49-F238E27FC236}">
+                  <a16:creationId xmlns:a16="http://schemas.microsoft.com/office/drawing/2014/main" id="{DC8E8F71-77F9-4F01-B14E-6E5052D19692}"/>
+                </a:ext>
+              </a:extLst>
+            </p:cNvPr>
+            <p:cNvCxnSpPr>
+              <a:cxnSpLocks/>
+              <a:stCxn id="11" idx="0"/>
+              <a:endCxn id="5" idx="1"/>
+            </p:cNvCxnSpPr>
+            <p:nvPr/>
+          </p:nvCxnSpPr>
+          <p:spPr>
+            <a:xfrm flipV="1">
+              <a:off x="2750506" y="890328"/>
+              <a:ext cx="2076471" cy="1113405"/>
+            </a:xfrm>
+            <a:prstGeom prst="straightConnector1">
+              <a:avLst/>
+            </a:prstGeom>
+            <a:ln w="12700">
+              <a:solidFill>
+                <a:schemeClr val="tx1"/>
+              </a:solidFill>
+              <a:tailEnd type="triangle"/>
+            </a:ln>
+          </p:spPr>
+          <p:style>
+            <a:lnRef idx="1">
+              <a:schemeClr val="accent1"/>
+            </a:lnRef>
+            <a:fillRef idx="0">
+              <a:schemeClr val="accent1"/>
+            </a:fillRef>
+            <a:effectRef idx="0">
+              <a:schemeClr val="accent1"/>
+            </a:effectRef>
+            <a:fontRef idx="minor">
+              <a:schemeClr val="tx1"/>
+            </a:fontRef>
+          </p:style>
+        </p:cxnSp>
+        <p:sp>
+          <p:nvSpPr>
+            <p:cNvPr id="26" name="Rechteck 25">
+              <a:extLst>
+                <a:ext uri="{FF2B5EF4-FFF2-40B4-BE49-F238E27FC236}">
+                  <a16:creationId xmlns:a16="http://schemas.microsoft.com/office/drawing/2014/main" id="{E82F87B5-2990-464B-9356-BEDFCB643C02}"/>
+                </a:ext>
+              </a:extLst>
+            </p:cNvPr>
+            <p:cNvSpPr/>
+            <p:nvPr/>
+          </p:nvSpPr>
+          <p:spPr>
+            <a:xfrm rot="19787604">
+              <a:off x="3295514" y="1282866"/>
+              <a:ext cx="784231" cy="286301"/>
+            </a:xfrm>
+            <a:prstGeom prst="rect">
+              <a:avLst/>
+            </a:prstGeom>
+            <a:noFill/>
+            <a:ln>
+              <a:noFill/>
+            </a:ln>
+          </p:spPr>
+          <p:style>
+            <a:lnRef idx="2">
+              <a:schemeClr val="accent1">
+                <a:shade val="50000"/>
+              </a:schemeClr>
+            </a:lnRef>
+            <a:fillRef idx="1">
+              <a:schemeClr val="accent1"/>
+            </a:fillRef>
+            <a:effectRef idx="0">
+              <a:schemeClr val="accent1"/>
+            </a:effectRef>
+            <a:fontRef idx="minor">
+              <a:schemeClr val="lt1"/>
+            </a:fontRef>
+          </p:style>
+          <p:txBody>
+            <a:bodyPr rtlCol="0" anchor="ctr"/>
+            <a:lstStyle/>
+            <a:p>
+              <a:pPr algn="ctr"/>
+              <a:r>
+                <a:rPr lang="en-US" sz="1000" dirty="0">
+                  <a:solidFill>
+                    <a:srgbClr val="01364C"/>
+                  </a:solidFill>
+                </a:rPr>
+                <a:t>Push</a:t>
+              </a:r>
+            </a:p>
+          </p:txBody>
+        </p:sp>
+      </p:grpSp>
+      <p:grpSp>
+        <p:nvGrpSpPr>
+          <p:cNvPr id="39" name="Gruppieren 38">
+            <a:extLst>
+              <a:ext uri="{FF2B5EF4-FFF2-40B4-BE49-F238E27FC236}">
+                <a16:creationId xmlns:a16="http://schemas.microsoft.com/office/drawing/2014/main" id="{1779F69D-796A-4A3B-9EFB-2396134333A0}"/>
+              </a:ext>
+            </a:extLst>
+          </p:cNvPr>
+          <p:cNvGrpSpPr/>
+          <p:nvPr/>
+        </p:nvGrpSpPr>
+        <p:grpSpPr>
+          <a:xfrm>
+            <a:off x="8677275" y="3502232"/>
+            <a:ext cx="2730254" cy="2652382"/>
+            <a:chOff x="8347587" y="3788533"/>
+            <a:chExt cx="2730254" cy="2652382"/>
+          </a:xfrm>
+        </p:grpSpPr>
+        <p:pic>
+          <p:nvPicPr>
+            <p:cNvPr id="6" name="Grafik 5">
+              <a:extLst>
+                <a:ext uri="{FF2B5EF4-FFF2-40B4-BE49-F238E27FC236}">
+                  <a16:creationId xmlns:a16="http://schemas.microsoft.com/office/drawing/2014/main" id="{62004BF0-E0BD-4254-AA58-90E6A1F05E13}"/>
+                </a:ext>
+              </a:extLst>
+            </p:cNvPr>
+            <p:cNvPicPr>
+              <a:picLocks noChangeAspect="1"/>
+            </p:cNvPicPr>
+            <p:nvPr/>
+          </p:nvPicPr>
+          <p:blipFill>
+            <a:blip r:embed="rId2"/>
+            <a:stretch>
+              <a:fillRect/>
+            </a:stretch>
+          </p:blipFill>
+          <p:spPr>
+            <a:xfrm>
+              <a:off x="8365374" y="4126522"/>
+              <a:ext cx="2088879" cy="2028092"/>
+            </a:xfrm>
+            <a:prstGeom prst="rect">
+              <a:avLst/>
+            </a:prstGeom>
+            <a:ln w="25400">
+              <a:solidFill>
+                <a:schemeClr val="tx1"/>
+              </a:solidFill>
+            </a:ln>
+          </p:spPr>
+        </p:pic>
+        <p:sp>
+          <p:nvSpPr>
+            <p:cNvPr id="21" name="Rechteck 20">
+              <a:extLst>
+                <a:ext uri="{FF2B5EF4-FFF2-40B4-BE49-F238E27FC236}">
+                  <a16:creationId xmlns:a16="http://schemas.microsoft.com/office/drawing/2014/main" id="{06059F80-2D28-4492-8B4D-6AB49E9A012E}"/>
+                </a:ext>
+              </a:extLst>
+            </p:cNvPr>
+            <p:cNvSpPr/>
+            <p:nvPr/>
+          </p:nvSpPr>
+          <p:spPr>
+            <a:xfrm>
+              <a:off x="8347587" y="6154614"/>
+              <a:ext cx="2119313" cy="286301"/>
+            </a:xfrm>
+            <a:prstGeom prst="rect">
+              <a:avLst/>
+            </a:prstGeom>
+            <a:solidFill>
+              <a:srgbClr val="F4BA02"/>
+            </a:solidFill>
+            <a:ln w="25400">
+              <a:solidFill>
+                <a:schemeClr val="tx1"/>
+              </a:solidFill>
+            </a:ln>
+          </p:spPr>
+          <p:style>
+            <a:lnRef idx="2">
+              <a:schemeClr val="accent1">
+                <a:shade val="50000"/>
+              </a:schemeClr>
+            </a:lnRef>
+            <a:fillRef idx="1">
+              <a:schemeClr val="accent1"/>
+            </a:fillRef>
+            <a:effectRef idx="0">
+              <a:schemeClr val="accent1"/>
+            </a:effectRef>
+            <a:fontRef idx="minor">
+              <a:schemeClr val="lt1"/>
+            </a:fontRef>
+          </p:style>
+          <p:txBody>
+            <a:bodyPr rtlCol="0" anchor="ctr"/>
+            <a:lstStyle/>
+            <a:p>
+              <a:pPr algn="ctr"/>
+              <a:r>
+                <a:rPr lang="en-US" sz="1400" dirty="0">
+                  <a:solidFill>
+                    <a:srgbClr val="01364C"/>
+                  </a:solidFill>
+                </a:rPr>
+                <a:t>Repository (</a:t>
+              </a:r>
+              <a:r>
+                <a:rPr lang="en-US" sz="1400" dirty="0" err="1">
+                  <a:solidFill>
+                    <a:srgbClr val="01364C"/>
+                  </a:solidFill>
+                </a:rPr>
+                <a:t>lokal</a:t>
+              </a:r>
+              <a:r>
+                <a:rPr lang="en-US" sz="1400" dirty="0">
+                  <a:solidFill>
+                    <a:srgbClr val="01364C"/>
+                  </a:solidFill>
+                </a:rPr>
+                <a:t>)</a:t>
+              </a:r>
+              <a:endParaRPr lang="de-DE" sz="1400" dirty="0">
+                <a:solidFill>
+                  <a:srgbClr val="01364C"/>
+                </a:solidFill>
+              </a:endParaRPr>
+            </a:p>
+          </p:txBody>
+        </p:sp>
+        <p:pic>
+          <p:nvPicPr>
+            <p:cNvPr id="28" name="Grafik 27" descr="Computer">
+              <a:extLst>
+                <a:ext uri="{FF2B5EF4-FFF2-40B4-BE49-F238E27FC236}">
+                  <a16:creationId xmlns:a16="http://schemas.microsoft.com/office/drawing/2014/main" id="{E84F99B0-76F0-4BB0-BCA1-7BB0D437B910}"/>
+                </a:ext>
+              </a:extLst>
+            </p:cNvPr>
+            <p:cNvPicPr>
+              <a:picLocks noChangeAspect="1"/>
+            </p:cNvPicPr>
+            <p:nvPr/>
+          </p:nvPicPr>
+          <p:blipFill>
+            <a:blip r:embed="rId3">
+              <a:extLst>
+                <a:ext uri="{28A0092B-C50C-407E-A947-70E740481C1C}">
+                  <a14:useLocalDpi xmlns:a14="http://schemas.microsoft.com/office/drawing/2010/main" val="0"/>
+                </a:ext>
+                <a:ext uri="{96DAC541-7B7A-43D3-8B79-37D633B846F1}">
+                  <asvg:svgBlip xmlns:asvg="http://schemas.microsoft.com/office/drawing/2016/SVG/main" r:embed="rId4"/>
+                </a:ext>
+              </a:extLst>
+            </a:blip>
+            <a:stretch>
+              <a:fillRect/>
+            </a:stretch>
+          </p:blipFill>
+          <p:spPr>
+            <a:xfrm>
+              <a:off x="10401864" y="3788533"/>
+              <a:ext cx="675977" cy="675977"/>
+            </a:xfrm>
+            <a:prstGeom prst="rect">
+              <a:avLst/>
+            </a:prstGeom>
+          </p:spPr>
+        </p:pic>
+      </p:grpSp>
+      <p:grpSp>
+        <p:nvGrpSpPr>
+          <p:cNvPr id="40" name="Gruppieren 39">
+            <a:extLst>
+              <a:ext uri="{FF2B5EF4-FFF2-40B4-BE49-F238E27FC236}">
+                <a16:creationId xmlns:a16="http://schemas.microsoft.com/office/drawing/2014/main" id="{45C1856E-4BE1-459D-AE21-E5A4C205B105}"/>
+              </a:ext>
+            </a:extLst>
+          </p:cNvPr>
+          <p:cNvGrpSpPr/>
+          <p:nvPr/>
+        </p:nvGrpSpPr>
+        <p:grpSpPr>
+          <a:xfrm>
+            <a:off x="1690056" y="3887603"/>
+            <a:ext cx="2119313" cy="2320124"/>
+            <a:chOff x="5083301" y="4126522"/>
+            <a:chExt cx="2119313" cy="2320124"/>
+          </a:xfrm>
+        </p:grpSpPr>
+        <p:pic>
+          <p:nvPicPr>
+            <p:cNvPr id="10" name="Grafik 9">
+              <a:extLst>
+                <a:ext uri="{FF2B5EF4-FFF2-40B4-BE49-F238E27FC236}">
+                  <a16:creationId xmlns:a16="http://schemas.microsoft.com/office/drawing/2014/main" id="{4AE95549-962E-4570-AF1E-E6DB8DED57CC}"/>
+                </a:ext>
+              </a:extLst>
+            </p:cNvPr>
+            <p:cNvPicPr>
+              <a:picLocks noChangeAspect="1"/>
+            </p:cNvPicPr>
+            <p:nvPr/>
+          </p:nvPicPr>
+          <p:blipFill>
+            <a:blip r:embed="rId2"/>
+            <a:stretch>
+              <a:fillRect/>
+            </a:stretch>
+          </p:blipFill>
+          <p:spPr>
+            <a:xfrm>
+              <a:off x="5099312" y="4126522"/>
+              <a:ext cx="2088879" cy="2028092"/>
+            </a:xfrm>
+            <a:prstGeom prst="rect">
+              <a:avLst/>
+            </a:prstGeom>
+            <a:ln w="25400">
+              <a:solidFill>
+                <a:schemeClr val="tx1"/>
+              </a:solidFill>
+            </a:ln>
+          </p:spPr>
+        </p:pic>
+        <p:sp>
+          <p:nvSpPr>
+            <p:cNvPr id="22" name="Rechteck 21">
+              <a:extLst>
+                <a:ext uri="{FF2B5EF4-FFF2-40B4-BE49-F238E27FC236}">
+                  <a16:creationId xmlns:a16="http://schemas.microsoft.com/office/drawing/2014/main" id="{74D425B7-900C-4E12-A1D2-DBDE2CC0BFFB}"/>
+                </a:ext>
+              </a:extLst>
+            </p:cNvPr>
+            <p:cNvSpPr/>
+            <p:nvPr/>
+          </p:nvSpPr>
+          <p:spPr>
+            <a:xfrm>
+              <a:off x="5083301" y="6160345"/>
+              <a:ext cx="2119313" cy="286301"/>
+            </a:xfrm>
+            <a:prstGeom prst="rect">
+              <a:avLst/>
+            </a:prstGeom>
+            <a:solidFill>
+              <a:srgbClr val="F4BA02"/>
+            </a:solidFill>
+            <a:ln w="25400">
+              <a:solidFill>
+                <a:schemeClr val="tx1"/>
+              </a:solidFill>
+            </a:ln>
+          </p:spPr>
+          <p:style>
+            <a:lnRef idx="2">
+              <a:schemeClr val="accent1">
+                <a:shade val="50000"/>
+              </a:schemeClr>
+            </a:lnRef>
+            <a:fillRef idx="1">
+              <a:schemeClr val="accent1"/>
+            </a:fillRef>
+            <a:effectRef idx="0">
+              <a:schemeClr val="accent1"/>
+            </a:effectRef>
+            <a:fontRef idx="minor">
+              <a:schemeClr val="lt1"/>
+            </a:fontRef>
+          </p:style>
+          <p:txBody>
+            <a:bodyPr rtlCol="0" anchor="ctr"/>
+            <a:lstStyle/>
+            <a:p>
+              <a:pPr algn="ctr"/>
+              <a:r>
+                <a:rPr lang="en-US" sz="1400" dirty="0">
+                  <a:solidFill>
+                    <a:srgbClr val="01364C"/>
+                  </a:solidFill>
+                </a:rPr>
+                <a:t>Repository (</a:t>
+              </a:r>
+              <a:r>
+                <a:rPr lang="en-US" sz="1400" dirty="0" err="1">
+                  <a:solidFill>
+                    <a:srgbClr val="01364C"/>
+                  </a:solidFill>
+                </a:rPr>
+                <a:t>lokal</a:t>
+              </a:r>
+              <a:r>
+                <a:rPr lang="en-US" sz="1400" dirty="0">
+                  <a:solidFill>
+                    <a:srgbClr val="01364C"/>
+                  </a:solidFill>
+                </a:rPr>
+                <a:t>)</a:t>
+              </a:r>
+              <a:endParaRPr lang="de-DE" sz="1400" dirty="0">
+                <a:solidFill>
+                  <a:srgbClr val="01364C"/>
+                </a:solidFill>
+              </a:endParaRPr>
+            </a:p>
+          </p:txBody>
+        </p:sp>
+      </p:grpSp>
+      <p:sp>
+        <p:nvSpPr>
+          <p:cNvPr id="11" name="Ellipse 10">
+            <a:extLst>
+              <a:ext uri="{FF2B5EF4-FFF2-40B4-BE49-F238E27FC236}">
+                <a16:creationId xmlns:a16="http://schemas.microsoft.com/office/drawing/2014/main" id="{B1E63540-82B6-4E6F-9DA2-52523719782D}"/>
+              </a:ext>
+            </a:extLst>
+          </p:cNvPr>
+          <p:cNvSpPr/>
+          <p:nvPr/>
+        </p:nvSpPr>
+        <p:spPr>
+          <a:xfrm>
+            <a:off x="1683706" y="2003733"/>
+            <a:ext cx="2133600" cy="961292"/>
+          </a:xfrm>
+          <a:prstGeom prst="ellipse">
+            <a:avLst/>
+          </a:prstGeom>
+          <a:solidFill>
+            <a:srgbClr val="F4BA02"/>
+          </a:solidFill>
+          <a:ln w="25400">
+            <a:solidFill>
+              <a:schemeClr val="tx1"/>
+            </a:solidFill>
+          </a:ln>
+        </p:spPr>
+        <p:style>
+          <a:lnRef idx="2">
+            <a:schemeClr val="accent1">
+              <a:shade val="50000"/>
+            </a:schemeClr>
+          </a:lnRef>
+          <a:fillRef idx="1">
+            <a:schemeClr val="accent1"/>
+          </a:fillRef>
+          <a:effectRef idx="0">
+            <a:schemeClr val="accent1"/>
+          </a:effectRef>
+          <a:fontRef idx="minor">
+            <a:schemeClr val="lt1"/>
+          </a:fontRef>
+        </p:style>
+        <p:txBody>
+          <a:bodyPr rtlCol="0" anchor="ctr"/>
+          <a:lstStyle/>
+          <a:p>
+            <a:pPr algn="ctr"/>
+            <a:r>
+              <a:rPr lang="en-US" sz="1400" dirty="0">
+                <a:solidFill>
+                  <a:srgbClr val="01364C"/>
+                </a:solidFill>
+              </a:rPr>
+              <a:t>Git (</a:t>
+            </a:r>
+            <a:r>
+              <a:rPr lang="en-US" sz="1400" dirty="0" err="1">
+                <a:solidFill>
+                  <a:srgbClr val="01364C"/>
+                </a:solidFill>
+              </a:rPr>
+              <a:t>lokal</a:t>
+            </a:r>
+            <a:r>
+              <a:rPr lang="en-US" sz="1400" dirty="0">
+                <a:solidFill>
+                  <a:srgbClr val="01364C"/>
+                </a:solidFill>
+              </a:rPr>
+              <a:t>)</a:t>
+            </a:r>
+            <a:endParaRPr lang="de-DE" sz="1400" dirty="0">
+              <a:solidFill>
+                <a:srgbClr val="01364C"/>
+              </a:solidFill>
+            </a:endParaRPr>
+          </a:p>
+        </p:txBody>
+      </p:sp>
+      <p:grpSp>
+        <p:nvGrpSpPr>
+          <p:cNvPr id="37" name="Gruppieren 36">
+            <a:extLst>
+              <a:ext uri="{FF2B5EF4-FFF2-40B4-BE49-F238E27FC236}">
+                <a16:creationId xmlns:a16="http://schemas.microsoft.com/office/drawing/2014/main" id="{AEF98EE4-30C7-4596-AC04-143055192D83}"/>
+              </a:ext>
+            </a:extLst>
+          </p:cNvPr>
+          <p:cNvGrpSpPr/>
+          <p:nvPr/>
+        </p:nvGrpSpPr>
+        <p:grpSpPr>
+          <a:xfrm>
+            <a:off x="4810123" y="-79927"/>
+            <a:ext cx="3064999" cy="1940510"/>
+            <a:chOff x="4725131" y="187228"/>
+            <a:chExt cx="3064999" cy="1940510"/>
+          </a:xfrm>
+        </p:grpSpPr>
+        <p:pic>
+          <p:nvPicPr>
+            <p:cNvPr id="5" name="Grafik 4">
+              <a:extLst>
+                <a:ext uri="{FF2B5EF4-FFF2-40B4-BE49-F238E27FC236}">
+                  <a16:creationId xmlns:a16="http://schemas.microsoft.com/office/drawing/2014/main" id="{CD08842F-82D2-4A8D-9033-08C17181FFE4}"/>
+                </a:ext>
+              </a:extLst>
+            </p:cNvPr>
+            <p:cNvPicPr>
+              <a:picLocks noChangeAspect="1"/>
+            </p:cNvPicPr>
+            <p:nvPr/>
+          </p:nvPicPr>
+          <p:blipFill>
+            <a:blip r:embed="rId5">
+              <a:extLst>
+                <a:ext uri="{28A0092B-C50C-407E-A947-70E740481C1C}">
+                  <a14:useLocalDpi xmlns:a14="http://schemas.microsoft.com/office/drawing/2010/main" val="0"/>
+                </a:ext>
+              </a:extLst>
+            </a:blip>
+            <a:stretch>
+              <a:fillRect/>
+            </a:stretch>
+          </p:blipFill>
+          <p:spPr>
+            <a:xfrm>
+              <a:off x="4741985" y="473529"/>
+              <a:ext cx="2538046" cy="1367908"/>
+            </a:xfrm>
+            <a:prstGeom prst="rect">
+              <a:avLst/>
+            </a:prstGeom>
+            <a:ln w="25400">
+              <a:solidFill>
+                <a:schemeClr val="tx1"/>
+              </a:solidFill>
+            </a:ln>
+          </p:spPr>
+        </p:pic>
+        <p:sp>
+          <p:nvSpPr>
+            <p:cNvPr id="20" name="Rechteck 19">
+              <a:extLst>
+                <a:ext uri="{FF2B5EF4-FFF2-40B4-BE49-F238E27FC236}">
+                  <a16:creationId xmlns:a16="http://schemas.microsoft.com/office/drawing/2014/main" id="{FC4DD9C8-109E-4860-9A5C-E3292D8D439C}"/>
+                </a:ext>
+              </a:extLst>
+            </p:cNvPr>
+            <p:cNvSpPr/>
+            <p:nvPr/>
+          </p:nvSpPr>
+          <p:spPr>
+            <a:xfrm>
+              <a:off x="4725131" y="1841437"/>
+              <a:ext cx="2569371" cy="286301"/>
+            </a:xfrm>
+            <a:prstGeom prst="rect">
+              <a:avLst/>
+            </a:prstGeom>
+            <a:solidFill>
+              <a:srgbClr val="00E0E0"/>
+            </a:solidFill>
+            <a:ln w="25400">
+              <a:solidFill>
+                <a:schemeClr val="tx1"/>
+              </a:solidFill>
+            </a:ln>
+          </p:spPr>
+          <p:style>
+            <a:lnRef idx="2">
+              <a:schemeClr val="accent1">
+                <a:shade val="50000"/>
+              </a:schemeClr>
+            </a:lnRef>
+            <a:fillRef idx="1">
+              <a:schemeClr val="accent1"/>
+            </a:fillRef>
+            <a:effectRef idx="0">
+              <a:schemeClr val="accent1"/>
+            </a:effectRef>
+            <a:fontRef idx="minor">
+              <a:schemeClr val="lt1"/>
+            </a:fontRef>
+          </p:style>
+          <p:txBody>
+            <a:bodyPr rtlCol="0" anchor="ctr"/>
+            <a:lstStyle/>
+            <a:p>
+              <a:pPr algn="ctr"/>
+              <a:r>
+                <a:rPr lang="en-US" sz="1400" dirty="0">
+                  <a:solidFill>
+                    <a:srgbClr val="01364C"/>
+                  </a:solidFill>
+                </a:rPr>
+                <a:t>Repository (online)</a:t>
+              </a:r>
+              <a:endParaRPr lang="de-DE" sz="1400" dirty="0">
+                <a:solidFill>
+                  <a:srgbClr val="01364C"/>
+                </a:solidFill>
+              </a:endParaRPr>
+            </a:p>
+          </p:txBody>
+        </p:sp>
+        <p:pic>
+          <p:nvPicPr>
+            <p:cNvPr id="32" name="Grafik 31" descr="Synchronisierende Cloud">
+              <a:extLst>
+                <a:ext uri="{FF2B5EF4-FFF2-40B4-BE49-F238E27FC236}">
+                  <a16:creationId xmlns:a16="http://schemas.microsoft.com/office/drawing/2014/main" id="{90F612F9-9C1B-43F7-A606-C0BBE8888873}"/>
+                </a:ext>
+              </a:extLst>
+            </p:cNvPr>
+            <p:cNvPicPr>
+              <a:picLocks noChangeAspect="1"/>
+            </p:cNvPicPr>
+            <p:nvPr/>
+          </p:nvPicPr>
+          <p:blipFill>
+            <a:blip r:embed="rId6">
+              <a:extLst>
+                <a:ext uri="{28A0092B-C50C-407E-A947-70E740481C1C}">
+                  <a14:useLocalDpi xmlns:a14="http://schemas.microsoft.com/office/drawing/2010/main" val="0"/>
+                </a:ext>
+                <a:ext uri="{96DAC541-7B7A-43D3-8B79-37D633B846F1}">
+                  <asvg:svgBlip xmlns:asvg="http://schemas.microsoft.com/office/drawing/2016/SVG/main" r:embed="rId7"/>
+                </a:ext>
+              </a:extLst>
+            </a:blip>
+            <a:stretch>
+              <a:fillRect/>
+            </a:stretch>
+          </p:blipFill>
+          <p:spPr>
+            <a:xfrm>
+              <a:off x="7169981" y="187228"/>
+              <a:ext cx="620149" cy="620149"/>
+            </a:xfrm>
+            <a:prstGeom prst="rect">
+              <a:avLst/>
+            </a:prstGeom>
+          </p:spPr>
+        </p:pic>
+      </p:grpSp>
+      <p:pic>
+        <p:nvPicPr>
+          <p:cNvPr id="49" name="Grafik 48" descr="Computer">
+            <a:extLst>
+              <a:ext uri="{FF2B5EF4-FFF2-40B4-BE49-F238E27FC236}">
+                <a16:creationId xmlns:a16="http://schemas.microsoft.com/office/drawing/2014/main" id="{83715380-73E1-48CA-8F0C-18733C1C8756}"/>
+              </a:ext>
+            </a:extLst>
+          </p:cNvPr>
+          <p:cNvPicPr>
+            <a:picLocks noChangeAspect="1"/>
+          </p:cNvPicPr>
+          <p:nvPr/>
+        </p:nvPicPr>
+        <p:blipFill>
+          <a:blip r:embed="rId3">
+            <a:extLst>
+              <a:ext uri="{28A0092B-C50C-407E-A947-70E740481C1C}">
+                <a14:useLocalDpi xmlns:a14="http://schemas.microsoft.com/office/drawing/2010/main" val="0"/>
+              </a:ext>
+              <a:ext uri="{96DAC541-7B7A-43D3-8B79-37D633B846F1}">
+                <asvg:svgBlip xmlns:asvg="http://schemas.microsoft.com/office/drawing/2016/SVG/main" r:embed="rId8"/>
+              </a:ext>
+            </a:extLst>
+          </a:blip>
+          <a:stretch>
+            <a:fillRect/>
+          </a:stretch>
+        </p:blipFill>
+        <p:spPr>
+          <a:xfrm>
+            <a:off x="1421532" y="1755211"/>
+            <a:ext cx="675977" cy="675977"/>
+          </a:xfrm>
+          <a:prstGeom prst="rect">
+            <a:avLst/>
+          </a:prstGeom>
+        </p:spPr>
+      </p:pic>
+      <p:pic>
+        <p:nvPicPr>
+          <p:cNvPr id="50" name="Grafik 49" descr="Computer">
+            <a:extLst>
+              <a:ext uri="{FF2B5EF4-FFF2-40B4-BE49-F238E27FC236}">
+                <a16:creationId xmlns:a16="http://schemas.microsoft.com/office/drawing/2014/main" id="{C90BE577-53EC-468F-B34B-DF70CA3C2827}"/>
+              </a:ext>
+            </a:extLst>
+          </p:cNvPr>
+          <p:cNvPicPr>
+            <a:picLocks noChangeAspect="1"/>
+          </p:cNvPicPr>
+          <p:nvPr/>
+        </p:nvPicPr>
+        <p:blipFill>
+          <a:blip r:embed="rId3">
+            <a:extLst>
+              <a:ext uri="{28A0092B-C50C-407E-A947-70E740481C1C}">
+                <a14:useLocalDpi xmlns:a14="http://schemas.microsoft.com/office/drawing/2010/main" val="0"/>
+              </a:ext>
+              <a:ext uri="{96DAC541-7B7A-43D3-8B79-37D633B846F1}">
+                <asvg:svgBlip xmlns:asvg="http://schemas.microsoft.com/office/drawing/2016/SVG/main" r:embed="rId8"/>
+              </a:ext>
+            </a:extLst>
+          </a:blip>
+          <a:stretch>
+            <a:fillRect/>
+          </a:stretch>
+        </p:blipFill>
+        <p:spPr>
+          <a:xfrm>
+            <a:off x="1071171" y="3646813"/>
+            <a:ext cx="675977" cy="675977"/>
+          </a:xfrm>
+          <a:prstGeom prst="rect">
+            <a:avLst/>
+          </a:prstGeom>
+        </p:spPr>
+      </p:pic>
+      <p:sp>
+        <p:nvSpPr>
+          <p:cNvPr id="29" name="Rechteck 28">
+            <a:extLst>
+              <a:ext uri="{FF2B5EF4-FFF2-40B4-BE49-F238E27FC236}">
+                <a16:creationId xmlns:a16="http://schemas.microsoft.com/office/drawing/2014/main" id="{626CFD3F-D3A0-4510-9465-6C1170EB28D3}"/>
+              </a:ext>
+            </a:extLst>
+          </p:cNvPr>
+          <p:cNvSpPr/>
+          <p:nvPr/>
+        </p:nvSpPr>
+        <p:spPr>
+          <a:xfrm>
+            <a:off x="2343154" y="3023510"/>
+            <a:ext cx="514340" cy="816711"/>
+          </a:xfrm>
+          <a:prstGeom prst="rect">
+            <a:avLst/>
+          </a:prstGeom>
+          <a:noFill/>
+          <a:ln w="38100">
+            <a:solidFill>
+              <a:srgbClr val="9B1B34"/>
+            </a:solidFill>
+          </a:ln>
+        </p:spPr>
+        <p:style>
+          <a:lnRef idx="2">
+            <a:schemeClr val="accent1">
+              <a:shade val="50000"/>
+            </a:schemeClr>
+          </a:lnRef>
+          <a:fillRef idx="1">
+            <a:schemeClr val="accent1"/>
+          </a:fillRef>
+          <a:effectRef idx="0">
+            <a:schemeClr val="accent1"/>
+          </a:effectRef>
+          <a:fontRef idx="minor">
+            <a:schemeClr val="lt1"/>
+          </a:fontRef>
+        </p:style>
+        <p:txBody>
+          <a:bodyPr rtlCol="0" anchor="ctr"/>
+          <a:lstStyle/>
+          <a:p>
+            <a:pPr algn="ctr"/>
+            <a:endParaRPr lang="de-DE"/>
+          </a:p>
+        </p:txBody>
+      </p:sp>
+    </p:spTree>
+    <p:extLst>
+      <p:ext uri="{BB962C8B-B14F-4D97-AF65-F5344CB8AC3E}">
+        <p14:creationId xmlns:p14="http://schemas.microsoft.com/office/powerpoint/2010/main" val="544788008"/>
+      </p:ext>
+    </p:extLst>
+  </p:cSld>
+  <p:clrMapOvr>
+    <a:masterClrMapping/>
+  </p:clrMapOvr>
+</p:sld>
+</file>
+
+<file path=ppt/slides/slide6.xml><?xml version="1.0" encoding="utf-8"?>
+<p:sld xmlns:a="http://schemas.openxmlformats.org/drawingml/2006/main" xmlns:r="http://schemas.openxmlformats.org/officeDocument/2006/relationships" xmlns:p="http://schemas.openxmlformats.org/presentationml/2006/main">
+  <p:cSld>
+    <p:bg>
+      <p:bgPr>
+        <a:solidFill>
+          <a:srgbClr val="F8F8F8"/>
+        </a:solidFill>
+        <a:effectLst/>
+      </p:bgPr>
+    </p:bg>
+    <p:spTree>
+      <p:nvGrpSpPr>
+        <p:cNvPr id="1" name=""/>
+        <p:cNvGrpSpPr/>
+        <p:nvPr/>
+      </p:nvGrpSpPr>
+      <p:grpSpPr>
+        <a:xfrm>
+          <a:off x="0" y="0"/>
+          <a:ext cx="0" cy="0"/>
+          <a:chOff x="0" y="0"/>
+          <a:chExt cx="0" cy="0"/>
+        </a:xfrm>
+      </p:grpSpPr>
+      <p:grpSp>
+        <p:nvGrpSpPr>
+          <p:cNvPr id="38" name="Gruppieren 37">
+            <a:extLst>
+              <a:ext uri="{FF2B5EF4-FFF2-40B4-BE49-F238E27FC236}">
+                <a16:creationId xmlns:a16="http://schemas.microsoft.com/office/drawing/2014/main" id="{C096E458-199A-4D22-B997-BFD017610668}"/>
+              </a:ext>
+            </a:extLst>
+          </p:cNvPr>
+          <p:cNvGrpSpPr/>
+          <p:nvPr/>
+        </p:nvGrpSpPr>
+        <p:grpSpPr>
+          <a:xfrm>
+            <a:off x="7365023" y="890328"/>
+            <a:ext cx="2374479" cy="2949893"/>
+            <a:chOff x="7365023" y="890328"/>
+            <a:chExt cx="2374479" cy="2949893"/>
+          </a:xfrm>
+        </p:grpSpPr>
+        <p:cxnSp>
+          <p:nvCxnSpPr>
+            <p:cNvPr id="8" name="Gerade Verbindung mit Pfeil 7">
+              <a:extLst>
+                <a:ext uri="{FF2B5EF4-FFF2-40B4-BE49-F238E27FC236}">
+                  <a16:creationId xmlns:a16="http://schemas.microsoft.com/office/drawing/2014/main" id="{AA5E1B15-C5FA-47CF-B41C-CA708864F0A3}"/>
+                </a:ext>
+              </a:extLst>
+            </p:cNvPr>
+            <p:cNvCxnSpPr>
+              <a:cxnSpLocks/>
+              <a:stCxn id="5" idx="3"/>
+              <a:endCxn id="6" idx="0"/>
+            </p:cNvCxnSpPr>
+            <p:nvPr/>
+          </p:nvCxnSpPr>
+          <p:spPr>
+            <a:xfrm>
+              <a:off x="7365023" y="890328"/>
+              <a:ext cx="2374479" cy="2949893"/>
+            </a:xfrm>
+            <a:prstGeom prst="straightConnector1">
+              <a:avLst/>
+            </a:prstGeom>
+            <a:ln w="12700">
+              <a:solidFill>
+                <a:schemeClr val="tx1"/>
+              </a:solidFill>
+              <a:tailEnd type="triangle"/>
+            </a:ln>
+          </p:spPr>
+          <p:style>
+            <a:lnRef idx="1">
+              <a:schemeClr val="accent1"/>
+            </a:lnRef>
+            <a:fillRef idx="0">
+              <a:schemeClr val="accent1"/>
+            </a:fillRef>
+            <a:effectRef idx="0">
+              <a:schemeClr val="accent1"/>
+            </a:effectRef>
+            <a:fontRef idx="minor">
+              <a:schemeClr val="tx1"/>
+            </a:fontRef>
+          </p:style>
+        </p:cxnSp>
+        <p:sp>
+          <p:nvSpPr>
+            <p:cNvPr id="23" name="Rechteck 22">
+              <a:extLst>
+                <a:ext uri="{FF2B5EF4-FFF2-40B4-BE49-F238E27FC236}">
+                  <a16:creationId xmlns:a16="http://schemas.microsoft.com/office/drawing/2014/main" id="{942A0602-D83C-43F2-9088-C1198857C1EE}"/>
+                </a:ext>
+              </a:extLst>
+            </p:cNvPr>
+            <p:cNvSpPr/>
+            <p:nvPr/>
+          </p:nvSpPr>
+          <p:spPr>
+            <a:xfrm rot="2966783">
+              <a:off x="8448393" y="2230539"/>
+              <a:ext cx="493338" cy="286301"/>
+            </a:xfrm>
+            <a:prstGeom prst="rect">
+              <a:avLst/>
+            </a:prstGeom>
+            <a:noFill/>
+            <a:ln>
+              <a:noFill/>
+            </a:ln>
+          </p:spPr>
+          <p:style>
+            <a:lnRef idx="2">
+              <a:schemeClr val="accent1">
+                <a:shade val="50000"/>
+              </a:schemeClr>
+            </a:lnRef>
+            <a:fillRef idx="1">
+              <a:schemeClr val="accent1"/>
+            </a:fillRef>
+            <a:effectRef idx="0">
+              <a:schemeClr val="accent1"/>
+            </a:effectRef>
+            <a:fontRef idx="minor">
+              <a:schemeClr val="lt1"/>
+            </a:fontRef>
+          </p:style>
+          <p:txBody>
+            <a:bodyPr rtlCol="0" anchor="ctr"/>
+            <a:lstStyle/>
+            <a:p>
+              <a:pPr algn="ctr"/>
+              <a:r>
+                <a:rPr lang="en-US" sz="1000" dirty="0">
+                  <a:solidFill>
+                    <a:srgbClr val="01364C"/>
+                  </a:solidFill>
+                </a:rPr>
+                <a:t>Pull</a:t>
+              </a:r>
+            </a:p>
+          </p:txBody>
+        </p:sp>
+      </p:grpSp>
+      <p:grpSp>
+        <p:nvGrpSpPr>
+          <p:cNvPr id="45" name="Gruppieren 44">
+            <a:extLst>
+              <a:ext uri="{FF2B5EF4-FFF2-40B4-BE49-F238E27FC236}">
+                <a16:creationId xmlns:a16="http://schemas.microsoft.com/office/drawing/2014/main" id="{C8F73169-4096-4456-9C7A-8C0B1A8DB7EF}"/>
+              </a:ext>
+            </a:extLst>
+          </p:cNvPr>
+          <p:cNvGrpSpPr/>
+          <p:nvPr/>
+        </p:nvGrpSpPr>
+        <p:grpSpPr>
+          <a:xfrm>
+            <a:off x="3794946" y="4854267"/>
+            <a:ext cx="4900116" cy="301432"/>
+            <a:chOff x="3794946" y="4854267"/>
+            <a:chExt cx="4900116" cy="301432"/>
+          </a:xfrm>
+        </p:grpSpPr>
+        <p:cxnSp>
+          <p:nvCxnSpPr>
+            <p:cNvPr id="18" name="Gerade Verbindung mit Pfeil 17">
+              <a:extLst>
+                <a:ext uri="{FF2B5EF4-FFF2-40B4-BE49-F238E27FC236}">
+                  <a16:creationId xmlns:a16="http://schemas.microsoft.com/office/drawing/2014/main" id="{F7A8726D-6B1E-4CEF-A850-C2698D660247}"/>
+                </a:ext>
+              </a:extLst>
+            </p:cNvPr>
+            <p:cNvCxnSpPr>
+              <a:cxnSpLocks/>
+              <a:stCxn id="6" idx="1"/>
+              <a:endCxn id="10" idx="3"/>
+            </p:cNvCxnSpPr>
+            <p:nvPr/>
+          </p:nvCxnSpPr>
+          <p:spPr>
+            <a:xfrm flipH="1">
+              <a:off x="3794946" y="4854267"/>
+              <a:ext cx="4900116" cy="47382"/>
+            </a:xfrm>
+            <a:prstGeom prst="straightConnector1">
+              <a:avLst/>
+            </a:prstGeom>
+            <a:ln w="12700">
+              <a:solidFill>
+                <a:schemeClr val="tx1"/>
+              </a:solidFill>
+              <a:tailEnd type="triangle"/>
+            </a:ln>
+          </p:spPr>
+          <p:style>
+            <a:lnRef idx="1">
+              <a:schemeClr val="accent1"/>
+            </a:lnRef>
+            <a:fillRef idx="0">
+              <a:schemeClr val="accent1"/>
+            </a:fillRef>
+            <a:effectRef idx="0">
+              <a:schemeClr val="accent1"/>
+            </a:effectRef>
+            <a:fontRef idx="minor">
+              <a:schemeClr val="tx1"/>
+            </a:fontRef>
+          </p:style>
+        </p:cxnSp>
+        <p:sp>
+          <p:nvSpPr>
+            <p:cNvPr id="24" name="Rechteck 23">
+              <a:extLst>
+                <a:ext uri="{FF2B5EF4-FFF2-40B4-BE49-F238E27FC236}">
+                  <a16:creationId xmlns:a16="http://schemas.microsoft.com/office/drawing/2014/main" id="{B479A2EB-4D12-4E4E-813D-0A368927C303}"/>
+                </a:ext>
+              </a:extLst>
+            </p:cNvPr>
+            <p:cNvSpPr/>
+            <p:nvPr/>
+          </p:nvSpPr>
+          <p:spPr>
+            <a:xfrm>
+              <a:off x="5852888" y="4869398"/>
+              <a:ext cx="784231" cy="286301"/>
+            </a:xfrm>
+            <a:prstGeom prst="rect">
+              <a:avLst/>
+            </a:prstGeom>
+            <a:noFill/>
+            <a:ln>
+              <a:noFill/>
+            </a:ln>
+          </p:spPr>
+          <p:style>
+            <a:lnRef idx="2">
+              <a:schemeClr val="accent1">
+                <a:shade val="50000"/>
+              </a:schemeClr>
+            </a:lnRef>
+            <a:fillRef idx="1">
+              <a:schemeClr val="accent1"/>
+            </a:fillRef>
+            <a:effectRef idx="0">
+              <a:schemeClr val="accent1"/>
+            </a:effectRef>
+            <a:fontRef idx="minor">
+              <a:schemeClr val="lt1"/>
+            </a:fontRef>
+          </p:style>
+          <p:txBody>
+            <a:bodyPr rtlCol="0" anchor="ctr"/>
+            <a:lstStyle/>
+            <a:p>
+              <a:pPr algn="ctr"/>
+              <a:r>
+                <a:rPr lang="en-US" sz="1000" dirty="0" err="1">
+                  <a:solidFill>
+                    <a:srgbClr val="01364C"/>
+                  </a:solidFill>
+                </a:rPr>
+                <a:t>Bearbeiten</a:t>
+              </a:r>
+              <a:endParaRPr lang="en-US" sz="1000" dirty="0">
+                <a:solidFill>
+                  <a:srgbClr val="01364C"/>
+                </a:solidFill>
+              </a:endParaRPr>
+            </a:p>
+          </p:txBody>
+        </p:sp>
+      </p:grpSp>
+      <p:grpSp>
+        <p:nvGrpSpPr>
+          <p:cNvPr id="44" name="Gruppieren 43">
+            <a:extLst>
+              <a:ext uri="{FF2B5EF4-FFF2-40B4-BE49-F238E27FC236}">
+                <a16:creationId xmlns:a16="http://schemas.microsoft.com/office/drawing/2014/main" id="{9D5CD011-7DB9-4A1B-B280-464CD88BAA30}"/>
+              </a:ext>
+            </a:extLst>
+          </p:cNvPr>
+          <p:cNvGrpSpPr/>
+          <p:nvPr/>
+        </p:nvGrpSpPr>
+        <p:grpSpPr>
+          <a:xfrm>
+            <a:off x="2464205" y="2964853"/>
+            <a:ext cx="286302" cy="922923"/>
+            <a:chOff x="-217009" y="3313004"/>
+            <a:chExt cx="286302" cy="922923"/>
+          </a:xfrm>
+        </p:grpSpPr>
+        <p:cxnSp>
+          <p:nvCxnSpPr>
+            <p:cNvPr id="13" name="Gerade Verbindung mit Pfeil 12">
+              <a:extLst>
+                <a:ext uri="{FF2B5EF4-FFF2-40B4-BE49-F238E27FC236}">
+                  <a16:creationId xmlns:a16="http://schemas.microsoft.com/office/drawing/2014/main" id="{7533FE96-A6D7-4A33-A891-8CC8D175A693}"/>
+                </a:ext>
+              </a:extLst>
+            </p:cNvPr>
+            <p:cNvCxnSpPr>
+              <a:cxnSpLocks/>
+              <a:stCxn id="10" idx="0"/>
+              <a:endCxn id="11" idx="4"/>
+            </p:cNvCxnSpPr>
+            <p:nvPr/>
+          </p:nvCxnSpPr>
+          <p:spPr>
+            <a:xfrm flipH="1" flipV="1">
+              <a:off x="69292" y="3313176"/>
+              <a:ext cx="1" cy="922578"/>
+            </a:xfrm>
+            <a:prstGeom prst="straightConnector1">
+              <a:avLst/>
+            </a:prstGeom>
+            <a:ln w="12700">
+              <a:solidFill>
+                <a:schemeClr val="tx1"/>
+              </a:solidFill>
+              <a:tailEnd type="triangle"/>
+            </a:ln>
+          </p:spPr>
+          <p:style>
+            <a:lnRef idx="1">
+              <a:schemeClr val="accent1"/>
+            </a:lnRef>
+            <a:fillRef idx="0">
+              <a:schemeClr val="accent1"/>
+            </a:fillRef>
+            <a:effectRef idx="0">
+              <a:schemeClr val="accent1"/>
+            </a:effectRef>
+            <a:fontRef idx="minor">
+              <a:schemeClr val="tx1"/>
+            </a:fontRef>
+          </p:style>
+        </p:cxnSp>
+        <p:sp>
+          <p:nvSpPr>
+            <p:cNvPr id="25" name="Rechteck 24">
+              <a:extLst>
+                <a:ext uri="{FF2B5EF4-FFF2-40B4-BE49-F238E27FC236}">
+                  <a16:creationId xmlns:a16="http://schemas.microsoft.com/office/drawing/2014/main" id="{24931EAD-3E6C-483E-A14A-3A421E6B465D}"/>
+                </a:ext>
+              </a:extLst>
+            </p:cNvPr>
+            <p:cNvSpPr/>
+            <p:nvPr/>
+          </p:nvSpPr>
+          <p:spPr>
+            <a:xfrm rot="16200000">
+              <a:off x="-535320" y="3631315"/>
+              <a:ext cx="922923" cy="286301"/>
+            </a:xfrm>
+            <a:prstGeom prst="rect">
+              <a:avLst/>
+            </a:prstGeom>
+            <a:noFill/>
+            <a:ln>
+              <a:noFill/>
+            </a:ln>
+          </p:spPr>
+          <p:style>
+            <a:lnRef idx="2">
+              <a:schemeClr val="accent1">
+                <a:shade val="50000"/>
+              </a:schemeClr>
+            </a:lnRef>
+            <a:fillRef idx="1">
+              <a:schemeClr val="accent1"/>
+            </a:fillRef>
+            <a:effectRef idx="0">
+              <a:schemeClr val="accent1"/>
+            </a:effectRef>
+            <a:fontRef idx="minor">
+              <a:schemeClr val="lt1"/>
+            </a:fontRef>
+          </p:style>
+          <p:txBody>
+            <a:bodyPr rtlCol="0" anchor="ctr"/>
+            <a:lstStyle/>
+            <a:p>
+              <a:pPr algn="ctr"/>
+              <a:r>
+                <a:rPr lang="en-US" sz="1000" dirty="0">
+                  <a:solidFill>
+                    <a:srgbClr val="01364C"/>
+                  </a:solidFill>
+                </a:rPr>
+                <a:t>Stage/commit</a:t>
+              </a:r>
+            </a:p>
+          </p:txBody>
+        </p:sp>
+      </p:grpSp>
+      <p:grpSp>
+        <p:nvGrpSpPr>
+          <p:cNvPr id="43" name="Gruppieren 42">
+            <a:extLst>
+              <a:ext uri="{FF2B5EF4-FFF2-40B4-BE49-F238E27FC236}">
+                <a16:creationId xmlns:a16="http://schemas.microsoft.com/office/drawing/2014/main" id="{E392A171-F59B-4425-823D-7E84197D9D19}"/>
+              </a:ext>
+            </a:extLst>
+          </p:cNvPr>
+          <p:cNvGrpSpPr/>
+          <p:nvPr/>
+        </p:nvGrpSpPr>
+        <p:grpSpPr>
+          <a:xfrm>
+            <a:off x="2750506" y="890328"/>
+            <a:ext cx="2076471" cy="1113405"/>
+            <a:chOff x="2750506" y="890328"/>
+            <a:chExt cx="2076471" cy="1113405"/>
+          </a:xfrm>
+        </p:grpSpPr>
+        <p:cxnSp>
+          <p:nvCxnSpPr>
+            <p:cNvPr id="16" name="Gerade Verbindung mit Pfeil 15">
+              <a:extLst>
+                <a:ext uri="{FF2B5EF4-FFF2-40B4-BE49-F238E27FC236}">
+                  <a16:creationId xmlns:a16="http://schemas.microsoft.com/office/drawing/2014/main" id="{DC8E8F71-77F9-4F01-B14E-6E5052D19692}"/>
+                </a:ext>
+              </a:extLst>
+            </p:cNvPr>
+            <p:cNvCxnSpPr>
+              <a:cxnSpLocks/>
+              <a:stCxn id="11" idx="0"/>
+              <a:endCxn id="5" idx="1"/>
+            </p:cNvCxnSpPr>
+            <p:nvPr/>
+          </p:nvCxnSpPr>
+          <p:spPr>
+            <a:xfrm flipV="1">
+              <a:off x="2750506" y="890328"/>
+              <a:ext cx="2076471" cy="1113405"/>
+            </a:xfrm>
+            <a:prstGeom prst="straightConnector1">
+              <a:avLst/>
+            </a:prstGeom>
+            <a:ln w="12700">
+              <a:solidFill>
+                <a:schemeClr val="tx1"/>
+              </a:solidFill>
+              <a:tailEnd type="triangle"/>
+            </a:ln>
+          </p:spPr>
+          <p:style>
+            <a:lnRef idx="1">
+              <a:schemeClr val="accent1"/>
+            </a:lnRef>
+            <a:fillRef idx="0">
+              <a:schemeClr val="accent1"/>
+            </a:fillRef>
+            <a:effectRef idx="0">
+              <a:schemeClr val="accent1"/>
+            </a:effectRef>
+            <a:fontRef idx="minor">
+              <a:schemeClr val="tx1"/>
+            </a:fontRef>
+          </p:style>
+        </p:cxnSp>
+        <p:sp>
+          <p:nvSpPr>
+            <p:cNvPr id="26" name="Rechteck 25">
+              <a:extLst>
+                <a:ext uri="{FF2B5EF4-FFF2-40B4-BE49-F238E27FC236}">
+                  <a16:creationId xmlns:a16="http://schemas.microsoft.com/office/drawing/2014/main" id="{E82F87B5-2990-464B-9356-BEDFCB643C02}"/>
+                </a:ext>
+              </a:extLst>
+            </p:cNvPr>
+            <p:cNvSpPr/>
+            <p:nvPr/>
+          </p:nvSpPr>
+          <p:spPr>
+            <a:xfrm rot="19787604">
+              <a:off x="3295514" y="1282866"/>
+              <a:ext cx="784231" cy="286301"/>
+            </a:xfrm>
+            <a:prstGeom prst="rect">
+              <a:avLst/>
+            </a:prstGeom>
+            <a:noFill/>
+            <a:ln>
+              <a:noFill/>
+            </a:ln>
+          </p:spPr>
+          <p:style>
+            <a:lnRef idx="2">
+              <a:schemeClr val="accent1">
+                <a:shade val="50000"/>
+              </a:schemeClr>
+            </a:lnRef>
+            <a:fillRef idx="1">
+              <a:schemeClr val="accent1"/>
+            </a:fillRef>
+            <a:effectRef idx="0">
+              <a:schemeClr val="accent1"/>
+            </a:effectRef>
+            <a:fontRef idx="minor">
+              <a:schemeClr val="lt1"/>
+            </a:fontRef>
+          </p:style>
+          <p:txBody>
+            <a:bodyPr rtlCol="0" anchor="ctr"/>
+            <a:lstStyle/>
+            <a:p>
+              <a:pPr algn="ctr"/>
+              <a:r>
+                <a:rPr lang="en-US" sz="1000" dirty="0">
+                  <a:solidFill>
+                    <a:srgbClr val="01364C"/>
+                  </a:solidFill>
+                </a:rPr>
+                <a:t>Push</a:t>
+              </a:r>
+            </a:p>
+          </p:txBody>
+        </p:sp>
+      </p:grpSp>
+      <p:grpSp>
+        <p:nvGrpSpPr>
+          <p:cNvPr id="39" name="Gruppieren 38">
+            <a:extLst>
+              <a:ext uri="{FF2B5EF4-FFF2-40B4-BE49-F238E27FC236}">
+                <a16:creationId xmlns:a16="http://schemas.microsoft.com/office/drawing/2014/main" id="{1779F69D-796A-4A3B-9EFB-2396134333A0}"/>
+              </a:ext>
+            </a:extLst>
+          </p:cNvPr>
+          <p:cNvGrpSpPr/>
+          <p:nvPr/>
+        </p:nvGrpSpPr>
+        <p:grpSpPr>
+          <a:xfrm>
+            <a:off x="8677275" y="3502232"/>
+            <a:ext cx="2730254" cy="2652382"/>
+            <a:chOff x="8347587" y="3788533"/>
+            <a:chExt cx="2730254" cy="2652382"/>
+          </a:xfrm>
+        </p:grpSpPr>
+        <p:pic>
+          <p:nvPicPr>
+            <p:cNvPr id="6" name="Grafik 5">
+              <a:extLst>
+                <a:ext uri="{FF2B5EF4-FFF2-40B4-BE49-F238E27FC236}">
+                  <a16:creationId xmlns:a16="http://schemas.microsoft.com/office/drawing/2014/main" id="{62004BF0-E0BD-4254-AA58-90E6A1F05E13}"/>
+                </a:ext>
+              </a:extLst>
+            </p:cNvPr>
+            <p:cNvPicPr>
+              <a:picLocks noChangeAspect="1"/>
+            </p:cNvPicPr>
+            <p:nvPr/>
+          </p:nvPicPr>
+          <p:blipFill>
+            <a:blip r:embed="rId2"/>
+            <a:stretch>
+              <a:fillRect/>
+            </a:stretch>
+          </p:blipFill>
+          <p:spPr>
+            <a:xfrm>
+              <a:off x="8365374" y="4126522"/>
+              <a:ext cx="2088879" cy="2028092"/>
+            </a:xfrm>
+            <a:prstGeom prst="rect">
+              <a:avLst/>
+            </a:prstGeom>
+            <a:ln w="25400">
+              <a:solidFill>
+                <a:schemeClr val="tx1"/>
+              </a:solidFill>
+            </a:ln>
+          </p:spPr>
+        </p:pic>
+        <p:sp>
+          <p:nvSpPr>
+            <p:cNvPr id="21" name="Rechteck 20">
+              <a:extLst>
+                <a:ext uri="{FF2B5EF4-FFF2-40B4-BE49-F238E27FC236}">
+                  <a16:creationId xmlns:a16="http://schemas.microsoft.com/office/drawing/2014/main" id="{06059F80-2D28-4492-8B4D-6AB49E9A012E}"/>
+                </a:ext>
+              </a:extLst>
+            </p:cNvPr>
+            <p:cNvSpPr/>
+            <p:nvPr/>
+          </p:nvSpPr>
+          <p:spPr>
+            <a:xfrm>
+              <a:off x="8347587" y="6154614"/>
+              <a:ext cx="2119313" cy="286301"/>
+            </a:xfrm>
+            <a:prstGeom prst="rect">
+              <a:avLst/>
+            </a:prstGeom>
+            <a:solidFill>
+              <a:srgbClr val="F4BA02"/>
+            </a:solidFill>
+            <a:ln w="25400">
+              <a:solidFill>
+                <a:schemeClr val="tx1"/>
+              </a:solidFill>
+            </a:ln>
+          </p:spPr>
+          <p:style>
+            <a:lnRef idx="2">
+              <a:schemeClr val="accent1">
+                <a:shade val="50000"/>
+              </a:schemeClr>
+            </a:lnRef>
+            <a:fillRef idx="1">
+              <a:schemeClr val="accent1"/>
+            </a:fillRef>
+            <a:effectRef idx="0">
+              <a:schemeClr val="accent1"/>
+            </a:effectRef>
+            <a:fontRef idx="minor">
+              <a:schemeClr val="lt1"/>
+            </a:fontRef>
+          </p:style>
+          <p:txBody>
+            <a:bodyPr rtlCol="0" anchor="ctr"/>
+            <a:lstStyle/>
+            <a:p>
+              <a:pPr algn="ctr"/>
+              <a:r>
+                <a:rPr lang="en-US" sz="1400" dirty="0">
+                  <a:solidFill>
+                    <a:srgbClr val="01364C"/>
+                  </a:solidFill>
+                </a:rPr>
+                <a:t>Repository (</a:t>
+              </a:r>
+              <a:r>
+                <a:rPr lang="en-US" sz="1400" dirty="0" err="1">
+                  <a:solidFill>
+                    <a:srgbClr val="01364C"/>
+                  </a:solidFill>
+                </a:rPr>
+                <a:t>lokal</a:t>
+              </a:r>
+              <a:r>
+                <a:rPr lang="en-US" sz="1400" dirty="0">
+                  <a:solidFill>
+                    <a:srgbClr val="01364C"/>
+                  </a:solidFill>
+                </a:rPr>
+                <a:t>)</a:t>
+              </a:r>
+              <a:endParaRPr lang="de-DE" sz="1400" dirty="0">
+                <a:solidFill>
+                  <a:srgbClr val="01364C"/>
+                </a:solidFill>
+              </a:endParaRPr>
+            </a:p>
+          </p:txBody>
+        </p:sp>
+        <p:pic>
+          <p:nvPicPr>
+            <p:cNvPr id="28" name="Grafik 27" descr="Computer">
+              <a:extLst>
+                <a:ext uri="{FF2B5EF4-FFF2-40B4-BE49-F238E27FC236}">
+                  <a16:creationId xmlns:a16="http://schemas.microsoft.com/office/drawing/2014/main" id="{E84F99B0-76F0-4BB0-BCA1-7BB0D437B910}"/>
+                </a:ext>
+              </a:extLst>
+            </p:cNvPr>
+            <p:cNvPicPr>
+              <a:picLocks noChangeAspect="1"/>
+            </p:cNvPicPr>
+            <p:nvPr/>
+          </p:nvPicPr>
+          <p:blipFill>
+            <a:blip r:embed="rId3">
+              <a:extLst>
+                <a:ext uri="{28A0092B-C50C-407E-A947-70E740481C1C}">
+                  <a14:useLocalDpi xmlns:a14="http://schemas.microsoft.com/office/drawing/2010/main" val="0"/>
+                </a:ext>
+                <a:ext uri="{96DAC541-7B7A-43D3-8B79-37D633B846F1}">
+                  <asvg:svgBlip xmlns:asvg="http://schemas.microsoft.com/office/drawing/2016/SVG/main" r:embed="rId4"/>
+                </a:ext>
+              </a:extLst>
+            </a:blip>
+            <a:stretch>
+              <a:fillRect/>
+            </a:stretch>
+          </p:blipFill>
+          <p:spPr>
+            <a:xfrm>
+              <a:off x="10401864" y="3788533"/>
+              <a:ext cx="675977" cy="675977"/>
+            </a:xfrm>
+            <a:prstGeom prst="rect">
+              <a:avLst/>
+            </a:prstGeom>
+          </p:spPr>
+        </p:pic>
+      </p:grpSp>
+      <p:grpSp>
+        <p:nvGrpSpPr>
+          <p:cNvPr id="40" name="Gruppieren 39">
+            <a:extLst>
+              <a:ext uri="{FF2B5EF4-FFF2-40B4-BE49-F238E27FC236}">
+                <a16:creationId xmlns:a16="http://schemas.microsoft.com/office/drawing/2014/main" id="{45C1856E-4BE1-459D-AE21-E5A4C205B105}"/>
+              </a:ext>
+            </a:extLst>
+          </p:cNvPr>
+          <p:cNvGrpSpPr/>
+          <p:nvPr/>
+        </p:nvGrpSpPr>
+        <p:grpSpPr>
+          <a:xfrm>
+            <a:off x="1690056" y="3887603"/>
+            <a:ext cx="2119313" cy="2320124"/>
+            <a:chOff x="5083301" y="4126522"/>
+            <a:chExt cx="2119313" cy="2320124"/>
+          </a:xfrm>
+        </p:grpSpPr>
+        <p:pic>
+          <p:nvPicPr>
+            <p:cNvPr id="10" name="Grafik 9">
+              <a:extLst>
+                <a:ext uri="{FF2B5EF4-FFF2-40B4-BE49-F238E27FC236}">
+                  <a16:creationId xmlns:a16="http://schemas.microsoft.com/office/drawing/2014/main" id="{4AE95549-962E-4570-AF1E-E6DB8DED57CC}"/>
+                </a:ext>
+              </a:extLst>
+            </p:cNvPr>
+            <p:cNvPicPr>
+              <a:picLocks noChangeAspect="1"/>
+            </p:cNvPicPr>
+            <p:nvPr/>
+          </p:nvPicPr>
+          <p:blipFill>
+            <a:blip r:embed="rId2"/>
+            <a:stretch>
+              <a:fillRect/>
+            </a:stretch>
+          </p:blipFill>
+          <p:spPr>
+            <a:xfrm>
+              <a:off x="5099312" y="4126522"/>
+              <a:ext cx="2088879" cy="2028092"/>
+            </a:xfrm>
+            <a:prstGeom prst="rect">
+              <a:avLst/>
+            </a:prstGeom>
+            <a:ln w="25400">
+              <a:solidFill>
+                <a:schemeClr val="tx1"/>
+              </a:solidFill>
+            </a:ln>
+          </p:spPr>
+        </p:pic>
+        <p:sp>
+          <p:nvSpPr>
+            <p:cNvPr id="22" name="Rechteck 21">
+              <a:extLst>
+                <a:ext uri="{FF2B5EF4-FFF2-40B4-BE49-F238E27FC236}">
+                  <a16:creationId xmlns:a16="http://schemas.microsoft.com/office/drawing/2014/main" id="{74D425B7-900C-4E12-A1D2-DBDE2CC0BFFB}"/>
+                </a:ext>
+              </a:extLst>
+            </p:cNvPr>
+            <p:cNvSpPr/>
+            <p:nvPr/>
+          </p:nvSpPr>
+          <p:spPr>
+            <a:xfrm>
+              <a:off x="5083301" y="6160345"/>
+              <a:ext cx="2119313" cy="286301"/>
+            </a:xfrm>
+            <a:prstGeom prst="rect">
+              <a:avLst/>
+            </a:prstGeom>
+            <a:solidFill>
+              <a:srgbClr val="F4BA02"/>
+            </a:solidFill>
+            <a:ln w="25400">
+              <a:solidFill>
+                <a:schemeClr val="tx1"/>
+              </a:solidFill>
+            </a:ln>
+          </p:spPr>
+          <p:style>
+            <a:lnRef idx="2">
+              <a:schemeClr val="accent1">
+                <a:shade val="50000"/>
+              </a:schemeClr>
+            </a:lnRef>
+            <a:fillRef idx="1">
+              <a:schemeClr val="accent1"/>
+            </a:fillRef>
+            <a:effectRef idx="0">
+              <a:schemeClr val="accent1"/>
+            </a:effectRef>
+            <a:fontRef idx="minor">
+              <a:schemeClr val="lt1"/>
+            </a:fontRef>
+          </p:style>
+          <p:txBody>
+            <a:bodyPr rtlCol="0" anchor="ctr"/>
+            <a:lstStyle/>
+            <a:p>
+              <a:pPr algn="ctr"/>
+              <a:r>
+                <a:rPr lang="en-US" sz="1400" dirty="0">
+                  <a:solidFill>
+                    <a:srgbClr val="01364C"/>
+                  </a:solidFill>
+                </a:rPr>
+                <a:t>Repository (</a:t>
+              </a:r>
+              <a:r>
+                <a:rPr lang="en-US" sz="1400" dirty="0" err="1">
+                  <a:solidFill>
+                    <a:srgbClr val="01364C"/>
+                  </a:solidFill>
+                </a:rPr>
+                <a:t>lokal</a:t>
+              </a:r>
+              <a:r>
+                <a:rPr lang="en-US" sz="1400" dirty="0">
+                  <a:solidFill>
+                    <a:srgbClr val="01364C"/>
+                  </a:solidFill>
+                </a:rPr>
+                <a:t>)</a:t>
+              </a:r>
+              <a:endParaRPr lang="de-DE" sz="1400" dirty="0">
+                <a:solidFill>
+                  <a:srgbClr val="01364C"/>
+                </a:solidFill>
+              </a:endParaRPr>
+            </a:p>
+          </p:txBody>
+        </p:sp>
+      </p:grpSp>
+      <p:sp>
+        <p:nvSpPr>
+          <p:cNvPr id="11" name="Ellipse 10">
+            <a:extLst>
+              <a:ext uri="{FF2B5EF4-FFF2-40B4-BE49-F238E27FC236}">
+                <a16:creationId xmlns:a16="http://schemas.microsoft.com/office/drawing/2014/main" id="{B1E63540-82B6-4E6F-9DA2-52523719782D}"/>
+              </a:ext>
+            </a:extLst>
+          </p:cNvPr>
+          <p:cNvSpPr/>
+          <p:nvPr/>
+        </p:nvSpPr>
+        <p:spPr>
+          <a:xfrm>
+            <a:off x="1683706" y="2003733"/>
+            <a:ext cx="2133600" cy="961292"/>
+          </a:xfrm>
+          <a:prstGeom prst="ellipse">
+            <a:avLst/>
+          </a:prstGeom>
+          <a:solidFill>
+            <a:srgbClr val="F4BA02"/>
+          </a:solidFill>
+          <a:ln w="25400">
+            <a:solidFill>
+              <a:schemeClr val="tx1"/>
+            </a:solidFill>
+          </a:ln>
+        </p:spPr>
+        <p:style>
+          <a:lnRef idx="2">
+            <a:schemeClr val="accent1">
+              <a:shade val="50000"/>
+            </a:schemeClr>
+          </a:lnRef>
+          <a:fillRef idx="1">
+            <a:schemeClr val="accent1"/>
+          </a:fillRef>
+          <a:effectRef idx="0">
+            <a:schemeClr val="accent1"/>
+          </a:effectRef>
+          <a:fontRef idx="minor">
+            <a:schemeClr val="lt1"/>
+          </a:fontRef>
+        </p:style>
+        <p:txBody>
+          <a:bodyPr rtlCol="0" anchor="ctr"/>
+          <a:lstStyle/>
+          <a:p>
+            <a:pPr algn="ctr"/>
+            <a:r>
+              <a:rPr lang="en-US" sz="1400" dirty="0">
+                <a:solidFill>
+                  <a:srgbClr val="01364C"/>
+                </a:solidFill>
+              </a:rPr>
+              <a:t>Git (</a:t>
+            </a:r>
+            <a:r>
+              <a:rPr lang="en-US" sz="1400" dirty="0" err="1">
+                <a:solidFill>
+                  <a:srgbClr val="01364C"/>
+                </a:solidFill>
+              </a:rPr>
+              <a:t>lokal</a:t>
+            </a:r>
+            <a:r>
+              <a:rPr lang="en-US" sz="1400" dirty="0">
+                <a:solidFill>
+                  <a:srgbClr val="01364C"/>
+                </a:solidFill>
+              </a:rPr>
+              <a:t>)</a:t>
+            </a:r>
+            <a:endParaRPr lang="de-DE" sz="1400" dirty="0">
+              <a:solidFill>
+                <a:srgbClr val="01364C"/>
+              </a:solidFill>
+            </a:endParaRPr>
+          </a:p>
+        </p:txBody>
+      </p:sp>
+      <p:grpSp>
+        <p:nvGrpSpPr>
+          <p:cNvPr id="37" name="Gruppieren 36">
+            <a:extLst>
+              <a:ext uri="{FF2B5EF4-FFF2-40B4-BE49-F238E27FC236}">
+                <a16:creationId xmlns:a16="http://schemas.microsoft.com/office/drawing/2014/main" id="{AEF98EE4-30C7-4596-AC04-143055192D83}"/>
+              </a:ext>
+            </a:extLst>
+          </p:cNvPr>
+          <p:cNvGrpSpPr/>
+          <p:nvPr/>
+        </p:nvGrpSpPr>
+        <p:grpSpPr>
+          <a:xfrm>
+            <a:off x="4810123" y="-79927"/>
+            <a:ext cx="3064999" cy="1940510"/>
+            <a:chOff x="4725131" y="187228"/>
+            <a:chExt cx="3064999" cy="1940510"/>
+          </a:xfrm>
+        </p:grpSpPr>
+        <p:pic>
+          <p:nvPicPr>
+            <p:cNvPr id="5" name="Grafik 4">
+              <a:extLst>
+                <a:ext uri="{FF2B5EF4-FFF2-40B4-BE49-F238E27FC236}">
+                  <a16:creationId xmlns:a16="http://schemas.microsoft.com/office/drawing/2014/main" id="{CD08842F-82D2-4A8D-9033-08C17181FFE4}"/>
+                </a:ext>
+              </a:extLst>
+            </p:cNvPr>
+            <p:cNvPicPr>
+              <a:picLocks noChangeAspect="1"/>
+            </p:cNvPicPr>
+            <p:nvPr/>
+          </p:nvPicPr>
+          <p:blipFill>
+            <a:blip r:embed="rId5">
+              <a:extLst>
+                <a:ext uri="{28A0092B-C50C-407E-A947-70E740481C1C}">
+                  <a14:useLocalDpi xmlns:a14="http://schemas.microsoft.com/office/drawing/2010/main" val="0"/>
+                </a:ext>
+              </a:extLst>
+            </a:blip>
+            <a:stretch>
+              <a:fillRect/>
+            </a:stretch>
+          </p:blipFill>
+          <p:spPr>
+            <a:xfrm>
+              <a:off x="4741985" y="473529"/>
+              <a:ext cx="2538046" cy="1367908"/>
+            </a:xfrm>
+            <a:prstGeom prst="rect">
+              <a:avLst/>
+            </a:prstGeom>
+            <a:ln w="25400">
+              <a:solidFill>
+                <a:schemeClr val="tx1"/>
+              </a:solidFill>
+            </a:ln>
+          </p:spPr>
+        </p:pic>
+        <p:sp>
+          <p:nvSpPr>
+            <p:cNvPr id="20" name="Rechteck 19">
+              <a:extLst>
+                <a:ext uri="{FF2B5EF4-FFF2-40B4-BE49-F238E27FC236}">
+                  <a16:creationId xmlns:a16="http://schemas.microsoft.com/office/drawing/2014/main" id="{FC4DD9C8-109E-4860-9A5C-E3292D8D439C}"/>
+                </a:ext>
+              </a:extLst>
+            </p:cNvPr>
+            <p:cNvSpPr/>
+            <p:nvPr/>
+          </p:nvSpPr>
+          <p:spPr>
+            <a:xfrm>
+              <a:off x="4725131" y="1841437"/>
+              <a:ext cx="2569371" cy="286301"/>
+            </a:xfrm>
+            <a:prstGeom prst="rect">
+              <a:avLst/>
+            </a:prstGeom>
+            <a:solidFill>
+              <a:srgbClr val="00E0E0"/>
+            </a:solidFill>
+            <a:ln w="25400">
+              <a:solidFill>
+                <a:schemeClr val="tx1"/>
+              </a:solidFill>
+            </a:ln>
+          </p:spPr>
+          <p:style>
+            <a:lnRef idx="2">
+              <a:schemeClr val="accent1">
+                <a:shade val="50000"/>
+              </a:schemeClr>
+            </a:lnRef>
+            <a:fillRef idx="1">
+              <a:schemeClr val="accent1"/>
+            </a:fillRef>
+            <a:effectRef idx="0">
+              <a:schemeClr val="accent1"/>
+            </a:effectRef>
+            <a:fontRef idx="minor">
+              <a:schemeClr val="lt1"/>
+            </a:fontRef>
+          </p:style>
+          <p:txBody>
+            <a:bodyPr rtlCol="0" anchor="ctr"/>
+            <a:lstStyle/>
+            <a:p>
+              <a:pPr algn="ctr"/>
+              <a:r>
+                <a:rPr lang="en-US" sz="1400" dirty="0">
+                  <a:solidFill>
+                    <a:srgbClr val="01364C"/>
+                  </a:solidFill>
+                </a:rPr>
+                <a:t>Repository (online)</a:t>
+              </a:r>
+              <a:endParaRPr lang="de-DE" sz="1400" dirty="0">
+                <a:solidFill>
+                  <a:srgbClr val="01364C"/>
+                </a:solidFill>
+              </a:endParaRPr>
+            </a:p>
+          </p:txBody>
+        </p:sp>
+        <p:pic>
+          <p:nvPicPr>
+            <p:cNvPr id="32" name="Grafik 31" descr="Synchronisierende Cloud">
+              <a:extLst>
+                <a:ext uri="{FF2B5EF4-FFF2-40B4-BE49-F238E27FC236}">
+                  <a16:creationId xmlns:a16="http://schemas.microsoft.com/office/drawing/2014/main" id="{90F612F9-9C1B-43F7-A606-C0BBE8888873}"/>
+                </a:ext>
+              </a:extLst>
+            </p:cNvPr>
+            <p:cNvPicPr>
+              <a:picLocks noChangeAspect="1"/>
+            </p:cNvPicPr>
+            <p:nvPr/>
+          </p:nvPicPr>
+          <p:blipFill>
+            <a:blip r:embed="rId6">
+              <a:extLst>
+                <a:ext uri="{28A0092B-C50C-407E-A947-70E740481C1C}">
+                  <a14:useLocalDpi xmlns:a14="http://schemas.microsoft.com/office/drawing/2010/main" val="0"/>
+                </a:ext>
+                <a:ext uri="{96DAC541-7B7A-43D3-8B79-37D633B846F1}">
+                  <asvg:svgBlip xmlns:asvg="http://schemas.microsoft.com/office/drawing/2016/SVG/main" r:embed="rId7"/>
+                </a:ext>
+              </a:extLst>
+            </a:blip>
+            <a:stretch>
+              <a:fillRect/>
+            </a:stretch>
+          </p:blipFill>
+          <p:spPr>
+            <a:xfrm>
+              <a:off x="7169981" y="187228"/>
+              <a:ext cx="620149" cy="620149"/>
+            </a:xfrm>
+            <a:prstGeom prst="rect">
+              <a:avLst/>
+            </a:prstGeom>
+          </p:spPr>
+        </p:pic>
+      </p:grpSp>
+      <p:pic>
+        <p:nvPicPr>
+          <p:cNvPr id="49" name="Grafik 48" descr="Computer">
+            <a:extLst>
+              <a:ext uri="{FF2B5EF4-FFF2-40B4-BE49-F238E27FC236}">
+                <a16:creationId xmlns:a16="http://schemas.microsoft.com/office/drawing/2014/main" id="{83715380-73E1-48CA-8F0C-18733C1C8756}"/>
+              </a:ext>
+            </a:extLst>
+          </p:cNvPr>
+          <p:cNvPicPr>
+            <a:picLocks noChangeAspect="1"/>
+          </p:cNvPicPr>
+          <p:nvPr/>
+        </p:nvPicPr>
+        <p:blipFill>
+          <a:blip r:embed="rId3">
+            <a:extLst>
+              <a:ext uri="{28A0092B-C50C-407E-A947-70E740481C1C}">
+                <a14:useLocalDpi xmlns:a14="http://schemas.microsoft.com/office/drawing/2010/main" val="0"/>
+              </a:ext>
+              <a:ext uri="{96DAC541-7B7A-43D3-8B79-37D633B846F1}">
+                <asvg:svgBlip xmlns:asvg="http://schemas.microsoft.com/office/drawing/2016/SVG/main" r:embed="rId8"/>
+              </a:ext>
+            </a:extLst>
+          </a:blip>
+          <a:stretch>
+            <a:fillRect/>
+          </a:stretch>
+        </p:blipFill>
+        <p:spPr>
+          <a:xfrm>
+            <a:off x="1421532" y="1755211"/>
+            <a:ext cx="675977" cy="675977"/>
+          </a:xfrm>
+          <a:prstGeom prst="rect">
+            <a:avLst/>
+          </a:prstGeom>
+        </p:spPr>
+      </p:pic>
+      <p:pic>
+        <p:nvPicPr>
+          <p:cNvPr id="50" name="Grafik 49" descr="Computer">
+            <a:extLst>
+              <a:ext uri="{FF2B5EF4-FFF2-40B4-BE49-F238E27FC236}">
+                <a16:creationId xmlns:a16="http://schemas.microsoft.com/office/drawing/2014/main" id="{C90BE577-53EC-468F-B34B-DF70CA3C2827}"/>
+              </a:ext>
+            </a:extLst>
+          </p:cNvPr>
+          <p:cNvPicPr>
+            <a:picLocks noChangeAspect="1"/>
+          </p:cNvPicPr>
+          <p:nvPr/>
+        </p:nvPicPr>
+        <p:blipFill>
+          <a:blip r:embed="rId3">
+            <a:extLst>
+              <a:ext uri="{28A0092B-C50C-407E-A947-70E740481C1C}">
+                <a14:useLocalDpi xmlns:a14="http://schemas.microsoft.com/office/drawing/2010/main" val="0"/>
+              </a:ext>
+              <a:ext uri="{96DAC541-7B7A-43D3-8B79-37D633B846F1}">
+                <asvg:svgBlip xmlns:asvg="http://schemas.microsoft.com/office/drawing/2016/SVG/main" r:embed="rId8"/>
+              </a:ext>
+            </a:extLst>
+          </a:blip>
+          <a:stretch>
+            <a:fillRect/>
+          </a:stretch>
+        </p:blipFill>
+        <p:spPr>
+          <a:xfrm>
+            <a:off x="1071171" y="3646813"/>
+            <a:ext cx="675977" cy="675977"/>
+          </a:xfrm>
+          <a:prstGeom prst="rect">
+            <a:avLst/>
+          </a:prstGeom>
+        </p:spPr>
+      </p:pic>
+      <p:sp>
+        <p:nvSpPr>
+          <p:cNvPr id="29" name="Rechteck 28">
+            <a:extLst>
+              <a:ext uri="{FF2B5EF4-FFF2-40B4-BE49-F238E27FC236}">
+                <a16:creationId xmlns:a16="http://schemas.microsoft.com/office/drawing/2014/main" id="{626CFD3F-D3A0-4510-9465-6C1170EB28D3}"/>
+              </a:ext>
+            </a:extLst>
+          </p:cNvPr>
+          <p:cNvSpPr/>
+          <p:nvPr/>
+        </p:nvSpPr>
+        <p:spPr>
+          <a:xfrm rot="3707481">
+            <a:off x="3449509" y="1088355"/>
+            <a:ext cx="514340" cy="816711"/>
+          </a:xfrm>
+          <a:prstGeom prst="rect">
+            <a:avLst/>
+          </a:prstGeom>
+          <a:noFill/>
+          <a:ln w="38100">
+            <a:solidFill>
+              <a:srgbClr val="9B1B34"/>
+            </a:solidFill>
+          </a:ln>
+        </p:spPr>
+        <p:style>
+          <a:lnRef idx="2">
+            <a:schemeClr val="accent1">
+              <a:shade val="50000"/>
+            </a:schemeClr>
+          </a:lnRef>
+          <a:fillRef idx="1">
+            <a:schemeClr val="accent1"/>
+          </a:fillRef>
+          <a:effectRef idx="0">
+            <a:schemeClr val="accent1"/>
+          </a:effectRef>
+          <a:fontRef idx="minor">
+            <a:schemeClr val="lt1"/>
+          </a:fontRef>
+        </p:style>
+        <p:txBody>
+          <a:bodyPr rtlCol="0" anchor="ctr"/>
+          <a:lstStyle/>
+          <a:p>
+            <a:pPr algn="ctr"/>
+            <a:endParaRPr lang="de-DE"/>
+          </a:p>
+        </p:txBody>
+      </p:sp>
+    </p:spTree>
+    <p:extLst>
+      <p:ext uri="{BB962C8B-B14F-4D97-AF65-F5344CB8AC3E}">
+        <p14:creationId xmlns:p14="http://schemas.microsoft.com/office/powerpoint/2010/main" val="4030343020"/>
+      </p:ext>
+    </p:extLst>
+  </p:cSld>
+  <p:clrMapOvr>
+    <a:masterClrMapping/>
+  </p:clrMapOvr>
+</p:sld>
+</file>
+
+<file path=ppt/slides/slide7.xml><?xml version="1.0" encoding="utf-8"?>
+<p:sld xmlns:a="http://schemas.openxmlformats.org/drawingml/2006/main" xmlns:r="http://schemas.openxmlformats.org/officeDocument/2006/relationships" xmlns:p="http://schemas.openxmlformats.org/presentationml/2006/main">
+  <p:cSld>
+    <p:bg>
+      <p:bgPr>
+        <a:solidFill>
+          <a:srgbClr val="F8F8F8"/>
+        </a:solidFill>
+        <a:effectLst/>
+      </p:bgPr>
+    </p:bg>
+    <p:spTree>
+      <p:nvGrpSpPr>
+        <p:cNvPr id="1" name=""/>
+        <p:cNvGrpSpPr/>
+        <p:nvPr/>
+      </p:nvGrpSpPr>
+      <p:grpSpPr>
+        <a:xfrm>
+          <a:off x="0" y="0"/>
+          <a:ext cx="0" cy="0"/>
+          <a:chOff x="0" y="0"/>
+          <a:chExt cx="0" cy="0"/>
+        </a:xfrm>
+      </p:grpSpPr>
       <p:sp>
         <p:nvSpPr>
           <p:cNvPr id="4" name="Ellipse 3">
@@ -5595,7 +11766,7 @@
 </p:sld>
 </file>
 
-<file path=ppt/slides/slide3.xml><?xml version="1.0" encoding="utf-8"?>
+<file path=ppt/slides/slide8.xml><?xml version="1.0" encoding="utf-8"?>
 <p:sld xmlns:a="http://schemas.openxmlformats.org/drawingml/2006/main" xmlns:r="http://schemas.openxmlformats.org/officeDocument/2006/relationships" xmlns:p="http://schemas.openxmlformats.org/presentationml/2006/main">
   <p:cSld>
     <p:bg>
